--- a/gpt-icon.pptx
+++ b/gpt-icon.pptx
@@ -7,9 +7,10 @@
   <p:sldIdLst>
     <p:sldId id="256" r:id="rId2"/>
     <p:sldId id="257" r:id="rId3"/>
-    <p:sldId id="258" r:id="rId4"/>
-    <p:sldId id="259" r:id="rId5"/>
-    <p:sldId id="260" r:id="rId6"/>
+    <p:sldId id="261" r:id="rId4"/>
+    <p:sldId id="258" r:id="rId5"/>
+    <p:sldId id="259" r:id="rId6"/>
+    <p:sldId id="260" r:id="rId7"/>
   </p:sldIdLst>
   <p:sldSz cx="12192000" cy="6858000"/>
   <p:notesSz cx="6858000" cy="9144000"/>
@@ -263,7 +264,7 @@
           <a:p>
             <a:fld id="{D56E5F10-5C8A-46C0-8636-96B0D61EFD44}" type="datetimeFigureOut">
               <a:rPr lang="de-DE" smtClean="0"/>
-              <a:t>07.01.2025</a:t>
+              <a:t>14.01.2025</a:t>
             </a:fld>
             <a:endParaRPr lang="de-DE"/>
           </a:p>
@@ -461,7 +462,7 @@
           <a:p>
             <a:fld id="{D56E5F10-5C8A-46C0-8636-96B0D61EFD44}" type="datetimeFigureOut">
               <a:rPr lang="de-DE" smtClean="0"/>
-              <a:t>07.01.2025</a:t>
+              <a:t>14.01.2025</a:t>
             </a:fld>
             <a:endParaRPr lang="de-DE"/>
           </a:p>
@@ -669,7 +670,7 @@
           <a:p>
             <a:fld id="{D56E5F10-5C8A-46C0-8636-96B0D61EFD44}" type="datetimeFigureOut">
               <a:rPr lang="de-DE" smtClean="0"/>
-              <a:t>07.01.2025</a:t>
+              <a:t>14.01.2025</a:t>
             </a:fld>
             <a:endParaRPr lang="de-DE"/>
           </a:p>
@@ -867,7 +868,7 @@
           <a:p>
             <a:fld id="{D56E5F10-5C8A-46C0-8636-96B0D61EFD44}" type="datetimeFigureOut">
               <a:rPr lang="de-DE" smtClean="0"/>
-              <a:t>07.01.2025</a:t>
+              <a:t>14.01.2025</a:t>
             </a:fld>
             <a:endParaRPr lang="de-DE"/>
           </a:p>
@@ -1142,7 +1143,7 @@
           <a:p>
             <a:fld id="{D56E5F10-5C8A-46C0-8636-96B0D61EFD44}" type="datetimeFigureOut">
               <a:rPr lang="de-DE" smtClean="0"/>
-              <a:t>07.01.2025</a:t>
+              <a:t>14.01.2025</a:t>
             </a:fld>
             <a:endParaRPr lang="de-DE"/>
           </a:p>
@@ -1407,7 +1408,7 @@
           <a:p>
             <a:fld id="{D56E5F10-5C8A-46C0-8636-96B0D61EFD44}" type="datetimeFigureOut">
               <a:rPr lang="de-DE" smtClean="0"/>
-              <a:t>07.01.2025</a:t>
+              <a:t>14.01.2025</a:t>
             </a:fld>
             <a:endParaRPr lang="de-DE"/>
           </a:p>
@@ -1819,7 +1820,7 @@
           <a:p>
             <a:fld id="{D56E5F10-5C8A-46C0-8636-96B0D61EFD44}" type="datetimeFigureOut">
               <a:rPr lang="de-DE" smtClean="0"/>
-              <a:t>07.01.2025</a:t>
+              <a:t>14.01.2025</a:t>
             </a:fld>
             <a:endParaRPr lang="de-DE"/>
           </a:p>
@@ -1960,7 +1961,7 @@
           <a:p>
             <a:fld id="{D56E5F10-5C8A-46C0-8636-96B0D61EFD44}" type="datetimeFigureOut">
               <a:rPr lang="de-DE" smtClean="0"/>
-              <a:t>07.01.2025</a:t>
+              <a:t>14.01.2025</a:t>
             </a:fld>
             <a:endParaRPr lang="de-DE"/>
           </a:p>
@@ -2073,7 +2074,7 @@
           <a:p>
             <a:fld id="{D56E5F10-5C8A-46C0-8636-96B0D61EFD44}" type="datetimeFigureOut">
               <a:rPr lang="de-DE" smtClean="0"/>
-              <a:t>07.01.2025</a:t>
+              <a:t>14.01.2025</a:t>
             </a:fld>
             <a:endParaRPr lang="de-DE"/>
           </a:p>
@@ -2384,7 +2385,7 @@
           <a:p>
             <a:fld id="{D56E5F10-5C8A-46C0-8636-96B0D61EFD44}" type="datetimeFigureOut">
               <a:rPr lang="de-DE" smtClean="0"/>
-              <a:t>07.01.2025</a:t>
+              <a:t>14.01.2025</a:t>
             </a:fld>
             <a:endParaRPr lang="de-DE"/>
           </a:p>
@@ -2672,7 +2673,7 @@
           <a:p>
             <a:fld id="{D56E5F10-5C8A-46C0-8636-96B0D61EFD44}" type="datetimeFigureOut">
               <a:rPr lang="de-DE" smtClean="0"/>
-              <a:t>07.01.2025</a:t>
+              <a:t>14.01.2025</a:t>
             </a:fld>
             <a:endParaRPr lang="de-DE"/>
           </a:p>
@@ -2913,7 +2914,7 @@
           <a:p>
             <a:fld id="{D56E5F10-5C8A-46C0-8636-96B0D61EFD44}" type="datetimeFigureOut">
               <a:rPr lang="de-DE" smtClean="0"/>
-              <a:t>07.01.2025</a:t>
+              <a:t>14.01.2025</a:t>
             </a:fld>
             <a:endParaRPr lang="de-DE"/>
           </a:p>
@@ -3990,6 +3991,5964 @@
           </a:fontRef>
         </p:style>
       </p:cxnSp>
+      <p:sp>
+        <p:nvSpPr>
+          <p:cNvPr id="2" name="Textfeld 1">
+            <a:extLst>
+              <a:ext uri="{FF2B5EF4-FFF2-40B4-BE49-F238E27FC236}">
+                <a16:creationId xmlns:a16="http://schemas.microsoft.com/office/drawing/2014/main" id="{DC3D5B3C-6345-EB72-82A2-FE751516B4E9}"/>
+              </a:ext>
+            </a:extLst>
+          </p:cNvPr>
+          <p:cNvSpPr txBox="1"/>
+          <p:nvPr/>
+        </p:nvSpPr>
+        <p:spPr>
+          <a:xfrm>
+            <a:off x="3093720" y="-125820"/>
+            <a:ext cx="5783580" cy="7109639"/>
+          </a:xfrm>
+          <a:prstGeom prst="rect">
+            <a:avLst/>
+          </a:prstGeom>
+          <a:noFill/>
+        </p:spPr>
+        <p:txBody>
+          <a:bodyPr wrap="square" rtlCol="0">
+            <a:spAutoFit/>
+          </a:bodyPr>
+          <a:lstStyle/>
+          <a:p>
+            <a:r>
+              <a:rPr lang="de-DE" sz="1200" dirty="0">
+                <a:solidFill>
+                  <a:schemeClr val="bg1">
+                    <a:lumMod val="85000"/>
+                  </a:schemeClr>
+                </a:solidFill>
+              </a:rPr>
+              <a:t>LLM GPT2 LLM </a:t>
+            </a:r>
+            <a:r>
+              <a:rPr lang="de-DE" sz="1200" dirty="0" err="1">
+                <a:solidFill>
+                  <a:schemeClr val="bg1">
+                    <a:lumMod val="85000"/>
+                  </a:schemeClr>
+                </a:solidFill>
+              </a:rPr>
+              <a:t>llm.swift</a:t>
+            </a:r>
+            <a:r>
+              <a:rPr lang="de-DE" sz="1200" dirty="0">
+                <a:solidFill>
+                  <a:schemeClr val="bg1">
+                    <a:lumMod val="85000"/>
+                  </a:schemeClr>
+                </a:solidFill>
+              </a:rPr>
+              <a:t> GPT2 LLM </a:t>
+            </a:r>
+            <a:r>
+              <a:rPr lang="de-DE" sz="1200" dirty="0" err="1">
+                <a:solidFill>
+                  <a:schemeClr val="bg1">
+                    <a:lumMod val="85000"/>
+                  </a:schemeClr>
+                </a:solidFill>
+              </a:rPr>
+              <a:t>llm.swift</a:t>
+            </a:r>
+            <a:r>
+              <a:rPr lang="de-DE" sz="1200" dirty="0">
+                <a:solidFill>
+                  <a:schemeClr val="bg1">
+                    <a:lumMod val="85000"/>
+                  </a:schemeClr>
+                </a:solidFill>
+              </a:rPr>
+              <a:t> GPT2 </a:t>
+            </a:r>
+            <a:r>
+              <a:rPr lang="de-DE" sz="1200" dirty="0" err="1">
+                <a:solidFill>
+                  <a:schemeClr val="bg1">
+                    <a:lumMod val="85000"/>
+                  </a:schemeClr>
+                </a:solidFill>
+              </a:rPr>
+              <a:t>llm.swift</a:t>
+            </a:r>
+            <a:r>
+              <a:rPr lang="de-DE" sz="1200" dirty="0">
+                <a:solidFill>
+                  <a:schemeClr val="bg1">
+                    <a:lumMod val="85000"/>
+                  </a:schemeClr>
+                </a:solidFill>
+              </a:rPr>
+              <a:t> Swift GPT2 </a:t>
+            </a:r>
+            <a:r>
+              <a:rPr lang="de-DE" sz="1200" dirty="0" err="1">
+                <a:solidFill>
+                  <a:schemeClr val="bg1">
+                    <a:lumMod val="85000"/>
+                  </a:schemeClr>
+                </a:solidFill>
+              </a:rPr>
+              <a:t>GPT2</a:t>
+            </a:r>
+            <a:r>
+              <a:rPr lang="de-DE" sz="1200" dirty="0">
+                <a:solidFill>
+                  <a:schemeClr val="bg1">
+                    <a:lumMod val="85000"/>
+                  </a:schemeClr>
+                </a:solidFill>
+              </a:rPr>
+              <a:t> </a:t>
+            </a:r>
+            <a:r>
+              <a:rPr lang="de-DE" sz="1200" dirty="0" err="1">
+                <a:solidFill>
+                  <a:schemeClr val="bg1">
+                    <a:lumMod val="85000"/>
+                  </a:schemeClr>
+                </a:solidFill>
+              </a:rPr>
+              <a:t>llm.c</a:t>
+            </a:r>
+            <a:r>
+              <a:rPr lang="de-DE" sz="1200" dirty="0">
+                <a:solidFill>
+                  <a:schemeClr val="bg1">
+                    <a:lumMod val="85000"/>
+                  </a:schemeClr>
+                </a:solidFill>
+              </a:rPr>
+              <a:t> GPT2 LLM Swift </a:t>
+            </a:r>
+            <a:r>
+              <a:rPr lang="de-DE" sz="1200" dirty="0" err="1">
+                <a:solidFill>
+                  <a:schemeClr val="bg1">
+                    <a:lumMod val="85000"/>
+                  </a:schemeClr>
+                </a:solidFill>
+              </a:rPr>
+              <a:t>Metal</a:t>
+            </a:r>
+            <a:r>
+              <a:rPr lang="de-DE" sz="1200" dirty="0">
+                <a:solidFill>
+                  <a:schemeClr val="bg1">
+                    <a:lumMod val="85000"/>
+                  </a:schemeClr>
+                </a:solidFill>
+              </a:rPr>
+              <a:t> Swift </a:t>
+            </a:r>
+            <a:r>
+              <a:rPr lang="de-DE" sz="1200" dirty="0" err="1">
+                <a:solidFill>
+                  <a:schemeClr val="bg1">
+                    <a:lumMod val="85000"/>
+                  </a:schemeClr>
+                </a:solidFill>
+              </a:rPr>
+              <a:t>Swift</a:t>
+            </a:r>
+            <a:r>
+              <a:rPr lang="de-DE" sz="1200" dirty="0">
+                <a:solidFill>
+                  <a:schemeClr val="bg1">
+                    <a:lumMod val="85000"/>
+                  </a:schemeClr>
+                </a:solidFill>
+              </a:rPr>
+              <a:t> </a:t>
+            </a:r>
+            <a:r>
+              <a:rPr lang="de-DE" sz="1200" dirty="0" err="1">
+                <a:solidFill>
+                  <a:schemeClr val="bg1">
+                    <a:lumMod val="85000"/>
+                  </a:schemeClr>
+                </a:solidFill>
+              </a:rPr>
+              <a:t>llm.swift</a:t>
+            </a:r>
+            <a:r>
+              <a:rPr lang="de-DE" sz="1200" dirty="0">
+                <a:solidFill>
+                  <a:schemeClr val="bg1">
+                    <a:lumMod val="85000"/>
+                  </a:schemeClr>
+                </a:solidFill>
+              </a:rPr>
+              <a:t> GPT2 </a:t>
+            </a:r>
+            <a:r>
+              <a:rPr lang="de-DE" sz="1200" dirty="0" err="1">
+                <a:solidFill>
+                  <a:schemeClr val="bg1">
+                    <a:lumMod val="85000"/>
+                  </a:schemeClr>
+                </a:solidFill>
+              </a:rPr>
+              <a:t>GPT2</a:t>
+            </a:r>
+            <a:r>
+              <a:rPr lang="de-DE" sz="1200" dirty="0">
+                <a:solidFill>
+                  <a:schemeClr val="bg1">
+                    <a:lumMod val="85000"/>
+                  </a:schemeClr>
+                </a:solidFill>
+              </a:rPr>
+              <a:t> </a:t>
+            </a:r>
+            <a:r>
+              <a:rPr lang="de-DE" sz="1200" dirty="0" err="1">
+                <a:solidFill>
+                  <a:schemeClr val="bg1">
+                    <a:lumMod val="85000"/>
+                  </a:schemeClr>
+                </a:solidFill>
+              </a:rPr>
+              <a:t>GPT2</a:t>
+            </a:r>
+            <a:r>
+              <a:rPr lang="de-DE" sz="1200" dirty="0">
+                <a:solidFill>
+                  <a:schemeClr val="bg1">
+                    <a:lumMod val="85000"/>
+                  </a:schemeClr>
+                </a:solidFill>
+              </a:rPr>
+              <a:t> </a:t>
+            </a:r>
+            <a:r>
+              <a:rPr lang="de-DE" sz="1200" dirty="0" err="1">
+                <a:solidFill>
+                  <a:schemeClr val="bg1">
+                    <a:lumMod val="85000"/>
+                  </a:schemeClr>
+                </a:solidFill>
+              </a:rPr>
+              <a:t>llm.c</a:t>
+            </a:r>
+            <a:r>
+              <a:rPr lang="de-DE" sz="1200" dirty="0">
+                <a:solidFill>
+                  <a:schemeClr val="bg1">
+                    <a:lumMod val="85000"/>
+                  </a:schemeClr>
+                </a:solidFill>
+              </a:rPr>
+              <a:t> </a:t>
+            </a:r>
+            <a:r>
+              <a:rPr lang="de-DE" sz="1200" dirty="0" err="1">
+                <a:solidFill>
+                  <a:schemeClr val="bg1">
+                    <a:lumMod val="85000"/>
+                  </a:schemeClr>
+                </a:solidFill>
+              </a:rPr>
+              <a:t>llm.c</a:t>
+            </a:r>
+            <a:r>
+              <a:rPr lang="de-DE" sz="1200" dirty="0">
+                <a:solidFill>
+                  <a:schemeClr val="bg1">
+                    <a:lumMod val="85000"/>
+                  </a:schemeClr>
+                </a:solidFill>
+              </a:rPr>
+              <a:t> </a:t>
+            </a:r>
+            <a:r>
+              <a:rPr lang="de-DE" sz="1200" dirty="0" err="1">
+                <a:solidFill>
+                  <a:schemeClr val="bg1">
+                    <a:lumMod val="85000"/>
+                  </a:schemeClr>
+                </a:solidFill>
+              </a:rPr>
+              <a:t>llm.swift</a:t>
+            </a:r>
+            <a:r>
+              <a:rPr lang="de-DE" sz="1200" dirty="0">
+                <a:solidFill>
+                  <a:schemeClr val="bg1">
+                    <a:lumMod val="85000"/>
+                  </a:schemeClr>
+                </a:solidFill>
+              </a:rPr>
+              <a:t> GPT2 </a:t>
+            </a:r>
+            <a:r>
+              <a:rPr lang="de-DE" sz="1200" dirty="0" err="1">
+                <a:solidFill>
+                  <a:schemeClr val="bg1">
+                    <a:lumMod val="85000"/>
+                  </a:schemeClr>
+                </a:solidFill>
+              </a:rPr>
+              <a:t>GPT2</a:t>
+            </a:r>
+            <a:r>
+              <a:rPr lang="de-DE" sz="1200" dirty="0">
+                <a:solidFill>
+                  <a:schemeClr val="bg1">
+                    <a:lumMod val="85000"/>
+                  </a:schemeClr>
+                </a:solidFill>
+              </a:rPr>
+              <a:t> Swift </a:t>
+            </a:r>
+            <a:r>
+              <a:rPr lang="de-DE" sz="1200" dirty="0" err="1">
+                <a:solidFill>
+                  <a:schemeClr val="bg1">
+                    <a:lumMod val="85000"/>
+                  </a:schemeClr>
+                </a:solidFill>
+              </a:rPr>
+              <a:t>Metal</a:t>
+            </a:r>
+            <a:r>
+              <a:rPr lang="de-DE" sz="1200" dirty="0">
+                <a:solidFill>
+                  <a:schemeClr val="bg1">
+                    <a:lumMod val="85000"/>
+                  </a:schemeClr>
+                </a:solidFill>
+              </a:rPr>
+              <a:t> LLM </a:t>
+            </a:r>
+            <a:r>
+              <a:rPr lang="de-DE" sz="1200" dirty="0" err="1">
+                <a:solidFill>
+                  <a:schemeClr val="bg1">
+                    <a:lumMod val="85000"/>
+                  </a:schemeClr>
+                </a:solidFill>
+              </a:rPr>
+              <a:t>Metal</a:t>
+            </a:r>
+            <a:r>
+              <a:rPr lang="de-DE" sz="1200" dirty="0">
+                <a:solidFill>
+                  <a:schemeClr val="bg1">
+                    <a:lumMod val="85000"/>
+                  </a:schemeClr>
+                </a:solidFill>
+              </a:rPr>
+              <a:t> </a:t>
+            </a:r>
+            <a:r>
+              <a:rPr lang="de-DE" sz="1200" dirty="0" err="1">
+                <a:solidFill>
+                  <a:schemeClr val="bg1">
+                    <a:lumMod val="85000"/>
+                  </a:schemeClr>
+                </a:solidFill>
+              </a:rPr>
+              <a:t>Metal</a:t>
+            </a:r>
+            <a:r>
+              <a:rPr lang="de-DE" sz="1200" dirty="0">
+                <a:solidFill>
+                  <a:schemeClr val="bg1">
+                    <a:lumMod val="85000"/>
+                  </a:schemeClr>
+                </a:solidFill>
+              </a:rPr>
+              <a:t> </a:t>
+            </a:r>
+            <a:r>
+              <a:rPr lang="de-DE" sz="1200" dirty="0" err="1">
+                <a:solidFill>
+                  <a:schemeClr val="bg1">
+                    <a:lumMod val="85000"/>
+                  </a:schemeClr>
+                </a:solidFill>
+              </a:rPr>
+              <a:t>llm.c</a:t>
+            </a:r>
+            <a:r>
+              <a:rPr lang="de-DE" sz="1200" dirty="0">
+                <a:solidFill>
+                  <a:schemeClr val="bg1">
+                    <a:lumMod val="85000"/>
+                  </a:schemeClr>
+                </a:solidFill>
+              </a:rPr>
+              <a:t> </a:t>
+            </a:r>
+            <a:r>
+              <a:rPr lang="de-DE" sz="1200" dirty="0" err="1">
+                <a:solidFill>
+                  <a:schemeClr val="bg1">
+                    <a:lumMod val="85000"/>
+                  </a:schemeClr>
+                </a:solidFill>
+              </a:rPr>
+              <a:t>llm.c</a:t>
+            </a:r>
+            <a:r>
+              <a:rPr lang="de-DE" sz="1200" dirty="0">
+                <a:solidFill>
+                  <a:schemeClr val="bg1">
+                    <a:lumMod val="85000"/>
+                  </a:schemeClr>
+                </a:solidFill>
+              </a:rPr>
+              <a:t> </a:t>
+            </a:r>
+            <a:r>
+              <a:rPr lang="de-DE" sz="1200" dirty="0" err="1">
+                <a:solidFill>
+                  <a:schemeClr val="bg1">
+                    <a:lumMod val="85000"/>
+                  </a:schemeClr>
+                </a:solidFill>
+              </a:rPr>
+              <a:t>llm.c</a:t>
+            </a:r>
+            <a:r>
+              <a:rPr lang="de-DE" sz="1200" dirty="0">
+                <a:solidFill>
+                  <a:schemeClr val="bg1">
+                    <a:lumMod val="85000"/>
+                  </a:schemeClr>
+                </a:solidFill>
+              </a:rPr>
+              <a:t> </a:t>
+            </a:r>
+            <a:r>
+              <a:rPr lang="de-DE" sz="1200" dirty="0" err="1">
+                <a:solidFill>
+                  <a:schemeClr val="bg1">
+                    <a:lumMod val="85000"/>
+                  </a:schemeClr>
+                </a:solidFill>
+              </a:rPr>
+              <a:t>Metal</a:t>
+            </a:r>
+            <a:r>
+              <a:rPr lang="de-DE" sz="1200" dirty="0">
+                <a:solidFill>
+                  <a:schemeClr val="bg1">
+                    <a:lumMod val="85000"/>
+                  </a:schemeClr>
+                </a:solidFill>
+              </a:rPr>
+              <a:t> GPT2 Swift LLM Swift </a:t>
+            </a:r>
+            <a:r>
+              <a:rPr lang="de-DE" sz="1200" dirty="0" err="1">
+                <a:solidFill>
+                  <a:schemeClr val="bg1">
+                    <a:lumMod val="85000"/>
+                  </a:schemeClr>
+                </a:solidFill>
+              </a:rPr>
+              <a:t>llm.swift</a:t>
+            </a:r>
+            <a:r>
+              <a:rPr lang="de-DE" sz="1200" dirty="0">
+                <a:solidFill>
+                  <a:schemeClr val="bg1">
+                    <a:lumMod val="85000"/>
+                  </a:schemeClr>
+                </a:solidFill>
+              </a:rPr>
+              <a:t> </a:t>
+            </a:r>
+            <a:r>
+              <a:rPr lang="de-DE" sz="1200" dirty="0" err="1">
+                <a:solidFill>
+                  <a:schemeClr val="bg1">
+                    <a:lumMod val="85000"/>
+                  </a:schemeClr>
+                </a:solidFill>
+              </a:rPr>
+              <a:t>llm.swift</a:t>
+            </a:r>
+            <a:r>
+              <a:rPr lang="de-DE" sz="1200" dirty="0">
+                <a:solidFill>
+                  <a:schemeClr val="bg1">
+                    <a:lumMod val="85000"/>
+                  </a:schemeClr>
+                </a:solidFill>
+              </a:rPr>
+              <a:t> LLM Swift </a:t>
+            </a:r>
+            <a:r>
+              <a:rPr lang="de-DE" sz="1200" dirty="0" err="1">
+                <a:solidFill>
+                  <a:schemeClr val="bg1">
+                    <a:lumMod val="85000"/>
+                  </a:schemeClr>
+                </a:solidFill>
+              </a:rPr>
+              <a:t>Metal</a:t>
+            </a:r>
+            <a:r>
+              <a:rPr lang="de-DE" sz="1200" dirty="0">
+                <a:solidFill>
+                  <a:schemeClr val="bg1">
+                    <a:lumMod val="85000"/>
+                  </a:schemeClr>
+                </a:solidFill>
+              </a:rPr>
+              <a:t> LLM </a:t>
+            </a:r>
+            <a:r>
+              <a:rPr lang="de-DE" sz="1200" dirty="0" err="1">
+                <a:solidFill>
+                  <a:schemeClr val="bg1">
+                    <a:lumMod val="85000"/>
+                  </a:schemeClr>
+                </a:solidFill>
+              </a:rPr>
+              <a:t>llm.swift</a:t>
+            </a:r>
+            <a:r>
+              <a:rPr lang="de-DE" sz="1200" dirty="0">
+                <a:solidFill>
+                  <a:schemeClr val="bg1">
+                    <a:lumMod val="85000"/>
+                  </a:schemeClr>
+                </a:solidFill>
+              </a:rPr>
+              <a:t> LLM </a:t>
+            </a:r>
+            <a:r>
+              <a:rPr lang="de-DE" sz="1200" dirty="0" err="1">
+                <a:solidFill>
+                  <a:schemeClr val="bg1">
+                    <a:lumMod val="85000"/>
+                  </a:schemeClr>
+                </a:solidFill>
+              </a:rPr>
+              <a:t>llm.swift</a:t>
+            </a:r>
+            <a:r>
+              <a:rPr lang="de-DE" sz="1200" dirty="0">
+                <a:solidFill>
+                  <a:schemeClr val="bg1">
+                    <a:lumMod val="85000"/>
+                  </a:schemeClr>
+                </a:solidFill>
+              </a:rPr>
+              <a:t> Swift </a:t>
+            </a:r>
+            <a:r>
+              <a:rPr lang="de-DE" sz="1200" dirty="0" err="1">
+                <a:solidFill>
+                  <a:schemeClr val="bg1">
+                    <a:lumMod val="85000"/>
+                  </a:schemeClr>
+                </a:solidFill>
+              </a:rPr>
+              <a:t>Swift</a:t>
+            </a:r>
+            <a:r>
+              <a:rPr lang="de-DE" sz="1200" dirty="0">
+                <a:solidFill>
+                  <a:schemeClr val="bg1">
+                    <a:lumMod val="85000"/>
+                  </a:schemeClr>
+                </a:solidFill>
+              </a:rPr>
+              <a:t> </a:t>
+            </a:r>
+            <a:r>
+              <a:rPr lang="de-DE" sz="1200" dirty="0" err="1">
+                <a:solidFill>
+                  <a:schemeClr val="bg1">
+                    <a:lumMod val="85000"/>
+                  </a:schemeClr>
+                </a:solidFill>
+              </a:rPr>
+              <a:t>llm.c</a:t>
+            </a:r>
+            <a:r>
+              <a:rPr lang="de-DE" sz="1200" dirty="0">
+                <a:solidFill>
+                  <a:schemeClr val="bg1">
+                    <a:lumMod val="85000"/>
+                  </a:schemeClr>
+                </a:solidFill>
+              </a:rPr>
+              <a:t> </a:t>
+            </a:r>
+            <a:r>
+              <a:rPr lang="de-DE" sz="1200" dirty="0" err="1">
+                <a:solidFill>
+                  <a:schemeClr val="bg1">
+                    <a:lumMod val="85000"/>
+                  </a:schemeClr>
+                </a:solidFill>
+              </a:rPr>
+              <a:t>Metal</a:t>
+            </a:r>
+            <a:r>
+              <a:rPr lang="de-DE" sz="1200" dirty="0">
+                <a:solidFill>
+                  <a:schemeClr val="bg1">
+                    <a:lumMod val="85000"/>
+                  </a:schemeClr>
+                </a:solidFill>
+              </a:rPr>
+              <a:t> GPT2 </a:t>
+            </a:r>
+            <a:r>
+              <a:rPr lang="de-DE" sz="1200" dirty="0" err="1">
+                <a:solidFill>
+                  <a:schemeClr val="bg1">
+                    <a:lumMod val="85000"/>
+                  </a:schemeClr>
+                </a:solidFill>
+              </a:rPr>
+              <a:t>GPT2</a:t>
+            </a:r>
+            <a:r>
+              <a:rPr lang="de-DE" sz="1200" dirty="0">
+                <a:solidFill>
+                  <a:schemeClr val="bg1">
+                    <a:lumMod val="85000"/>
+                  </a:schemeClr>
+                </a:solidFill>
+              </a:rPr>
+              <a:t> </a:t>
+            </a:r>
+            <a:r>
+              <a:rPr lang="de-DE" sz="1200" dirty="0" err="1">
+                <a:solidFill>
+                  <a:schemeClr val="bg1">
+                    <a:lumMod val="85000"/>
+                  </a:schemeClr>
+                </a:solidFill>
+              </a:rPr>
+              <a:t>Metal</a:t>
+            </a:r>
+            <a:r>
+              <a:rPr lang="de-DE" sz="1200" dirty="0">
+                <a:solidFill>
+                  <a:schemeClr val="bg1">
+                    <a:lumMod val="85000"/>
+                  </a:schemeClr>
+                </a:solidFill>
+              </a:rPr>
+              <a:t> </a:t>
+            </a:r>
+            <a:r>
+              <a:rPr lang="de-DE" sz="1200" dirty="0" err="1">
+                <a:solidFill>
+                  <a:schemeClr val="bg1">
+                    <a:lumMod val="85000"/>
+                  </a:schemeClr>
+                </a:solidFill>
+              </a:rPr>
+              <a:t>Metal</a:t>
+            </a:r>
+            <a:r>
+              <a:rPr lang="de-DE" sz="1200" dirty="0">
+                <a:solidFill>
+                  <a:schemeClr val="bg1">
+                    <a:lumMod val="85000"/>
+                  </a:schemeClr>
+                </a:solidFill>
+              </a:rPr>
+              <a:t> GPT2 Swift </a:t>
+            </a:r>
+            <a:r>
+              <a:rPr lang="de-DE" sz="1200" dirty="0" err="1">
+                <a:solidFill>
+                  <a:schemeClr val="bg1">
+                    <a:lumMod val="85000"/>
+                  </a:schemeClr>
+                </a:solidFill>
+              </a:rPr>
+              <a:t>Metal</a:t>
+            </a:r>
+            <a:r>
+              <a:rPr lang="de-DE" sz="1200" dirty="0">
+                <a:solidFill>
+                  <a:schemeClr val="bg1">
+                    <a:lumMod val="85000"/>
+                  </a:schemeClr>
+                </a:solidFill>
+              </a:rPr>
+              <a:t> LLM </a:t>
+            </a:r>
+            <a:r>
+              <a:rPr lang="de-DE" sz="1200" dirty="0" err="1">
+                <a:solidFill>
+                  <a:schemeClr val="bg1">
+                    <a:lumMod val="85000"/>
+                  </a:schemeClr>
+                </a:solidFill>
+              </a:rPr>
+              <a:t>Metal</a:t>
+            </a:r>
+            <a:r>
+              <a:rPr lang="de-DE" sz="1200" dirty="0">
+                <a:solidFill>
+                  <a:schemeClr val="bg1">
+                    <a:lumMod val="85000"/>
+                  </a:schemeClr>
+                </a:solidFill>
+              </a:rPr>
+              <a:t> </a:t>
+            </a:r>
+            <a:r>
+              <a:rPr lang="de-DE" sz="1200" dirty="0" err="1">
+                <a:solidFill>
+                  <a:schemeClr val="bg1">
+                    <a:lumMod val="85000"/>
+                  </a:schemeClr>
+                </a:solidFill>
+              </a:rPr>
+              <a:t>llm.swift</a:t>
+            </a:r>
+            <a:r>
+              <a:rPr lang="de-DE" sz="1200" dirty="0">
+                <a:solidFill>
+                  <a:schemeClr val="bg1">
+                    <a:lumMod val="85000"/>
+                  </a:schemeClr>
+                </a:solidFill>
+              </a:rPr>
+              <a:t> LLM </a:t>
+            </a:r>
+            <a:r>
+              <a:rPr lang="de-DE" sz="1200" dirty="0" err="1">
+                <a:solidFill>
+                  <a:schemeClr val="bg1">
+                    <a:lumMod val="85000"/>
+                  </a:schemeClr>
+                </a:solidFill>
+              </a:rPr>
+              <a:t>LLM</a:t>
+            </a:r>
+            <a:r>
+              <a:rPr lang="de-DE" sz="1200" dirty="0">
+                <a:solidFill>
+                  <a:schemeClr val="bg1">
+                    <a:lumMod val="85000"/>
+                  </a:schemeClr>
+                </a:solidFill>
+              </a:rPr>
+              <a:t> GPT2 </a:t>
+            </a:r>
+            <a:r>
+              <a:rPr lang="de-DE" sz="1200" dirty="0" err="1">
+                <a:solidFill>
+                  <a:schemeClr val="bg1">
+                    <a:lumMod val="85000"/>
+                  </a:schemeClr>
+                </a:solidFill>
+              </a:rPr>
+              <a:t>GPT2</a:t>
+            </a:r>
+            <a:r>
+              <a:rPr lang="de-DE" sz="1200" dirty="0">
+                <a:solidFill>
+                  <a:schemeClr val="bg1">
+                    <a:lumMod val="85000"/>
+                  </a:schemeClr>
+                </a:solidFill>
+              </a:rPr>
+              <a:t> </a:t>
+            </a:r>
+            <a:r>
+              <a:rPr lang="de-DE" sz="1200" dirty="0" err="1">
+                <a:solidFill>
+                  <a:schemeClr val="bg1">
+                    <a:lumMod val="85000"/>
+                  </a:schemeClr>
+                </a:solidFill>
+              </a:rPr>
+              <a:t>llm.c</a:t>
+            </a:r>
+            <a:r>
+              <a:rPr lang="de-DE" sz="1200" dirty="0">
+                <a:solidFill>
+                  <a:schemeClr val="bg1">
+                    <a:lumMod val="85000"/>
+                  </a:schemeClr>
+                </a:solidFill>
+              </a:rPr>
+              <a:t> </a:t>
+            </a:r>
+            <a:r>
+              <a:rPr lang="de-DE" sz="1200" dirty="0" err="1">
+                <a:solidFill>
+                  <a:schemeClr val="bg1">
+                    <a:lumMod val="85000"/>
+                  </a:schemeClr>
+                </a:solidFill>
+              </a:rPr>
+              <a:t>llm.swift</a:t>
+            </a:r>
+            <a:r>
+              <a:rPr lang="de-DE" sz="1200" dirty="0">
+                <a:solidFill>
+                  <a:schemeClr val="bg1">
+                    <a:lumMod val="85000"/>
+                  </a:schemeClr>
+                </a:solidFill>
+              </a:rPr>
+              <a:t> </a:t>
+            </a:r>
+            <a:r>
+              <a:rPr lang="de-DE" sz="1200" dirty="0" err="1">
+                <a:solidFill>
+                  <a:schemeClr val="bg1">
+                    <a:lumMod val="85000"/>
+                  </a:schemeClr>
+                </a:solidFill>
+              </a:rPr>
+              <a:t>llm.c</a:t>
+            </a:r>
+            <a:r>
+              <a:rPr lang="de-DE" sz="1200" dirty="0">
+                <a:solidFill>
+                  <a:schemeClr val="bg1">
+                    <a:lumMod val="85000"/>
+                  </a:schemeClr>
+                </a:solidFill>
+              </a:rPr>
+              <a:t> LLM </a:t>
+            </a:r>
+            <a:r>
+              <a:rPr lang="de-DE" sz="1200" dirty="0" err="1">
+                <a:solidFill>
+                  <a:schemeClr val="bg1">
+                    <a:lumMod val="85000"/>
+                  </a:schemeClr>
+                </a:solidFill>
+              </a:rPr>
+              <a:t>llm.c</a:t>
+            </a:r>
+            <a:r>
+              <a:rPr lang="de-DE" sz="1200" dirty="0">
+                <a:solidFill>
+                  <a:schemeClr val="bg1">
+                    <a:lumMod val="85000"/>
+                  </a:schemeClr>
+                </a:solidFill>
+              </a:rPr>
+              <a:t> LLM GPT2 </a:t>
+            </a:r>
+            <a:r>
+              <a:rPr lang="de-DE" sz="1200" dirty="0" err="1">
+                <a:solidFill>
+                  <a:schemeClr val="bg1">
+                    <a:lumMod val="85000"/>
+                  </a:schemeClr>
+                </a:solidFill>
+              </a:rPr>
+              <a:t>Metal</a:t>
+            </a:r>
+            <a:r>
+              <a:rPr lang="de-DE" sz="1200" dirty="0">
+                <a:solidFill>
+                  <a:schemeClr val="bg1">
+                    <a:lumMod val="85000"/>
+                  </a:schemeClr>
+                </a:solidFill>
+              </a:rPr>
+              <a:t> GPT2 </a:t>
+            </a:r>
+            <a:r>
+              <a:rPr lang="de-DE" sz="1200" dirty="0" err="1">
+                <a:solidFill>
+                  <a:schemeClr val="bg1">
+                    <a:lumMod val="85000"/>
+                  </a:schemeClr>
+                </a:solidFill>
+              </a:rPr>
+              <a:t>llm.swift</a:t>
+            </a:r>
+            <a:r>
+              <a:rPr lang="de-DE" sz="1200" dirty="0">
+                <a:solidFill>
+                  <a:schemeClr val="bg1">
+                    <a:lumMod val="85000"/>
+                  </a:schemeClr>
+                </a:solidFill>
+              </a:rPr>
+              <a:t> Swift </a:t>
+            </a:r>
+            <a:r>
+              <a:rPr lang="de-DE" sz="1200" dirty="0" err="1">
+                <a:solidFill>
+                  <a:schemeClr val="bg1">
+                    <a:lumMod val="85000"/>
+                  </a:schemeClr>
+                </a:solidFill>
+              </a:rPr>
+              <a:t>Metal</a:t>
+            </a:r>
+            <a:r>
+              <a:rPr lang="de-DE" sz="1200" dirty="0">
+                <a:solidFill>
+                  <a:schemeClr val="bg1">
+                    <a:lumMod val="85000"/>
+                  </a:schemeClr>
+                </a:solidFill>
+              </a:rPr>
+              <a:t> </a:t>
+            </a:r>
+            <a:r>
+              <a:rPr lang="de-DE" sz="1200" dirty="0" err="1">
+                <a:solidFill>
+                  <a:schemeClr val="bg1">
+                    <a:lumMod val="85000"/>
+                  </a:schemeClr>
+                </a:solidFill>
+              </a:rPr>
+              <a:t>llm.c</a:t>
+            </a:r>
+            <a:r>
+              <a:rPr lang="de-DE" sz="1200" dirty="0">
+                <a:solidFill>
+                  <a:schemeClr val="bg1">
+                    <a:lumMod val="85000"/>
+                  </a:schemeClr>
+                </a:solidFill>
+              </a:rPr>
+              <a:t> LLM </a:t>
+            </a:r>
+            <a:r>
+              <a:rPr lang="de-DE" sz="1200" dirty="0" err="1">
+                <a:solidFill>
+                  <a:schemeClr val="bg1">
+                    <a:lumMod val="85000"/>
+                  </a:schemeClr>
+                </a:solidFill>
+              </a:rPr>
+              <a:t>llm.swift</a:t>
+            </a:r>
+            <a:r>
+              <a:rPr lang="de-DE" sz="1200" dirty="0">
+                <a:solidFill>
+                  <a:schemeClr val="bg1">
+                    <a:lumMod val="85000"/>
+                  </a:schemeClr>
+                </a:solidFill>
+              </a:rPr>
+              <a:t> LLM </a:t>
+            </a:r>
+            <a:r>
+              <a:rPr lang="de-DE" sz="1200" dirty="0" err="1">
+                <a:solidFill>
+                  <a:schemeClr val="bg1">
+                    <a:lumMod val="85000"/>
+                  </a:schemeClr>
+                </a:solidFill>
+              </a:rPr>
+              <a:t>LLM</a:t>
+            </a:r>
+            <a:r>
+              <a:rPr lang="de-DE" sz="1200" dirty="0">
+                <a:solidFill>
+                  <a:schemeClr val="bg1">
+                    <a:lumMod val="85000"/>
+                  </a:schemeClr>
+                </a:solidFill>
+              </a:rPr>
+              <a:t> </a:t>
+            </a:r>
+            <a:r>
+              <a:rPr lang="de-DE" sz="1200" dirty="0" err="1">
+                <a:solidFill>
+                  <a:schemeClr val="bg1">
+                    <a:lumMod val="85000"/>
+                  </a:schemeClr>
+                </a:solidFill>
+              </a:rPr>
+              <a:t>Metal</a:t>
+            </a:r>
+            <a:r>
+              <a:rPr lang="de-DE" sz="1200" dirty="0">
+                <a:solidFill>
+                  <a:schemeClr val="bg1">
+                    <a:lumMod val="85000"/>
+                  </a:schemeClr>
+                </a:solidFill>
+              </a:rPr>
+              <a:t> GPT2 </a:t>
+            </a:r>
+            <a:r>
+              <a:rPr lang="de-DE" sz="1200" dirty="0" err="1">
+                <a:solidFill>
+                  <a:schemeClr val="bg1">
+                    <a:lumMod val="85000"/>
+                  </a:schemeClr>
+                </a:solidFill>
+              </a:rPr>
+              <a:t>Metal</a:t>
+            </a:r>
+            <a:r>
+              <a:rPr lang="de-DE" sz="1200" dirty="0">
+                <a:solidFill>
+                  <a:schemeClr val="bg1">
+                    <a:lumMod val="85000"/>
+                  </a:schemeClr>
+                </a:solidFill>
+              </a:rPr>
+              <a:t> </a:t>
+            </a:r>
+            <a:r>
+              <a:rPr lang="de-DE" sz="1200" dirty="0" err="1">
+                <a:solidFill>
+                  <a:schemeClr val="bg1">
+                    <a:lumMod val="85000"/>
+                  </a:schemeClr>
+                </a:solidFill>
+              </a:rPr>
+              <a:t>llm.c</a:t>
+            </a:r>
+            <a:r>
+              <a:rPr lang="de-DE" sz="1200" dirty="0">
+                <a:solidFill>
+                  <a:schemeClr val="bg1">
+                    <a:lumMod val="85000"/>
+                  </a:schemeClr>
+                </a:solidFill>
+              </a:rPr>
+              <a:t> Swift LLM GPT2 </a:t>
+            </a:r>
+            <a:r>
+              <a:rPr lang="de-DE" sz="1200" dirty="0" err="1">
+                <a:solidFill>
+                  <a:schemeClr val="bg1">
+                    <a:lumMod val="85000"/>
+                  </a:schemeClr>
+                </a:solidFill>
+              </a:rPr>
+              <a:t>llm.swift</a:t>
+            </a:r>
+            <a:r>
+              <a:rPr lang="de-DE" sz="1200" dirty="0">
+                <a:solidFill>
+                  <a:schemeClr val="bg1">
+                    <a:lumMod val="85000"/>
+                  </a:schemeClr>
+                </a:solidFill>
+              </a:rPr>
+              <a:t> </a:t>
+            </a:r>
+            <a:r>
+              <a:rPr lang="de-DE" sz="1200" dirty="0" err="1">
+                <a:solidFill>
+                  <a:schemeClr val="bg1">
+                    <a:lumMod val="85000"/>
+                  </a:schemeClr>
+                </a:solidFill>
+              </a:rPr>
+              <a:t>Metal</a:t>
+            </a:r>
+            <a:r>
+              <a:rPr lang="de-DE" sz="1200" dirty="0">
+                <a:solidFill>
+                  <a:schemeClr val="bg1">
+                    <a:lumMod val="85000"/>
+                  </a:schemeClr>
+                </a:solidFill>
+              </a:rPr>
+              <a:t> GPT2 </a:t>
+            </a:r>
+            <a:r>
+              <a:rPr lang="de-DE" sz="1200" dirty="0" err="1">
+                <a:solidFill>
+                  <a:schemeClr val="bg1">
+                    <a:lumMod val="85000"/>
+                  </a:schemeClr>
+                </a:solidFill>
+              </a:rPr>
+              <a:t>GPT2</a:t>
+            </a:r>
+            <a:r>
+              <a:rPr lang="de-DE" sz="1200" dirty="0">
+                <a:solidFill>
+                  <a:schemeClr val="bg1">
+                    <a:lumMod val="85000"/>
+                  </a:schemeClr>
+                </a:solidFill>
+              </a:rPr>
+              <a:t> Swift </a:t>
+            </a:r>
+            <a:r>
+              <a:rPr lang="de-DE" sz="1200" dirty="0" err="1">
+                <a:solidFill>
+                  <a:schemeClr val="bg1">
+                    <a:lumMod val="85000"/>
+                  </a:schemeClr>
+                </a:solidFill>
+              </a:rPr>
+              <a:t>Swift</a:t>
+            </a:r>
+            <a:r>
+              <a:rPr lang="de-DE" sz="1200" dirty="0">
+                <a:solidFill>
+                  <a:schemeClr val="bg1">
+                    <a:lumMod val="85000"/>
+                  </a:schemeClr>
+                </a:solidFill>
+              </a:rPr>
+              <a:t> </a:t>
+            </a:r>
+            <a:r>
+              <a:rPr lang="de-DE" sz="1200" dirty="0" err="1">
+                <a:solidFill>
+                  <a:schemeClr val="bg1">
+                    <a:lumMod val="85000"/>
+                  </a:schemeClr>
+                </a:solidFill>
+              </a:rPr>
+              <a:t>Swift</a:t>
+            </a:r>
+            <a:r>
+              <a:rPr lang="de-DE" sz="1200" dirty="0">
+                <a:solidFill>
+                  <a:schemeClr val="bg1">
+                    <a:lumMod val="85000"/>
+                  </a:schemeClr>
+                </a:solidFill>
+              </a:rPr>
+              <a:t> </a:t>
+            </a:r>
+            <a:r>
+              <a:rPr lang="de-DE" sz="1200" dirty="0" err="1">
+                <a:solidFill>
+                  <a:schemeClr val="bg1">
+                    <a:lumMod val="85000"/>
+                  </a:schemeClr>
+                </a:solidFill>
+              </a:rPr>
+              <a:t>Swift</a:t>
+            </a:r>
+            <a:r>
+              <a:rPr lang="de-DE" sz="1200" dirty="0">
+                <a:solidFill>
+                  <a:schemeClr val="bg1">
+                    <a:lumMod val="85000"/>
+                  </a:schemeClr>
+                </a:solidFill>
+              </a:rPr>
+              <a:t> GPT2 </a:t>
+            </a:r>
+            <a:r>
+              <a:rPr lang="de-DE" sz="1200" dirty="0" err="1">
+                <a:solidFill>
+                  <a:schemeClr val="bg1">
+                    <a:lumMod val="85000"/>
+                  </a:schemeClr>
+                </a:solidFill>
+              </a:rPr>
+              <a:t>Metal</a:t>
+            </a:r>
+            <a:r>
+              <a:rPr lang="de-DE" sz="1200" dirty="0">
+                <a:solidFill>
+                  <a:schemeClr val="bg1">
+                    <a:lumMod val="85000"/>
+                  </a:schemeClr>
+                </a:solidFill>
+              </a:rPr>
+              <a:t> </a:t>
+            </a:r>
+            <a:r>
+              <a:rPr lang="de-DE" sz="1200" dirty="0" err="1">
+                <a:solidFill>
+                  <a:schemeClr val="bg1">
+                    <a:lumMod val="85000"/>
+                  </a:schemeClr>
+                </a:solidFill>
+              </a:rPr>
+              <a:t>Metal</a:t>
+            </a:r>
+            <a:r>
+              <a:rPr lang="de-DE" sz="1200" dirty="0">
+                <a:solidFill>
+                  <a:schemeClr val="bg1">
+                    <a:lumMod val="85000"/>
+                  </a:schemeClr>
+                </a:solidFill>
+              </a:rPr>
+              <a:t> LLM </a:t>
+            </a:r>
+            <a:r>
+              <a:rPr lang="de-DE" sz="1200" dirty="0" err="1">
+                <a:solidFill>
+                  <a:schemeClr val="bg1">
+                    <a:lumMod val="85000"/>
+                  </a:schemeClr>
+                </a:solidFill>
+              </a:rPr>
+              <a:t>LLM</a:t>
+            </a:r>
+            <a:r>
+              <a:rPr lang="de-DE" sz="1200" dirty="0">
+                <a:solidFill>
+                  <a:schemeClr val="bg1">
+                    <a:lumMod val="85000"/>
+                  </a:schemeClr>
+                </a:solidFill>
+              </a:rPr>
+              <a:t> </a:t>
+            </a:r>
+            <a:r>
+              <a:rPr lang="de-DE" sz="1200" dirty="0" err="1">
+                <a:solidFill>
+                  <a:schemeClr val="bg1">
+                    <a:lumMod val="85000"/>
+                  </a:schemeClr>
+                </a:solidFill>
+              </a:rPr>
+              <a:t>llm.c</a:t>
+            </a:r>
+            <a:r>
+              <a:rPr lang="de-DE" sz="1200" dirty="0">
+                <a:solidFill>
+                  <a:schemeClr val="bg1">
+                    <a:lumMod val="85000"/>
+                  </a:schemeClr>
+                </a:solidFill>
+              </a:rPr>
+              <a:t> GPT2 </a:t>
+            </a:r>
+            <a:r>
+              <a:rPr lang="de-DE" sz="1200" dirty="0" err="1">
+                <a:solidFill>
+                  <a:schemeClr val="bg1">
+                    <a:lumMod val="85000"/>
+                  </a:schemeClr>
+                </a:solidFill>
+              </a:rPr>
+              <a:t>llm.c</a:t>
+            </a:r>
+            <a:r>
+              <a:rPr lang="de-DE" sz="1200" dirty="0">
+                <a:solidFill>
+                  <a:schemeClr val="bg1">
+                    <a:lumMod val="85000"/>
+                  </a:schemeClr>
+                </a:solidFill>
+              </a:rPr>
+              <a:t> Swift LLM </a:t>
+            </a:r>
+            <a:r>
+              <a:rPr lang="de-DE" sz="1200" dirty="0" err="1">
+                <a:solidFill>
+                  <a:schemeClr val="bg1">
+                    <a:lumMod val="85000"/>
+                  </a:schemeClr>
+                </a:solidFill>
+              </a:rPr>
+              <a:t>llm.swift</a:t>
+            </a:r>
+            <a:r>
+              <a:rPr lang="de-DE" sz="1200" dirty="0">
+                <a:solidFill>
+                  <a:schemeClr val="bg1">
+                    <a:lumMod val="85000"/>
+                  </a:schemeClr>
+                </a:solidFill>
+              </a:rPr>
+              <a:t> </a:t>
+            </a:r>
+            <a:r>
+              <a:rPr lang="de-DE" sz="1200" dirty="0" err="1">
+                <a:solidFill>
+                  <a:schemeClr val="bg1">
+                    <a:lumMod val="85000"/>
+                  </a:schemeClr>
+                </a:solidFill>
+              </a:rPr>
+              <a:t>Metal</a:t>
+            </a:r>
+            <a:r>
+              <a:rPr lang="de-DE" sz="1200" dirty="0">
+                <a:solidFill>
+                  <a:schemeClr val="bg1">
+                    <a:lumMod val="85000"/>
+                  </a:schemeClr>
+                </a:solidFill>
+              </a:rPr>
+              <a:t> GPT2 </a:t>
+            </a:r>
+            <a:r>
+              <a:rPr lang="de-DE" sz="1200" dirty="0" err="1">
+                <a:solidFill>
+                  <a:schemeClr val="bg1">
+                    <a:lumMod val="85000"/>
+                  </a:schemeClr>
+                </a:solidFill>
+              </a:rPr>
+              <a:t>GPT2</a:t>
+            </a:r>
+            <a:r>
+              <a:rPr lang="de-DE" sz="1200" dirty="0">
+                <a:solidFill>
+                  <a:schemeClr val="bg1">
+                    <a:lumMod val="85000"/>
+                  </a:schemeClr>
+                </a:solidFill>
+              </a:rPr>
+              <a:t> </a:t>
+            </a:r>
+            <a:r>
+              <a:rPr lang="de-DE" sz="1200" dirty="0" err="1">
+                <a:solidFill>
+                  <a:schemeClr val="bg1">
+                    <a:lumMod val="85000"/>
+                  </a:schemeClr>
+                </a:solidFill>
+              </a:rPr>
+              <a:t>GPT2</a:t>
+            </a:r>
+            <a:r>
+              <a:rPr lang="de-DE" sz="1200" dirty="0">
+                <a:solidFill>
+                  <a:schemeClr val="bg1">
+                    <a:lumMod val="85000"/>
+                  </a:schemeClr>
+                </a:solidFill>
+              </a:rPr>
+              <a:t> </a:t>
+            </a:r>
+            <a:r>
+              <a:rPr lang="de-DE" sz="1200" dirty="0" err="1">
+                <a:solidFill>
+                  <a:schemeClr val="bg1">
+                    <a:lumMod val="85000"/>
+                  </a:schemeClr>
+                </a:solidFill>
+              </a:rPr>
+              <a:t>GPT2</a:t>
+            </a:r>
+            <a:r>
+              <a:rPr lang="de-DE" sz="1200" dirty="0">
+                <a:solidFill>
+                  <a:schemeClr val="bg1">
+                    <a:lumMod val="85000"/>
+                  </a:schemeClr>
+                </a:solidFill>
+              </a:rPr>
+              <a:t> </a:t>
+            </a:r>
+            <a:r>
+              <a:rPr lang="de-DE" sz="1200" dirty="0" err="1">
+                <a:solidFill>
+                  <a:schemeClr val="bg1">
+                    <a:lumMod val="85000"/>
+                  </a:schemeClr>
+                </a:solidFill>
+              </a:rPr>
+              <a:t>llm.c</a:t>
+            </a:r>
+            <a:r>
+              <a:rPr lang="de-DE" sz="1200" dirty="0">
+                <a:solidFill>
+                  <a:schemeClr val="bg1">
+                    <a:lumMod val="85000"/>
+                  </a:schemeClr>
+                </a:solidFill>
+              </a:rPr>
+              <a:t> </a:t>
+            </a:r>
+            <a:r>
+              <a:rPr lang="de-DE" sz="1200" dirty="0" err="1">
+                <a:solidFill>
+                  <a:schemeClr val="bg1">
+                    <a:lumMod val="85000"/>
+                  </a:schemeClr>
+                </a:solidFill>
+              </a:rPr>
+              <a:t>llm.swift</a:t>
+            </a:r>
+            <a:r>
+              <a:rPr lang="de-DE" sz="1200" dirty="0">
+                <a:solidFill>
+                  <a:schemeClr val="bg1">
+                    <a:lumMod val="85000"/>
+                  </a:schemeClr>
+                </a:solidFill>
+              </a:rPr>
+              <a:t> </a:t>
+            </a:r>
+            <a:r>
+              <a:rPr lang="de-DE" sz="1200" dirty="0" err="1">
+                <a:solidFill>
+                  <a:schemeClr val="bg1">
+                    <a:lumMod val="85000"/>
+                  </a:schemeClr>
+                </a:solidFill>
+              </a:rPr>
+              <a:t>llm.c</a:t>
+            </a:r>
+            <a:r>
+              <a:rPr lang="de-DE" sz="1200" dirty="0">
+                <a:solidFill>
+                  <a:schemeClr val="bg1">
+                    <a:lumMod val="85000"/>
+                  </a:schemeClr>
+                </a:solidFill>
+              </a:rPr>
+              <a:t> GPT2 Swift GPT2 </a:t>
+            </a:r>
+            <a:r>
+              <a:rPr lang="de-DE" sz="1200" dirty="0" err="1">
+                <a:solidFill>
+                  <a:schemeClr val="bg1">
+                    <a:lumMod val="85000"/>
+                  </a:schemeClr>
+                </a:solidFill>
+              </a:rPr>
+              <a:t>Metal</a:t>
+            </a:r>
+            <a:r>
+              <a:rPr lang="de-DE" sz="1200" dirty="0">
+                <a:solidFill>
+                  <a:schemeClr val="bg1">
+                    <a:lumMod val="85000"/>
+                  </a:schemeClr>
+                </a:solidFill>
+              </a:rPr>
+              <a:t> </a:t>
+            </a:r>
+            <a:r>
+              <a:rPr lang="de-DE" sz="1200" dirty="0" err="1">
+                <a:solidFill>
+                  <a:schemeClr val="bg1">
+                    <a:lumMod val="85000"/>
+                  </a:schemeClr>
+                </a:solidFill>
+              </a:rPr>
+              <a:t>Metal</a:t>
+            </a:r>
+            <a:r>
+              <a:rPr lang="de-DE" sz="1200" dirty="0">
+                <a:solidFill>
+                  <a:schemeClr val="bg1">
+                    <a:lumMod val="85000"/>
+                  </a:schemeClr>
+                </a:solidFill>
+              </a:rPr>
+              <a:t> GPT2 </a:t>
+            </a:r>
+            <a:r>
+              <a:rPr lang="de-DE" sz="1200" dirty="0" err="1">
+                <a:solidFill>
+                  <a:schemeClr val="bg1">
+                    <a:lumMod val="85000"/>
+                  </a:schemeClr>
+                </a:solidFill>
+              </a:rPr>
+              <a:t>GPT2</a:t>
+            </a:r>
+            <a:r>
+              <a:rPr lang="de-DE" sz="1200" dirty="0">
+                <a:solidFill>
+                  <a:schemeClr val="bg1">
+                    <a:lumMod val="85000"/>
+                  </a:schemeClr>
+                </a:solidFill>
+              </a:rPr>
+              <a:t> LLM Swift </a:t>
+            </a:r>
+            <a:r>
+              <a:rPr lang="de-DE" sz="1200" dirty="0" err="1">
+                <a:solidFill>
+                  <a:schemeClr val="bg1">
+                    <a:lumMod val="85000"/>
+                  </a:schemeClr>
+                </a:solidFill>
+              </a:rPr>
+              <a:t>Metal</a:t>
+            </a:r>
+            <a:r>
+              <a:rPr lang="de-DE" sz="1200" dirty="0">
+                <a:solidFill>
+                  <a:schemeClr val="bg1">
+                    <a:lumMod val="85000"/>
+                  </a:schemeClr>
+                </a:solidFill>
+              </a:rPr>
+              <a:t> LLM </a:t>
+            </a:r>
+            <a:r>
+              <a:rPr lang="de-DE" sz="1200" dirty="0" err="1">
+                <a:solidFill>
+                  <a:schemeClr val="bg1">
+                    <a:lumMod val="85000"/>
+                  </a:schemeClr>
+                </a:solidFill>
+              </a:rPr>
+              <a:t>Metal</a:t>
+            </a:r>
+            <a:r>
+              <a:rPr lang="de-DE" sz="1200" dirty="0">
+                <a:solidFill>
+                  <a:schemeClr val="bg1">
+                    <a:lumMod val="85000"/>
+                  </a:schemeClr>
+                </a:solidFill>
+              </a:rPr>
+              <a:t> </a:t>
+            </a:r>
+            <a:r>
+              <a:rPr lang="de-DE" sz="1200" dirty="0" err="1">
+                <a:solidFill>
+                  <a:schemeClr val="bg1">
+                    <a:lumMod val="85000"/>
+                  </a:schemeClr>
+                </a:solidFill>
+              </a:rPr>
+              <a:t>llm.swift</a:t>
+            </a:r>
+            <a:r>
+              <a:rPr lang="de-DE" sz="1200" dirty="0">
+                <a:solidFill>
+                  <a:schemeClr val="bg1">
+                    <a:lumMod val="85000"/>
+                  </a:schemeClr>
+                </a:solidFill>
+              </a:rPr>
+              <a:t> </a:t>
+            </a:r>
+            <a:r>
+              <a:rPr lang="de-DE" sz="1200" dirty="0" err="1">
+                <a:solidFill>
+                  <a:schemeClr val="bg1">
+                    <a:lumMod val="85000"/>
+                  </a:schemeClr>
+                </a:solidFill>
+              </a:rPr>
+              <a:t>llm.c</a:t>
+            </a:r>
+            <a:r>
+              <a:rPr lang="de-DE" sz="1200" dirty="0">
+                <a:solidFill>
+                  <a:schemeClr val="bg1">
+                    <a:lumMod val="85000"/>
+                  </a:schemeClr>
+                </a:solidFill>
+              </a:rPr>
+              <a:t> LLM GPT2 </a:t>
+            </a:r>
+            <a:r>
+              <a:rPr lang="de-DE" sz="1200" dirty="0" err="1">
+                <a:solidFill>
+                  <a:schemeClr val="bg1">
+                    <a:lumMod val="85000"/>
+                  </a:schemeClr>
+                </a:solidFill>
+              </a:rPr>
+              <a:t>llm.c</a:t>
+            </a:r>
+            <a:r>
+              <a:rPr lang="de-DE" sz="1200" dirty="0">
+                <a:solidFill>
+                  <a:schemeClr val="bg1">
+                    <a:lumMod val="85000"/>
+                  </a:schemeClr>
+                </a:solidFill>
+              </a:rPr>
+              <a:t> </a:t>
+            </a:r>
+            <a:r>
+              <a:rPr lang="de-DE" sz="1200" dirty="0" err="1">
+                <a:solidFill>
+                  <a:schemeClr val="bg1">
+                    <a:lumMod val="85000"/>
+                  </a:schemeClr>
+                </a:solidFill>
+              </a:rPr>
+              <a:t>llm.c</a:t>
+            </a:r>
+            <a:r>
+              <a:rPr lang="de-DE" sz="1200" dirty="0">
+                <a:solidFill>
+                  <a:schemeClr val="bg1">
+                    <a:lumMod val="85000"/>
+                  </a:schemeClr>
+                </a:solidFill>
+              </a:rPr>
+              <a:t> LLM </a:t>
+            </a:r>
+            <a:r>
+              <a:rPr lang="de-DE" sz="1200" dirty="0" err="1">
+                <a:solidFill>
+                  <a:schemeClr val="bg1">
+                    <a:lumMod val="85000"/>
+                  </a:schemeClr>
+                </a:solidFill>
+              </a:rPr>
+              <a:t>LLM</a:t>
+            </a:r>
+            <a:r>
+              <a:rPr lang="de-DE" sz="1200" dirty="0">
+                <a:solidFill>
+                  <a:schemeClr val="bg1">
+                    <a:lumMod val="85000"/>
+                  </a:schemeClr>
+                </a:solidFill>
+              </a:rPr>
+              <a:t> GPT2 </a:t>
+            </a:r>
+            <a:r>
+              <a:rPr lang="de-DE" sz="1200" dirty="0" err="1">
+                <a:solidFill>
+                  <a:schemeClr val="bg1">
+                    <a:lumMod val="85000"/>
+                  </a:schemeClr>
+                </a:solidFill>
+              </a:rPr>
+              <a:t>GPT2</a:t>
+            </a:r>
+            <a:r>
+              <a:rPr lang="de-DE" sz="1200" dirty="0">
+                <a:solidFill>
+                  <a:schemeClr val="bg1">
+                    <a:lumMod val="85000"/>
+                  </a:schemeClr>
+                </a:solidFill>
+              </a:rPr>
+              <a:t> </a:t>
+            </a:r>
+            <a:r>
+              <a:rPr lang="de-DE" sz="1200" dirty="0" err="1">
+                <a:solidFill>
+                  <a:schemeClr val="bg1">
+                    <a:lumMod val="85000"/>
+                  </a:schemeClr>
+                </a:solidFill>
+              </a:rPr>
+              <a:t>Metal</a:t>
+            </a:r>
+            <a:r>
+              <a:rPr lang="de-DE" sz="1200" dirty="0">
+                <a:solidFill>
+                  <a:schemeClr val="bg1">
+                    <a:lumMod val="85000"/>
+                  </a:schemeClr>
+                </a:solidFill>
+              </a:rPr>
+              <a:t> Swift </a:t>
+            </a:r>
+            <a:r>
+              <a:rPr lang="de-DE" sz="1200" dirty="0" err="1">
+                <a:solidFill>
+                  <a:schemeClr val="bg1">
+                    <a:lumMod val="85000"/>
+                  </a:schemeClr>
+                </a:solidFill>
+              </a:rPr>
+              <a:t>Swift</a:t>
+            </a:r>
+            <a:r>
+              <a:rPr lang="de-DE" sz="1200" dirty="0">
+                <a:solidFill>
+                  <a:schemeClr val="bg1">
+                    <a:lumMod val="85000"/>
+                  </a:schemeClr>
+                </a:solidFill>
+              </a:rPr>
+              <a:t> </a:t>
+            </a:r>
+            <a:r>
+              <a:rPr lang="de-DE" sz="1200" dirty="0" err="1">
+                <a:solidFill>
+                  <a:schemeClr val="bg1">
+                    <a:lumMod val="85000"/>
+                  </a:schemeClr>
+                </a:solidFill>
+              </a:rPr>
+              <a:t>llm.swift</a:t>
+            </a:r>
+            <a:r>
+              <a:rPr lang="de-DE" sz="1200" dirty="0">
+                <a:solidFill>
+                  <a:schemeClr val="bg1">
+                    <a:lumMod val="85000"/>
+                  </a:schemeClr>
+                </a:solidFill>
+              </a:rPr>
+              <a:t> </a:t>
+            </a:r>
+            <a:r>
+              <a:rPr lang="de-DE" sz="1200" dirty="0" err="1">
+                <a:solidFill>
+                  <a:schemeClr val="bg1">
+                    <a:lumMod val="85000"/>
+                  </a:schemeClr>
+                </a:solidFill>
+              </a:rPr>
+              <a:t>llm.swift</a:t>
+            </a:r>
+            <a:r>
+              <a:rPr lang="de-DE" sz="1200" dirty="0">
+                <a:solidFill>
+                  <a:schemeClr val="bg1">
+                    <a:lumMod val="85000"/>
+                  </a:schemeClr>
+                </a:solidFill>
+              </a:rPr>
+              <a:t> </a:t>
+            </a:r>
+            <a:r>
+              <a:rPr lang="de-DE" sz="1200" dirty="0" err="1">
+                <a:solidFill>
+                  <a:schemeClr val="bg1">
+                    <a:lumMod val="85000"/>
+                  </a:schemeClr>
+                </a:solidFill>
+              </a:rPr>
+              <a:t>Metal</a:t>
+            </a:r>
+            <a:r>
+              <a:rPr lang="de-DE" sz="1200" dirty="0">
+                <a:solidFill>
+                  <a:schemeClr val="bg1">
+                    <a:lumMod val="85000"/>
+                  </a:schemeClr>
+                </a:solidFill>
+              </a:rPr>
+              <a:t> </a:t>
+            </a:r>
+            <a:r>
+              <a:rPr lang="de-DE" sz="1200" dirty="0" err="1">
+                <a:solidFill>
+                  <a:schemeClr val="bg1">
+                    <a:lumMod val="85000"/>
+                  </a:schemeClr>
+                </a:solidFill>
+              </a:rPr>
+              <a:t>Metal</a:t>
+            </a:r>
+            <a:r>
+              <a:rPr lang="de-DE" sz="1200" dirty="0">
+                <a:solidFill>
+                  <a:schemeClr val="bg1">
+                    <a:lumMod val="85000"/>
+                  </a:schemeClr>
+                </a:solidFill>
+              </a:rPr>
+              <a:t> </a:t>
+            </a:r>
+            <a:r>
+              <a:rPr lang="de-DE" sz="1200" dirty="0" err="1">
+                <a:solidFill>
+                  <a:schemeClr val="bg1">
+                    <a:lumMod val="85000"/>
+                  </a:schemeClr>
+                </a:solidFill>
+              </a:rPr>
+              <a:t>llm.swift</a:t>
+            </a:r>
+            <a:r>
+              <a:rPr lang="de-DE" sz="1200" dirty="0">
+                <a:solidFill>
+                  <a:schemeClr val="bg1">
+                    <a:lumMod val="85000"/>
+                  </a:schemeClr>
+                </a:solidFill>
+              </a:rPr>
+              <a:t> </a:t>
+            </a:r>
+            <a:r>
+              <a:rPr lang="de-DE" sz="1200" dirty="0" err="1">
+                <a:solidFill>
+                  <a:schemeClr val="bg1">
+                    <a:lumMod val="85000"/>
+                  </a:schemeClr>
+                </a:solidFill>
+              </a:rPr>
+              <a:t>llm.swift</a:t>
+            </a:r>
+            <a:r>
+              <a:rPr lang="de-DE" sz="1200" dirty="0">
+                <a:solidFill>
+                  <a:schemeClr val="bg1">
+                    <a:lumMod val="85000"/>
+                  </a:schemeClr>
+                </a:solidFill>
+              </a:rPr>
+              <a:t> </a:t>
+            </a:r>
+            <a:r>
+              <a:rPr lang="de-DE" sz="1200" dirty="0" err="1">
+                <a:solidFill>
+                  <a:schemeClr val="bg1">
+                    <a:lumMod val="85000"/>
+                  </a:schemeClr>
+                </a:solidFill>
+              </a:rPr>
+              <a:t>llm.c</a:t>
+            </a:r>
+            <a:r>
+              <a:rPr lang="de-DE" sz="1200" dirty="0">
+                <a:solidFill>
+                  <a:schemeClr val="bg1">
+                    <a:lumMod val="85000"/>
+                  </a:schemeClr>
+                </a:solidFill>
+              </a:rPr>
+              <a:t> Swift </a:t>
+            </a:r>
+            <a:r>
+              <a:rPr lang="de-DE" sz="1200" dirty="0" err="1">
+                <a:solidFill>
+                  <a:schemeClr val="bg1">
+                    <a:lumMod val="85000"/>
+                  </a:schemeClr>
+                </a:solidFill>
+              </a:rPr>
+              <a:t>llm.swift</a:t>
+            </a:r>
+            <a:r>
+              <a:rPr lang="de-DE" sz="1200" dirty="0">
+                <a:solidFill>
+                  <a:schemeClr val="bg1">
+                    <a:lumMod val="85000"/>
+                  </a:schemeClr>
+                </a:solidFill>
+              </a:rPr>
+              <a:t> LLM </a:t>
+            </a:r>
+            <a:r>
+              <a:rPr lang="de-DE" sz="1200" dirty="0" err="1">
+                <a:solidFill>
+                  <a:schemeClr val="bg1">
+                    <a:lumMod val="85000"/>
+                  </a:schemeClr>
+                </a:solidFill>
+              </a:rPr>
+              <a:t>LLM</a:t>
+            </a:r>
+            <a:r>
+              <a:rPr lang="de-DE" sz="1200" dirty="0">
+                <a:solidFill>
+                  <a:schemeClr val="bg1">
+                    <a:lumMod val="85000"/>
+                  </a:schemeClr>
+                </a:solidFill>
+              </a:rPr>
+              <a:t> </a:t>
+            </a:r>
+            <a:r>
+              <a:rPr lang="de-DE" sz="1200" dirty="0" err="1">
+                <a:solidFill>
+                  <a:schemeClr val="bg1">
+                    <a:lumMod val="85000"/>
+                  </a:schemeClr>
+                </a:solidFill>
+              </a:rPr>
+              <a:t>Metal</a:t>
+            </a:r>
+            <a:r>
+              <a:rPr lang="de-DE" sz="1200" dirty="0">
+                <a:solidFill>
+                  <a:schemeClr val="bg1">
+                    <a:lumMod val="85000"/>
+                  </a:schemeClr>
+                </a:solidFill>
+              </a:rPr>
+              <a:t> LLM </a:t>
+            </a:r>
+            <a:r>
+              <a:rPr lang="de-DE" sz="1200" dirty="0" err="1">
+                <a:solidFill>
+                  <a:schemeClr val="bg1">
+                    <a:lumMod val="85000"/>
+                  </a:schemeClr>
+                </a:solidFill>
+              </a:rPr>
+              <a:t>llm.swift</a:t>
+            </a:r>
+            <a:r>
+              <a:rPr lang="de-DE" sz="1200" dirty="0">
+                <a:solidFill>
+                  <a:schemeClr val="bg1">
+                    <a:lumMod val="85000"/>
+                  </a:schemeClr>
+                </a:solidFill>
+              </a:rPr>
+              <a:t> GPT2 </a:t>
+            </a:r>
+            <a:r>
+              <a:rPr lang="de-DE" sz="1200" dirty="0" err="1">
+                <a:solidFill>
+                  <a:schemeClr val="bg1">
+                    <a:lumMod val="85000"/>
+                  </a:schemeClr>
+                </a:solidFill>
+              </a:rPr>
+              <a:t>llm.c</a:t>
+            </a:r>
+            <a:r>
+              <a:rPr lang="de-DE" sz="1200" dirty="0">
+                <a:solidFill>
+                  <a:schemeClr val="bg1">
+                    <a:lumMod val="85000"/>
+                  </a:schemeClr>
+                </a:solidFill>
+              </a:rPr>
+              <a:t> </a:t>
+            </a:r>
+            <a:r>
+              <a:rPr lang="de-DE" sz="1200" dirty="0" err="1">
+                <a:solidFill>
+                  <a:schemeClr val="bg1">
+                    <a:lumMod val="85000"/>
+                  </a:schemeClr>
+                </a:solidFill>
+              </a:rPr>
+              <a:t>llm.c</a:t>
+            </a:r>
+            <a:r>
+              <a:rPr lang="de-DE" sz="1200" dirty="0">
+                <a:solidFill>
+                  <a:schemeClr val="bg1">
+                    <a:lumMod val="85000"/>
+                  </a:schemeClr>
+                </a:solidFill>
+              </a:rPr>
+              <a:t> </a:t>
+            </a:r>
+            <a:r>
+              <a:rPr lang="de-DE" sz="1200" dirty="0" err="1">
+                <a:solidFill>
+                  <a:schemeClr val="bg1">
+                    <a:lumMod val="85000"/>
+                  </a:schemeClr>
+                </a:solidFill>
+              </a:rPr>
+              <a:t>Metal</a:t>
+            </a:r>
+            <a:r>
+              <a:rPr lang="de-DE" sz="1200" dirty="0">
+                <a:solidFill>
+                  <a:schemeClr val="bg1">
+                    <a:lumMod val="85000"/>
+                  </a:schemeClr>
+                </a:solidFill>
+              </a:rPr>
+              <a:t> Swift </a:t>
+            </a:r>
+            <a:r>
+              <a:rPr lang="de-DE" sz="1200" dirty="0" err="1">
+                <a:solidFill>
+                  <a:schemeClr val="bg1">
+                    <a:lumMod val="85000"/>
+                  </a:schemeClr>
+                </a:solidFill>
+              </a:rPr>
+              <a:t>llm.swift</a:t>
+            </a:r>
+            <a:r>
+              <a:rPr lang="de-DE" sz="1200" dirty="0">
+                <a:solidFill>
+                  <a:schemeClr val="bg1">
+                    <a:lumMod val="85000"/>
+                  </a:schemeClr>
+                </a:solidFill>
+              </a:rPr>
+              <a:t> LLM Swift </a:t>
+            </a:r>
+            <a:r>
+              <a:rPr lang="de-DE" sz="1200" dirty="0" err="1">
+                <a:solidFill>
+                  <a:schemeClr val="bg1">
+                    <a:lumMod val="85000"/>
+                  </a:schemeClr>
+                </a:solidFill>
+              </a:rPr>
+              <a:t>Swift</a:t>
+            </a:r>
+            <a:r>
+              <a:rPr lang="de-DE" sz="1200" dirty="0">
+                <a:solidFill>
+                  <a:schemeClr val="bg1">
+                    <a:lumMod val="85000"/>
+                  </a:schemeClr>
+                </a:solidFill>
+              </a:rPr>
+              <a:t> LLM </a:t>
+            </a:r>
+            <a:r>
+              <a:rPr lang="de-DE" sz="1200" dirty="0" err="1">
+                <a:solidFill>
+                  <a:schemeClr val="bg1">
+                    <a:lumMod val="85000"/>
+                  </a:schemeClr>
+                </a:solidFill>
+              </a:rPr>
+              <a:t>Metal</a:t>
+            </a:r>
+            <a:r>
+              <a:rPr lang="de-DE" sz="1200" dirty="0">
+                <a:solidFill>
+                  <a:schemeClr val="bg1">
+                    <a:lumMod val="85000"/>
+                  </a:schemeClr>
+                </a:solidFill>
+              </a:rPr>
+              <a:t> Swift </a:t>
+            </a:r>
+            <a:r>
+              <a:rPr lang="de-DE" sz="1200" dirty="0" err="1">
+                <a:solidFill>
+                  <a:schemeClr val="bg1">
+                    <a:lumMod val="85000"/>
+                  </a:schemeClr>
+                </a:solidFill>
+              </a:rPr>
+              <a:t>Metal</a:t>
+            </a:r>
+            <a:r>
+              <a:rPr lang="de-DE" sz="1200" dirty="0">
+                <a:solidFill>
+                  <a:schemeClr val="bg1">
+                    <a:lumMod val="85000"/>
+                  </a:schemeClr>
+                </a:solidFill>
+              </a:rPr>
+              <a:t> </a:t>
+            </a:r>
+            <a:r>
+              <a:rPr lang="de-DE" sz="1200" dirty="0" err="1">
+                <a:solidFill>
+                  <a:schemeClr val="bg1">
+                    <a:lumMod val="85000"/>
+                  </a:schemeClr>
+                </a:solidFill>
+              </a:rPr>
+              <a:t>Metal</a:t>
+            </a:r>
+            <a:r>
+              <a:rPr lang="de-DE" sz="1200" dirty="0">
+                <a:solidFill>
+                  <a:schemeClr val="bg1">
+                    <a:lumMod val="85000"/>
+                  </a:schemeClr>
+                </a:solidFill>
+              </a:rPr>
+              <a:t> LLM </a:t>
+            </a:r>
+            <a:r>
+              <a:rPr lang="de-DE" sz="1200" dirty="0" err="1">
+                <a:solidFill>
+                  <a:schemeClr val="bg1">
+                    <a:lumMod val="85000"/>
+                  </a:schemeClr>
+                </a:solidFill>
+              </a:rPr>
+              <a:t>Metal</a:t>
+            </a:r>
+            <a:r>
+              <a:rPr lang="de-DE" sz="1200" dirty="0">
+                <a:solidFill>
+                  <a:schemeClr val="bg1">
+                    <a:lumMod val="85000"/>
+                  </a:schemeClr>
+                </a:solidFill>
+              </a:rPr>
+              <a:t> </a:t>
+            </a:r>
+            <a:r>
+              <a:rPr lang="de-DE" sz="1200" dirty="0" err="1">
+                <a:solidFill>
+                  <a:schemeClr val="bg1">
+                    <a:lumMod val="85000"/>
+                  </a:schemeClr>
+                </a:solidFill>
+              </a:rPr>
+              <a:t>llm.swift</a:t>
+            </a:r>
+            <a:r>
+              <a:rPr lang="de-DE" sz="1200" dirty="0">
+                <a:solidFill>
+                  <a:schemeClr val="bg1">
+                    <a:lumMod val="85000"/>
+                  </a:schemeClr>
+                </a:solidFill>
+              </a:rPr>
+              <a:t> Swift </a:t>
+            </a:r>
+            <a:r>
+              <a:rPr lang="de-DE" sz="1200" dirty="0" err="1">
+                <a:solidFill>
+                  <a:schemeClr val="bg1">
+                    <a:lumMod val="85000"/>
+                  </a:schemeClr>
+                </a:solidFill>
+              </a:rPr>
+              <a:t>Swift</a:t>
+            </a:r>
+            <a:r>
+              <a:rPr lang="de-DE" sz="1200" dirty="0">
+                <a:solidFill>
+                  <a:schemeClr val="bg1">
+                    <a:lumMod val="85000"/>
+                  </a:schemeClr>
+                </a:solidFill>
+              </a:rPr>
+              <a:t> </a:t>
+            </a:r>
+            <a:r>
+              <a:rPr lang="de-DE" sz="1200" dirty="0" err="1">
+                <a:solidFill>
+                  <a:schemeClr val="bg1">
+                    <a:lumMod val="85000"/>
+                  </a:schemeClr>
+                </a:solidFill>
+              </a:rPr>
+              <a:t>llm.swift</a:t>
+            </a:r>
+            <a:r>
+              <a:rPr lang="de-DE" sz="1200" dirty="0">
+                <a:solidFill>
+                  <a:schemeClr val="bg1">
+                    <a:lumMod val="85000"/>
+                  </a:schemeClr>
+                </a:solidFill>
+              </a:rPr>
+              <a:t> </a:t>
+            </a:r>
+            <a:r>
+              <a:rPr lang="de-DE" sz="1200" dirty="0" err="1">
+                <a:solidFill>
+                  <a:schemeClr val="bg1">
+                    <a:lumMod val="85000"/>
+                  </a:schemeClr>
+                </a:solidFill>
+              </a:rPr>
+              <a:t>llm.c</a:t>
+            </a:r>
+            <a:r>
+              <a:rPr lang="de-DE" sz="1200" dirty="0">
+                <a:solidFill>
+                  <a:schemeClr val="bg1">
+                    <a:lumMod val="85000"/>
+                  </a:schemeClr>
+                </a:solidFill>
+              </a:rPr>
+              <a:t> GPT2 </a:t>
+            </a:r>
+            <a:r>
+              <a:rPr lang="de-DE" sz="1200" dirty="0" err="1">
+                <a:solidFill>
+                  <a:schemeClr val="bg1">
+                    <a:lumMod val="85000"/>
+                  </a:schemeClr>
+                </a:solidFill>
+              </a:rPr>
+              <a:t>llm.c</a:t>
+            </a:r>
+            <a:r>
+              <a:rPr lang="de-DE" sz="1200" dirty="0">
+                <a:solidFill>
+                  <a:schemeClr val="bg1">
+                    <a:lumMod val="85000"/>
+                  </a:schemeClr>
+                </a:solidFill>
+              </a:rPr>
+              <a:t> </a:t>
+            </a:r>
+            <a:r>
+              <a:rPr lang="de-DE" sz="1200" dirty="0" err="1">
+                <a:solidFill>
+                  <a:schemeClr val="bg1">
+                    <a:lumMod val="85000"/>
+                  </a:schemeClr>
+                </a:solidFill>
+              </a:rPr>
+              <a:t>llm.c</a:t>
+            </a:r>
+            <a:r>
+              <a:rPr lang="de-DE" sz="1200" dirty="0">
+                <a:solidFill>
+                  <a:schemeClr val="bg1">
+                    <a:lumMod val="85000"/>
+                  </a:schemeClr>
+                </a:solidFill>
+              </a:rPr>
+              <a:t> </a:t>
+            </a:r>
+            <a:r>
+              <a:rPr lang="de-DE" sz="1200" dirty="0" err="1">
+                <a:solidFill>
+                  <a:schemeClr val="bg1">
+                    <a:lumMod val="85000"/>
+                  </a:schemeClr>
+                </a:solidFill>
+              </a:rPr>
+              <a:t>llm.swift</a:t>
+            </a:r>
+            <a:r>
+              <a:rPr lang="de-DE" sz="1200" dirty="0">
+                <a:solidFill>
+                  <a:schemeClr val="bg1">
+                    <a:lumMod val="85000"/>
+                  </a:schemeClr>
+                </a:solidFill>
+              </a:rPr>
+              <a:t> GPT2 LLM GPT2 LLM GPT2 </a:t>
+            </a:r>
+            <a:r>
+              <a:rPr lang="de-DE" sz="1200" dirty="0" err="1">
+                <a:solidFill>
+                  <a:schemeClr val="bg1">
+                    <a:lumMod val="85000"/>
+                  </a:schemeClr>
+                </a:solidFill>
+              </a:rPr>
+              <a:t>llm.swift</a:t>
+            </a:r>
+            <a:r>
+              <a:rPr lang="de-DE" sz="1200" dirty="0">
+                <a:solidFill>
+                  <a:schemeClr val="bg1">
+                    <a:lumMod val="85000"/>
+                  </a:schemeClr>
+                </a:solidFill>
+              </a:rPr>
+              <a:t> Swift </a:t>
+            </a:r>
+            <a:r>
+              <a:rPr lang="de-DE" sz="1200" dirty="0" err="1">
+                <a:solidFill>
+                  <a:schemeClr val="bg1">
+                    <a:lumMod val="85000"/>
+                  </a:schemeClr>
+                </a:solidFill>
+              </a:rPr>
+              <a:t>Metal</a:t>
+            </a:r>
+            <a:r>
+              <a:rPr lang="de-DE" sz="1200" dirty="0">
+                <a:solidFill>
+                  <a:schemeClr val="bg1">
+                    <a:lumMod val="85000"/>
+                  </a:schemeClr>
+                </a:solidFill>
+              </a:rPr>
+              <a:t> </a:t>
+            </a:r>
+            <a:r>
+              <a:rPr lang="de-DE" sz="1200" dirty="0" err="1">
+                <a:solidFill>
+                  <a:schemeClr val="bg1">
+                    <a:lumMod val="85000"/>
+                  </a:schemeClr>
+                </a:solidFill>
+              </a:rPr>
+              <a:t>llm.swift</a:t>
+            </a:r>
+            <a:r>
+              <a:rPr lang="de-DE" sz="1200" dirty="0">
+                <a:solidFill>
+                  <a:schemeClr val="bg1">
+                    <a:lumMod val="85000"/>
+                  </a:schemeClr>
+                </a:solidFill>
+              </a:rPr>
+              <a:t> </a:t>
+            </a:r>
+            <a:r>
+              <a:rPr lang="de-DE" sz="1200" dirty="0" err="1">
+                <a:solidFill>
+                  <a:schemeClr val="bg1">
+                    <a:lumMod val="85000"/>
+                  </a:schemeClr>
+                </a:solidFill>
+              </a:rPr>
+              <a:t>Metal</a:t>
+            </a:r>
+            <a:r>
+              <a:rPr lang="de-DE" sz="1200" dirty="0">
+                <a:solidFill>
+                  <a:schemeClr val="bg1">
+                    <a:lumMod val="85000"/>
+                  </a:schemeClr>
+                </a:solidFill>
+              </a:rPr>
+              <a:t> </a:t>
+            </a:r>
+            <a:r>
+              <a:rPr lang="de-DE" sz="1200" dirty="0" err="1">
+                <a:solidFill>
+                  <a:schemeClr val="bg1">
+                    <a:lumMod val="85000"/>
+                  </a:schemeClr>
+                </a:solidFill>
+              </a:rPr>
+              <a:t>llm.swift</a:t>
+            </a:r>
+            <a:r>
+              <a:rPr lang="de-DE" sz="1200" dirty="0">
+                <a:solidFill>
+                  <a:schemeClr val="bg1">
+                    <a:lumMod val="85000"/>
+                  </a:schemeClr>
+                </a:solidFill>
+              </a:rPr>
+              <a:t> LLM GPT2 Swift GPT2 LLM </a:t>
+            </a:r>
+            <a:r>
+              <a:rPr lang="de-DE" sz="1200" dirty="0" err="1">
+                <a:solidFill>
+                  <a:schemeClr val="bg1">
+                    <a:lumMod val="85000"/>
+                  </a:schemeClr>
+                </a:solidFill>
+              </a:rPr>
+              <a:t>Metal</a:t>
+            </a:r>
+            <a:r>
+              <a:rPr lang="de-DE" sz="1200" dirty="0">
+                <a:solidFill>
+                  <a:schemeClr val="bg1">
+                    <a:lumMod val="85000"/>
+                  </a:schemeClr>
+                </a:solidFill>
+              </a:rPr>
+              <a:t> </a:t>
+            </a:r>
+            <a:r>
+              <a:rPr lang="de-DE" sz="1200" dirty="0" err="1">
+                <a:solidFill>
+                  <a:schemeClr val="bg1">
+                    <a:lumMod val="85000"/>
+                  </a:schemeClr>
+                </a:solidFill>
+              </a:rPr>
+              <a:t>Metal</a:t>
+            </a:r>
+            <a:r>
+              <a:rPr lang="de-DE" sz="1200" dirty="0">
+                <a:solidFill>
+                  <a:schemeClr val="bg1">
+                    <a:lumMod val="85000"/>
+                  </a:schemeClr>
+                </a:solidFill>
+              </a:rPr>
+              <a:t> Swift GPT2 </a:t>
+            </a:r>
+            <a:r>
+              <a:rPr lang="de-DE" sz="1200" dirty="0" err="1">
+                <a:solidFill>
+                  <a:schemeClr val="bg1">
+                    <a:lumMod val="85000"/>
+                  </a:schemeClr>
+                </a:solidFill>
+              </a:rPr>
+              <a:t>GPT2</a:t>
+            </a:r>
+            <a:r>
+              <a:rPr lang="de-DE" sz="1200" dirty="0">
+                <a:solidFill>
+                  <a:schemeClr val="bg1">
+                    <a:lumMod val="85000"/>
+                  </a:schemeClr>
+                </a:solidFill>
+              </a:rPr>
+              <a:t> </a:t>
+            </a:r>
+            <a:r>
+              <a:rPr lang="de-DE" sz="1200" dirty="0" err="1">
+                <a:solidFill>
+                  <a:schemeClr val="bg1">
+                    <a:lumMod val="85000"/>
+                  </a:schemeClr>
+                </a:solidFill>
+              </a:rPr>
+              <a:t>llm.swift</a:t>
+            </a:r>
+            <a:r>
+              <a:rPr lang="de-DE" sz="1200" dirty="0">
+                <a:solidFill>
+                  <a:schemeClr val="bg1">
+                    <a:lumMod val="85000"/>
+                  </a:schemeClr>
+                </a:solidFill>
+              </a:rPr>
+              <a:t> LLM </a:t>
+            </a:r>
+            <a:r>
+              <a:rPr lang="de-DE" sz="1200" dirty="0" err="1">
+                <a:solidFill>
+                  <a:schemeClr val="bg1">
+                    <a:lumMod val="85000"/>
+                  </a:schemeClr>
+                </a:solidFill>
+              </a:rPr>
+              <a:t>LLM</a:t>
+            </a:r>
+            <a:r>
+              <a:rPr lang="de-DE" sz="1200" dirty="0">
+                <a:solidFill>
+                  <a:schemeClr val="bg1">
+                    <a:lumMod val="85000"/>
+                  </a:schemeClr>
+                </a:solidFill>
+              </a:rPr>
+              <a:t> </a:t>
+            </a:r>
+            <a:r>
+              <a:rPr lang="de-DE" sz="1200" dirty="0" err="1">
+                <a:solidFill>
+                  <a:schemeClr val="bg1">
+                    <a:lumMod val="85000"/>
+                  </a:schemeClr>
+                </a:solidFill>
+              </a:rPr>
+              <a:t>llm.c</a:t>
+            </a:r>
+            <a:r>
+              <a:rPr lang="de-DE" sz="1200" dirty="0">
+                <a:solidFill>
+                  <a:schemeClr val="bg1">
+                    <a:lumMod val="85000"/>
+                  </a:schemeClr>
+                </a:solidFill>
+              </a:rPr>
+              <a:t> Swift </a:t>
+            </a:r>
+            <a:r>
+              <a:rPr lang="de-DE" sz="1200" dirty="0" err="1">
+                <a:solidFill>
+                  <a:schemeClr val="bg1">
+                    <a:lumMod val="85000"/>
+                  </a:schemeClr>
+                </a:solidFill>
+              </a:rPr>
+              <a:t>llm.swift</a:t>
+            </a:r>
+            <a:r>
+              <a:rPr lang="de-DE" sz="1200" dirty="0">
+                <a:solidFill>
+                  <a:schemeClr val="bg1">
+                    <a:lumMod val="85000"/>
+                  </a:schemeClr>
+                </a:solidFill>
+              </a:rPr>
+              <a:t> GPT2 </a:t>
+            </a:r>
+            <a:r>
+              <a:rPr lang="de-DE" sz="1200" dirty="0" err="1">
+                <a:solidFill>
+                  <a:schemeClr val="bg1">
+                    <a:lumMod val="85000"/>
+                  </a:schemeClr>
+                </a:solidFill>
+              </a:rPr>
+              <a:t>llm.c</a:t>
+            </a:r>
+            <a:r>
+              <a:rPr lang="de-DE" sz="1200" dirty="0">
+                <a:solidFill>
+                  <a:schemeClr val="bg1">
+                    <a:lumMod val="85000"/>
+                  </a:schemeClr>
+                </a:solidFill>
+              </a:rPr>
+              <a:t> </a:t>
+            </a:r>
+            <a:r>
+              <a:rPr lang="de-DE" sz="1200" dirty="0" err="1">
+                <a:solidFill>
+                  <a:schemeClr val="bg1">
+                    <a:lumMod val="85000"/>
+                  </a:schemeClr>
+                </a:solidFill>
+              </a:rPr>
+              <a:t>llm.swift</a:t>
+            </a:r>
+            <a:r>
+              <a:rPr lang="de-DE" sz="1200" dirty="0">
+                <a:solidFill>
+                  <a:schemeClr val="bg1">
+                    <a:lumMod val="85000"/>
+                  </a:schemeClr>
+                </a:solidFill>
+              </a:rPr>
+              <a:t> GPT2 Swift </a:t>
+            </a:r>
+            <a:r>
+              <a:rPr lang="de-DE" sz="1200" dirty="0" err="1">
+                <a:solidFill>
+                  <a:schemeClr val="bg1">
+                    <a:lumMod val="85000"/>
+                  </a:schemeClr>
+                </a:solidFill>
+              </a:rPr>
+              <a:t>Swift</a:t>
+            </a:r>
+            <a:r>
+              <a:rPr lang="de-DE" sz="1200" dirty="0">
+                <a:solidFill>
+                  <a:schemeClr val="bg1">
+                    <a:lumMod val="85000"/>
+                  </a:schemeClr>
+                </a:solidFill>
+              </a:rPr>
+              <a:t> GPT2 </a:t>
+            </a:r>
+            <a:r>
+              <a:rPr lang="de-DE" sz="1200" dirty="0" err="1">
+                <a:solidFill>
+                  <a:schemeClr val="bg1">
+                    <a:lumMod val="85000"/>
+                  </a:schemeClr>
+                </a:solidFill>
+              </a:rPr>
+              <a:t>llm.swift</a:t>
+            </a:r>
+            <a:r>
+              <a:rPr lang="de-DE" sz="1200" dirty="0">
+                <a:solidFill>
+                  <a:schemeClr val="bg1">
+                    <a:lumMod val="85000"/>
+                  </a:schemeClr>
+                </a:solidFill>
+              </a:rPr>
+              <a:t> </a:t>
+            </a:r>
+            <a:r>
+              <a:rPr lang="de-DE" sz="1200" dirty="0" err="1">
+                <a:solidFill>
+                  <a:schemeClr val="bg1">
+                    <a:lumMod val="85000"/>
+                  </a:schemeClr>
+                </a:solidFill>
+              </a:rPr>
+              <a:t>llm.c</a:t>
+            </a:r>
+            <a:r>
+              <a:rPr lang="de-DE" sz="1200" dirty="0">
+                <a:solidFill>
+                  <a:schemeClr val="bg1">
+                    <a:lumMod val="85000"/>
+                  </a:schemeClr>
+                </a:solidFill>
+              </a:rPr>
+              <a:t> </a:t>
+            </a:r>
+            <a:r>
+              <a:rPr lang="de-DE" sz="1200" dirty="0" err="1">
+                <a:solidFill>
+                  <a:schemeClr val="bg1">
+                    <a:lumMod val="85000"/>
+                  </a:schemeClr>
+                </a:solidFill>
+              </a:rPr>
+              <a:t>Metal</a:t>
+            </a:r>
+            <a:r>
+              <a:rPr lang="de-DE" sz="1200" dirty="0">
+                <a:solidFill>
+                  <a:schemeClr val="bg1">
+                    <a:lumMod val="85000"/>
+                  </a:schemeClr>
+                </a:solidFill>
+              </a:rPr>
+              <a:t> LLM </a:t>
+            </a:r>
+            <a:r>
+              <a:rPr lang="de-DE" sz="1200" dirty="0" err="1">
+                <a:solidFill>
+                  <a:schemeClr val="bg1">
+                    <a:lumMod val="85000"/>
+                  </a:schemeClr>
+                </a:solidFill>
+              </a:rPr>
+              <a:t>Metal</a:t>
+            </a:r>
+            <a:r>
+              <a:rPr lang="de-DE" sz="1200" dirty="0">
+                <a:solidFill>
+                  <a:schemeClr val="bg1">
+                    <a:lumMod val="85000"/>
+                  </a:schemeClr>
+                </a:solidFill>
+              </a:rPr>
+              <a:t> LLM </a:t>
+            </a:r>
+            <a:r>
+              <a:rPr lang="de-DE" sz="1200" dirty="0" err="1">
+                <a:solidFill>
+                  <a:schemeClr val="bg1">
+                    <a:lumMod val="85000"/>
+                  </a:schemeClr>
+                </a:solidFill>
+              </a:rPr>
+              <a:t>Metal</a:t>
+            </a:r>
+            <a:r>
+              <a:rPr lang="de-DE" sz="1200" dirty="0">
+                <a:solidFill>
+                  <a:schemeClr val="bg1">
+                    <a:lumMod val="85000"/>
+                  </a:schemeClr>
+                </a:solidFill>
+              </a:rPr>
+              <a:t> Swift </a:t>
+            </a:r>
+            <a:r>
+              <a:rPr lang="de-DE" sz="1200" dirty="0" err="1">
+                <a:solidFill>
+                  <a:schemeClr val="bg1">
+                    <a:lumMod val="85000"/>
+                  </a:schemeClr>
+                </a:solidFill>
+              </a:rPr>
+              <a:t>llm.c</a:t>
+            </a:r>
+            <a:r>
+              <a:rPr lang="de-DE" sz="1200" dirty="0">
+                <a:solidFill>
+                  <a:schemeClr val="bg1">
+                    <a:lumMod val="85000"/>
+                  </a:schemeClr>
+                </a:solidFill>
+              </a:rPr>
+              <a:t> GPT2 </a:t>
+            </a:r>
+            <a:r>
+              <a:rPr lang="de-DE" sz="1200" dirty="0" err="1">
+                <a:solidFill>
+                  <a:schemeClr val="bg1">
+                    <a:lumMod val="85000"/>
+                  </a:schemeClr>
+                </a:solidFill>
+              </a:rPr>
+              <a:t>llm.swift</a:t>
+            </a:r>
+            <a:r>
+              <a:rPr lang="de-DE" sz="1200" dirty="0">
+                <a:solidFill>
+                  <a:schemeClr val="bg1">
+                    <a:lumMod val="85000"/>
+                  </a:schemeClr>
+                </a:solidFill>
+              </a:rPr>
+              <a:t> Swift LLM </a:t>
+            </a:r>
+            <a:r>
+              <a:rPr lang="de-DE" sz="1200" dirty="0" err="1">
+                <a:solidFill>
+                  <a:schemeClr val="bg1">
+                    <a:lumMod val="85000"/>
+                  </a:schemeClr>
+                </a:solidFill>
+              </a:rPr>
+              <a:t>llm.c</a:t>
+            </a:r>
+            <a:r>
+              <a:rPr lang="de-DE" sz="1200" dirty="0">
+                <a:solidFill>
+                  <a:schemeClr val="bg1">
+                    <a:lumMod val="85000"/>
+                  </a:schemeClr>
+                </a:solidFill>
+              </a:rPr>
+              <a:t> Swift </a:t>
+            </a:r>
+            <a:r>
+              <a:rPr lang="de-DE" sz="1200" dirty="0" err="1">
+                <a:solidFill>
+                  <a:schemeClr val="bg1">
+                    <a:lumMod val="85000"/>
+                  </a:schemeClr>
+                </a:solidFill>
+              </a:rPr>
+              <a:t>Swift</a:t>
+            </a:r>
+            <a:r>
+              <a:rPr lang="de-DE" sz="1200" dirty="0">
+                <a:solidFill>
+                  <a:schemeClr val="bg1">
+                    <a:lumMod val="85000"/>
+                  </a:schemeClr>
+                </a:solidFill>
+              </a:rPr>
+              <a:t> </a:t>
+            </a:r>
+            <a:r>
+              <a:rPr lang="de-DE" sz="1200" dirty="0" err="1">
+                <a:solidFill>
+                  <a:schemeClr val="bg1">
+                    <a:lumMod val="85000"/>
+                  </a:schemeClr>
+                </a:solidFill>
+              </a:rPr>
+              <a:t>Swift</a:t>
+            </a:r>
+            <a:r>
+              <a:rPr lang="de-DE" sz="1200" dirty="0">
+                <a:solidFill>
+                  <a:schemeClr val="bg1">
+                    <a:lumMod val="85000"/>
+                  </a:schemeClr>
+                </a:solidFill>
+              </a:rPr>
+              <a:t> LLM </a:t>
+            </a:r>
+            <a:r>
+              <a:rPr lang="de-DE" sz="1200" dirty="0" err="1">
+                <a:solidFill>
+                  <a:schemeClr val="bg1">
+                    <a:lumMod val="85000"/>
+                  </a:schemeClr>
+                </a:solidFill>
+              </a:rPr>
+              <a:t>llm.c</a:t>
+            </a:r>
+            <a:r>
+              <a:rPr lang="de-DE" sz="1200" dirty="0">
+                <a:solidFill>
+                  <a:schemeClr val="bg1">
+                    <a:lumMod val="85000"/>
+                  </a:schemeClr>
+                </a:solidFill>
+              </a:rPr>
+              <a:t> </a:t>
+            </a:r>
+            <a:r>
+              <a:rPr lang="de-DE" sz="1200" dirty="0" err="1">
+                <a:solidFill>
+                  <a:schemeClr val="bg1">
+                    <a:lumMod val="85000"/>
+                  </a:schemeClr>
+                </a:solidFill>
+              </a:rPr>
+              <a:t>Metal</a:t>
+            </a:r>
+            <a:r>
+              <a:rPr lang="de-DE" sz="1200" dirty="0">
+                <a:solidFill>
+                  <a:schemeClr val="bg1">
+                    <a:lumMod val="85000"/>
+                  </a:schemeClr>
+                </a:solidFill>
+              </a:rPr>
+              <a:t> Swift LLM Swift LLM Swift </a:t>
+            </a:r>
+            <a:r>
+              <a:rPr lang="de-DE" sz="1200" dirty="0" err="1">
+                <a:solidFill>
+                  <a:schemeClr val="bg1">
+                    <a:lumMod val="85000"/>
+                  </a:schemeClr>
+                </a:solidFill>
+              </a:rPr>
+              <a:t>Swift</a:t>
+            </a:r>
+            <a:r>
+              <a:rPr lang="de-DE" sz="1200" dirty="0">
+                <a:solidFill>
+                  <a:schemeClr val="bg1">
+                    <a:lumMod val="85000"/>
+                  </a:schemeClr>
+                </a:solidFill>
+              </a:rPr>
+              <a:t> GPT2 Swift </a:t>
+            </a:r>
+            <a:r>
+              <a:rPr lang="de-DE" sz="1200" dirty="0" err="1">
+                <a:solidFill>
+                  <a:schemeClr val="bg1">
+                    <a:lumMod val="85000"/>
+                  </a:schemeClr>
+                </a:solidFill>
+              </a:rPr>
+              <a:t>llm.swift</a:t>
+            </a:r>
+            <a:r>
+              <a:rPr lang="de-DE" sz="1200" dirty="0">
+                <a:solidFill>
+                  <a:schemeClr val="bg1">
+                    <a:lumMod val="85000"/>
+                  </a:schemeClr>
+                </a:solidFill>
+              </a:rPr>
+              <a:t> </a:t>
+            </a:r>
+            <a:r>
+              <a:rPr lang="de-DE" sz="1200" dirty="0" err="1">
+                <a:solidFill>
+                  <a:schemeClr val="bg1">
+                    <a:lumMod val="85000"/>
+                  </a:schemeClr>
+                </a:solidFill>
+              </a:rPr>
+              <a:t>llm.c</a:t>
+            </a:r>
+            <a:r>
+              <a:rPr lang="de-DE" sz="1200" dirty="0">
+                <a:solidFill>
+                  <a:schemeClr val="bg1">
+                    <a:lumMod val="85000"/>
+                  </a:schemeClr>
+                </a:solidFill>
+              </a:rPr>
+              <a:t> GPT2 </a:t>
+            </a:r>
+            <a:r>
+              <a:rPr lang="de-DE" sz="1200" dirty="0" err="1">
+                <a:solidFill>
+                  <a:schemeClr val="bg1">
+                    <a:lumMod val="85000"/>
+                  </a:schemeClr>
+                </a:solidFill>
+              </a:rPr>
+              <a:t>Metal</a:t>
+            </a:r>
+            <a:r>
+              <a:rPr lang="de-DE" sz="1200" dirty="0">
+                <a:solidFill>
+                  <a:schemeClr val="bg1">
+                    <a:lumMod val="85000"/>
+                  </a:schemeClr>
+                </a:solidFill>
+              </a:rPr>
+              <a:t> </a:t>
+            </a:r>
+            <a:r>
+              <a:rPr lang="de-DE" sz="1200" dirty="0" err="1">
+                <a:solidFill>
+                  <a:schemeClr val="bg1">
+                    <a:lumMod val="85000"/>
+                  </a:schemeClr>
+                </a:solidFill>
+              </a:rPr>
+              <a:t>llm.c</a:t>
+            </a:r>
+            <a:r>
+              <a:rPr lang="de-DE" sz="1200" dirty="0">
+                <a:solidFill>
+                  <a:schemeClr val="bg1">
+                    <a:lumMod val="85000"/>
+                  </a:schemeClr>
+                </a:solidFill>
+              </a:rPr>
+              <a:t> LLM </a:t>
+            </a:r>
+            <a:r>
+              <a:rPr lang="de-DE" sz="1200" dirty="0" err="1">
+                <a:solidFill>
+                  <a:schemeClr val="bg1">
+                    <a:lumMod val="85000"/>
+                  </a:schemeClr>
+                </a:solidFill>
+              </a:rPr>
+              <a:t>Metal</a:t>
+            </a:r>
+            <a:r>
+              <a:rPr lang="de-DE" sz="1200" dirty="0">
+                <a:solidFill>
+                  <a:schemeClr val="bg1">
+                    <a:lumMod val="85000"/>
+                  </a:schemeClr>
+                </a:solidFill>
+              </a:rPr>
+              <a:t> LLM GPT2 </a:t>
+            </a:r>
+            <a:r>
+              <a:rPr lang="de-DE" sz="1200" dirty="0" err="1">
+                <a:solidFill>
+                  <a:schemeClr val="bg1">
+                    <a:lumMod val="85000"/>
+                  </a:schemeClr>
+                </a:solidFill>
+              </a:rPr>
+              <a:t>llm.swift</a:t>
+            </a:r>
+            <a:r>
+              <a:rPr lang="de-DE" sz="1200" dirty="0">
+                <a:solidFill>
+                  <a:schemeClr val="bg1">
+                    <a:lumMod val="85000"/>
+                  </a:schemeClr>
+                </a:solidFill>
+              </a:rPr>
+              <a:t> Swift </a:t>
+            </a:r>
+            <a:r>
+              <a:rPr lang="de-DE" sz="1200" dirty="0" err="1">
+                <a:solidFill>
+                  <a:schemeClr val="bg1">
+                    <a:lumMod val="85000"/>
+                  </a:schemeClr>
+                </a:solidFill>
+              </a:rPr>
+              <a:t>Swift</a:t>
+            </a:r>
+            <a:r>
+              <a:rPr lang="de-DE" sz="1200" dirty="0">
+                <a:solidFill>
+                  <a:schemeClr val="bg1">
+                    <a:lumMod val="85000"/>
+                  </a:schemeClr>
+                </a:solidFill>
+              </a:rPr>
+              <a:t> GPT2 </a:t>
+            </a:r>
+            <a:r>
+              <a:rPr lang="de-DE" sz="1200" dirty="0" err="1">
+                <a:solidFill>
+                  <a:schemeClr val="bg1">
+                    <a:lumMod val="85000"/>
+                  </a:schemeClr>
+                </a:solidFill>
+              </a:rPr>
+              <a:t>llm.c</a:t>
+            </a:r>
+            <a:r>
+              <a:rPr lang="de-DE" sz="1200" dirty="0">
+                <a:solidFill>
+                  <a:schemeClr val="bg1">
+                    <a:lumMod val="85000"/>
+                  </a:schemeClr>
+                </a:solidFill>
+              </a:rPr>
+              <a:t> </a:t>
+            </a:r>
+            <a:r>
+              <a:rPr lang="de-DE" sz="1200" dirty="0" err="1">
+                <a:solidFill>
+                  <a:schemeClr val="bg1">
+                    <a:lumMod val="85000"/>
+                  </a:schemeClr>
+                </a:solidFill>
+              </a:rPr>
+              <a:t>Metal</a:t>
+            </a:r>
+            <a:r>
+              <a:rPr lang="de-DE" sz="1200" dirty="0">
+                <a:solidFill>
+                  <a:schemeClr val="bg1">
+                    <a:lumMod val="85000"/>
+                  </a:schemeClr>
+                </a:solidFill>
+              </a:rPr>
+              <a:t> LLM </a:t>
+            </a:r>
+            <a:r>
+              <a:rPr lang="de-DE" sz="1200" dirty="0" err="1">
+                <a:solidFill>
+                  <a:schemeClr val="bg1">
+                    <a:lumMod val="85000"/>
+                  </a:schemeClr>
+                </a:solidFill>
+              </a:rPr>
+              <a:t>Metal</a:t>
+            </a:r>
+            <a:r>
+              <a:rPr lang="de-DE" sz="1200" dirty="0">
+                <a:solidFill>
+                  <a:schemeClr val="bg1">
+                    <a:lumMod val="85000"/>
+                  </a:schemeClr>
+                </a:solidFill>
+              </a:rPr>
+              <a:t> </a:t>
+            </a:r>
+            <a:r>
+              <a:rPr lang="de-DE" sz="1200" dirty="0" err="1">
+                <a:solidFill>
+                  <a:schemeClr val="bg1">
+                    <a:lumMod val="85000"/>
+                  </a:schemeClr>
+                </a:solidFill>
+              </a:rPr>
+              <a:t>llm.swift</a:t>
+            </a:r>
+            <a:r>
+              <a:rPr lang="de-DE" sz="1200" dirty="0">
+                <a:solidFill>
+                  <a:schemeClr val="bg1">
+                    <a:lumMod val="85000"/>
+                  </a:schemeClr>
+                </a:solidFill>
+              </a:rPr>
+              <a:t> </a:t>
+            </a:r>
+            <a:r>
+              <a:rPr lang="de-DE" sz="1200" dirty="0" err="1">
+                <a:solidFill>
+                  <a:schemeClr val="bg1">
+                    <a:lumMod val="85000"/>
+                  </a:schemeClr>
+                </a:solidFill>
+              </a:rPr>
+              <a:t>llm.c</a:t>
+            </a:r>
+            <a:r>
+              <a:rPr lang="de-DE" sz="1200" dirty="0">
+                <a:solidFill>
+                  <a:schemeClr val="bg1">
+                    <a:lumMod val="85000"/>
+                  </a:schemeClr>
+                </a:solidFill>
+              </a:rPr>
+              <a:t> </a:t>
+            </a:r>
+            <a:r>
+              <a:rPr lang="de-DE" sz="1200" dirty="0" err="1">
+                <a:solidFill>
+                  <a:schemeClr val="bg1">
+                    <a:lumMod val="85000"/>
+                  </a:schemeClr>
+                </a:solidFill>
+              </a:rPr>
+              <a:t>Metal</a:t>
+            </a:r>
+            <a:r>
+              <a:rPr lang="de-DE" sz="1200" dirty="0">
+                <a:solidFill>
+                  <a:schemeClr val="bg1">
+                    <a:lumMod val="85000"/>
+                  </a:schemeClr>
+                </a:solidFill>
+              </a:rPr>
+              <a:t> LLM </a:t>
+            </a:r>
+            <a:r>
+              <a:rPr lang="de-DE" sz="1200" dirty="0" err="1">
+                <a:solidFill>
+                  <a:schemeClr val="bg1">
+                    <a:lumMod val="85000"/>
+                  </a:schemeClr>
+                </a:solidFill>
+              </a:rPr>
+              <a:t>LLM</a:t>
+            </a:r>
+            <a:r>
+              <a:rPr lang="de-DE" sz="1200" dirty="0">
+                <a:solidFill>
+                  <a:schemeClr val="bg1">
+                    <a:lumMod val="85000"/>
+                  </a:schemeClr>
+                </a:solidFill>
+              </a:rPr>
+              <a:t> GPT2 </a:t>
+            </a:r>
+            <a:r>
+              <a:rPr lang="de-DE" sz="1200" dirty="0" err="1">
+                <a:solidFill>
+                  <a:schemeClr val="bg1">
+                    <a:lumMod val="85000"/>
+                  </a:schemeClr>
+                </a:solidFill>
+              </a:rPr>
+              <a:t>Metal</a:t>
+            </a:r>
+            <a:r>
+              <a:rPr lang="de-DE" sz="1200" dirty="0">
+                <a:solidFill>
+                  <a:schemeClr val="bg1">
+                    <a:lumMod val="85000"/>
+                  </a:schemeClr>
+                </a:solidFill>
+              </a:rPr>
+              <a:t> </a:t>
+            </a:r>
+            <a:r>
+              <a:rPr lang="de-DE" sz="1200" dirty="0" err="1">
+                <a:solidFill>
+                  <a:schemeClr val="bg1">
+                    <a:lumMod val="85000"/>
+                  </a:schemeClr>
+                </a:solidFill>
+              </a:rPr>
+              <a:t>Metal</a:t>
+            </a:r>
+            <a:r>
+              <a:rPr lang="de-DE" sz="1200" dirty="0">
+                <a:solidFill>
+                  <a:schemeClr val="bg1">
+                    <a:lumMod val="85000"/>
+                  </a:schemeClr>
+                </a:solidFill>
+              </a:rPr>
+              <a:t> </a:t>
+            </a:r>
+            <a:r>
+              <a:rPr lang="de-DE" sz="1200" dirty="0" err="1">
+                <a:solidFill>
+                  <a:schemeClr val="bg1">
+                    <a:lumMod val="85000"/>
+                  </a:schemeClr>
+                </a:solidFill>
+              </a:rPr>
+              <a:t>llm.swift</a:t>
+            </a:r>
+            <a:r>
+              <a:rPr lang="de-DE" sz="1200" dirty="0">
+                <a:solidFill>
+                  <a:schemeClr val="bg1">
+                    <a:lumMod val="85000"/>
+                  </a:schemeClr>
+                </a:solidFill>
+              </a:rPr>
+              <a:t> </a:t>
+            </a:r>
+            <a:r>
+              <a:rPr lang="de-DE" sz="1200" dirty="0" err="1">
+                <a:solidFill>
+                  <a:schemeClr val="bg1">
+                    <a:lumMod val="85000"/>
+                  </a:schemeClr>
+                </a:solidFill>
+              </a:rPr>
+              <a:t>llm.swift</a:t>
+            </a:r>
+            <a:r>
+              <a:rPr lang="de-DE" sz="1200" dirty="0">
+                <a:solidFill>
+                  <a:schemeClr val="bg1">
+                    <a:lumMod val="85000"/>
+                  </a:schemeClr>
+                </a:solidFill>
+              </a:rPr>
+              <a:t> </a:t>
+            </a:r>
+            <a:r>
+              <a:rPr lang="de-DE" sz="1200" dirty="0" err="1">
+                <a:solidFill>
+                  <a:schemeClr val="bg1">
+                    <a:lumMod val="85000"/>
+                  </a:schemeClr>
+                </a:solidFill>
+              </a:rPr>
+              <a:t>llm.c</a:t>
+            </a:r>
+            <a:r>
+              <a:rPr lang="de-DE" sz="1200" dirty="0">
+                <a:solidFill>
+                  <a:schemeClr val="bg1">
+                    <a:lumMod val="85000"/>
+                  </a:schemeClr>
+                </a:solidFill>
+              </a:rPr>
+              <a:t> Swift </a:t>
+            </a:r>
+            <a:r>
+              <a:rPr lang="de-DE" sz="1200" dirty="0" err="1">
+                <a:solidFill>
+                  <a:schemeClr val="bg1">
+                    <a:lumMod val="85000"/>
+                  </a:schemeClr>
+                </a:solidFill>
+              </a:rPr>
+              <a:t>llm.c</a:t>
+            </a:r>
+            <a:r>
+              <a:rPr lang="de-DE" sz="1200" dirty="0">
+                <a:solidFill>
+                  <a:schemeClr val="bg1">
+                    <a:lumMod val="85000"/>
+                  </a:schemeClr>
+                </a:solidFill>
+              </a:rPr>
+              <a:t> GPT2 </a:t>
+            </a:r>
+            <a:r>
+              <a:rPr lang="de-DE" sz="1200" dirty="0" err="1">
+                <a:solidFill>
+                  <a:schemeClr val="bg1">
+                    <a:lumMod val="85000"/>
+                  </a:schemeClr>
+                </a:solidFill>
+              </a:rPr>
+              <a:t>llm.c</a:t>
+            </a:r>
+            <a:r>
+              <a:rPr lang="de-DE" sz="1200" dirty="0">
+                <a:solidFill>
+                  <a:schemeClr val="bg1">
+                    <a:lumMod val="85000"/>
+                  </a:schemeClr>
+                </a:solidFill>
+              </a:rPr>
+              <a:t> </a:t>
+            </a:r>
+            <a:r>
+              <a:rPr lang="de-DE" sz="1200" dirty="0" err="1">
+                <a:solidFill>
+                  <a:schemeClr val="bg1">
+                    <a:lumMod val="85000"/>
+                  </a:schemeClr>
+                </a:solidFill>
+              </a:rPr>
+              <a:t>llm.c</a:t>
+            </a:r>
+            <a:r>
+              <a:rPr lang="de-DE" sz="1200" dirty="0">
+                <a:solidFill>
+                  <a:schemeClr val="bg1">
+                    <a:lumMod val="85000"/>
+                  </a:schemeClr>
+                </a:solidFill>
+              </a:rPr>
+              <a:t> Swift </a:t>
+            </a:r>
+            <a:r>
+              <a:rPr lang="de-DE" sz="1200" dirty="0" err="1">
+                <a:solidFill>
+                  <a:schemeClr val="bg1">
+                    <a:lumMod val="85000"/>
+                  </a:schemeClr>
+                </a:solidFill>
+              </a:rPr>
+              <a:t>Metal</a:t>
+            </a:r>
+            <a:r>
+              <a:rPr lang="de-DE" sz="1200" dirty="0">
+                <a:solidFill>
+                  <a:schemeClr val="bg1">
+                    <a:lumMod val="85000"/>
+                  </a:schemeClr>
+                </a:solidFill>
+              </a:rPr>
+              <a:t> </a:t>
+            </a:r>
+            <a:r>
+              <a:rPr lang="de-DE" sz="1200" dirty="0" err="1">
+                <a:solidFill>
+                  <a:schemeClr val="bg1">
+                    <a:lumMod val="85000"/>
+                  </a:schemeClr>
+                </a:solidFill>
+              </a:rPr>
+              <a:t>Metal</a:t>
+            </a:r>
+            <a:r>
+              <a:rPr lang="de-DE" sz="1200" dirty="0">
+                <a:solidFill>
+                  <a:schemeClr val="bg1">
+                    <a:lumMod val="85000"/>
+                  </a:schemeClr>
+                </a:solidFill>
+              </a:rPr>
+              <a:t> </a:t>
+            </a:r>
+            <a:r>
+              <a:rPr lang="de-DE" sz="1200" dirty="0" err="1">
+                <a:solidFill>
+                  <a:schemeClr val="bg1">
+                    <a:lumMod val="85000"/>
+                  </a:schemeClr>
+                </a:solidFill>
+              </a:rPr>
+              <a:t>llm.swift</a:t>
+            </a:r>
+            <a:r>
+              <a:rPr lang="de-DE" sz="1200" dirty="0">
+                <a:solidFill>
+                  <a:schemeClr val="bg1">
+                    <a:lumMod val="85000"/>
+                  </a:schemeClr>
+                </a:solidFill>
+              </a:rPr>
+              <a:t> </a:t>
+            </a:r>
+            <a:r>
+              <a:rPr lang="de-DE" sz="1200" dirty="0" err="1">
+                <a:solidFill>
+                  <a:schemeClr val="bg1">
+                    <a:lumMod val="85000"/>
+                  </a:schemeClr>
+                </a:solidFill>
+              </a:rPr>
+              <a:t>Metal</a:t>
+            </a:r>
+            <a:r>
+              <a:rPr lang="de-DE" sz="1200" dirty="0">
+                <a:solidFill>
+                  <a:schemeClr val="bg1">
+                    <a:lumMod val="85000"/>
+                  </a:schemeClr>
+                </a:solidFill>
+              </a:rPr>
+              <a:t> Swift </a:t>
+            </a:r>
+            <a:r>
+              <a:rPr lang="de-DE" sz="1200" dirty="0" err="1">
+                <a:solidFill>
+                  <a:schemeClr val="bg1">
+                    <a:lumMod val="85000"/>
+                  </a:schemeClr>
+                </a:solidFill>
+              </a:rPr>
+              <a:t>llm.c</a:t>
+            </a:r>
+            <a:r>
+              <a:rPr lang="de-DE" sz="1200" dirty="0">
+                <a:solidFill>
+                  <a:schemeClr val="bg1">
+                    <a:lumMod val="85000"/>
+                  </a:schemeClr>
+                </a:solidFill>
+              </a:rPr>
+              <a:t> LLM Swift </a:t>
+            </a:r>
+            <a:r>
+              <a:rPr lang="de-DE" sz="1200" dirty="0" err="1">
+                <a:solidFill>
+                  <a:schemeClr val="bg1">
+                    <a:lumMod val="85000"/>
+                  </a:schemeClr>
+                </a:solidFill>
+              </a:rPr>
+              <a:t>llm.c</a:t>
+            </a:r>
+            <a:r>
+              <a:rPr lang="de-DE" sz="1200" dirty="0">
+                <a:solidFill>
+                  <a:schemeClr val="bg1">
+                    <a:lumMod val="85000"/>
+                  </a:schemeClr>
+                </a:solidFill>
+              </a:rPr>
+              <a:t> </a:t>
+            </a:r>
+            <a:r>
+              <a:rPr lang="de-DE" sz="1200" dirty="0" err="1">
+                <a:solidFill>
+                  <a:schemeClr val="bg1">
+                    <a:lumMod val="85000"/>
+                  </a:schemeClr>
+                </a:solidFill>
+              </a:rPr>
+              <a:t>llm.swift</a:t>
+            </a:r>
+            <a:r>
+              <a:rPr lang="de-DE" sz="1200" dirty="0">
+                <a:solidFill>
+                  <a:schemeClr val="bg1">
+                    <a:lumMod val="85000"/>
+                  </a:schemeClr>
+                </a:solidFill>
+              </a:rPr>
+              <a:t> GPT2 </a:t>
+            </a:r>
+            <a:r>
+              <a:rPr lang="de-DE" sz="1200" dirty="0" err="1">
+                <a:solidFill>
+                  <a:schemeClr val="bg1">
+                    <a:lumMod val="85000"/>
+                  </a:schemeClr>
+                </a:solidFill>
+              </a:rPr>
+              <a:t>llm.swift</a:t>
+            </a:r>
+            <a:r>
+              <a:rPr lang="de-DE" sz="1200" dirty="0">
+                <a:solidFill>
+                  <a:schemeClr val="bg1">
+                    <a:lumMod val="85000"/>
+                  </a:schemeClr>
+                </a:solidFill>
+              </a:rPr>
+              <a:t> Swift </a:t>
+            </a:r>
+            <a:r>
+              <a:rPr lang="de-DE" sz="1200" dirty="0" err="1">
+                <a:solidFill>
+                  <a:schemeClr val="bg1">
+                    <a:lumMod val="85000"/>
+                  </a:schemeClr>
+                </a:solidFill>
+              </a:rPr>
+              <a:t>llm.c</a:t>
+            </a:r>
+            <a:r>
+              <a:rPr lang="de-DE" sz="1200" dirty="0">
+                <a:solidFill>
+                  <a:schemeClr val="bg1">
+                    <a:lumMod val="85000"/>
+                  </a:schemeClr>
+                </a:solidFill>
+              </a:rPr>
+              <a:t> </a:t>
+            </a:r>
+            <a:r>
+              <a:rPr lang="de-DE" sz="1200" dirty="0" err="1">
+                <a:solidFill>
+                  <a:schemeClr val="bg1">
+                    <a:lumMod val="85000"/>
+                  </a:schemeClr>
+                </a:solidFill>
+              </a:rPr>
+              <a:t>llm.swift</a:t>
+            </a:r>
+            <a:r>
+              <a:rPr lang="de-DE" sz="1200" dirty="0">
+                <a:solidFill>
+                  <a:schemeClr val="bg1">
+                    <a:lumMod val="85000"/>
+                  </a:schemeClr>
+                </a:solidFill>
+              </a:rPr>
+              <a:t> </a:t>
+            </a:r>
+            <a:r>
+              <a:rPr lang="de-DE" sz="1200" dirty="0" err="1">
+                <a:solidFill>
+                  <a:schemeClr val="bg1">
+                    <a:lumMod val="85000"/>
+                  </a:schemeClr>
+                </a:solidFill>
+              </a:rPr>
+              <a:t>llm.c</a:t>
+            </a:r>
+            <a:r>
+              <a:rPr lang="de-DE" sz="1200" dirty="0">
+                <a:solidFill>
+                  <a:schemeClr val="bg1">
+                    <a:lumMod val="85000"/>
+                  </a:schemeClr>
+                </a:solidFill>
+              </a:rPr>
+              <a:t> Swift </a:t>
+            </a:r>
+            <a:r>
+              <a:rPr lang="de-DE" sz="1200" dirty="0" err="1">
+                <a:solidFill>
+                  <a:schemeClr val="bg1">
+                    <a:lumMod val="85000"/>
+                  </a:schemeClr>
+                </a:solidFill>
+              </a:rPr>
+              <a:t>llm.swift</a:t>
+            </a:r>
+            <a:r>
+              <a:rPr lang="de-DE" sz="1200" dirty="0">
+                <a:solidFill>
+                  <a:schemeClr val="bg1">
+                    <a:lumMod val="85000"/>
+                  </a:schemeClr>
+                </a:solidFill>
+              </a:rPr>
+              <a:t> </a:t>
+            </a:r>
+            <a:r>
+              <a:rPr lang="de-DE" sz="1200" dirty="0" err="1">
+                <a:solidFill>
+                  <a:schemeClr val="bg1">
+                    <a:lumMod val="85000"/>
+                  </a:schemeClr>
+                </a:solidFill>
+              </a:rPr>
+              <a:t>llm.c</a:t>
+            </a:r>
+            <a:r>
+              <a:rPr lang="de-DE" sz="1200" dirty="0">
+                <a:solidFill>
+                  <a:schemeClr val="bg1">
+                    <a:lumMod val="85000"/>
+                  </a:schemeClr>
+                </a:solidFill>
+              </a:rPr>
+              <a:t> </a:t>
+            </a:r>
+            <a:r>
+              <a:rPr lang="de-DE" sz="1200" dirty="0" err="1">
+                <a:solidFill>
+                  <a:schemeClr val="bg1">
+                    <a:lumMod val="85000"/>
+                  </a:schemeClr>
+                </a:solidFill>
+              </a:rPr>
+              <a:t>llm.c</a:t>
+            </a:r>
+            <a:r>
+              <a:rPr lang="de-DE" sz="1200" dirty="0">
+                <a:solidFill>
+                  <a:schemeClr val="bg1">
+                    <a:lumMod val="85000"/>
+                  </a:schemeClr>
+                </a:solidFill>
+              </a:rPr>
+              <a:t> </a:t>
+            </a:r>
+            <a:r>
+              <a:rPr lang="de-DE" sz="1200" dirty="0" err="1">
+                <a:solidFill>
+                  <a:schemeClr val="bg1">
+                    <a:lumMod val="85000"/>
+                  </a:schemeClr>
+                </a:solidFill>
+              </a:rPr>
+              <a:t>llm.swift</a:t>
+            </a:r>
+            <a:r>
+              <a:rPr lang="de-DE" sz="1200" dirty="0">
+                <a:solidFill>
+                  <a:schemeClr val="bg1">
+                    <a:lumMod val="85000"/>
+                  </a:schemeClr>
+                </a:solidFill>
+              </a:rPr>
+              <a:t> GPT2 </a:t>
+            </a:r>
+            <a:r>
+              <a:rPr lang="de-DE" sz="1200" dirty="0" err="1">
+                <a:solidFill>
+                  <a:schemeClr val="bg1">
+                    <a:lumMod val="85000"/>
+                  </a:schemeClr>
+                </a:solidFill>
+              </a:rPr>
+              <a:t>llm.swift</a:t>
+            </a:r>
+            <a:r>
+              <a:rPr lang="de-DE" sz="1200" dirty="0">
+                <a:solidFill>
+                  <a:schemeClr val="bg1">
+                    <a:lumMod val="85000"/>
+                  </a:schemeClr>
+                </a:solidFill>
+              </a:rPr>
+              <a:t> </a:t>
+            </a:r>
+            <a:r>
+              <a:rPr lang="de-DE" sz="1200" dirty="0" err="1">
+                <a:solidFill>
+                  <a:schemeClr val="bg1">
+                    <a:lumMod val="85000"/>
+                  </a:schemeClr>
+                </a:solidFill>
+              </a:rPr>
+              <a:t>llm.swift</a:t>
+            </a:r>
+            <a:r>
+              <a:rPr lang="de-DE" sz="1200" dirty="0">
+                <a:solidFill>
+                  <a:schemeClr val="bg1">
+                    <a:lumMod val="85000"/>
+                  </a:schemeClr>
+                </a:solidFill>
+              </a:rPr>
+              <a:t> </a:t>
+            </a:r>
+            <a:r>
+              <a:rPr lang="de-DE" sz="1200" dirty="0" err="1">
+                <a:solidFill>
+                  <a:schemeClr val="bg1">
+                    <a:lumMod val="85000"/>
+                  </a:schemeClr>
+                </a:solidFill>
+              </a:rPr>
+              <a:t>Metal</a:t>
+            </a:r>
+            <a:r>
+              <a:rPr lang="de-DE" sz="1200" dirty="0">
+                <a:solidFill>
+                  <a:schemeClr val="bg1">
+                    <a:lumMod val="85000"/>
+                  </a:schemeClr>
+                </a:solidFill>
+              </a:rPr>
+              <a:t> </a:t>
+            </a:r>
+            <a:r>
+              <a:rPr lang="de-DE" sz="1200" dirty="0" err="1">
+                <a:solidFill>
+                  <a:schemeClr val="bg1">
+                    <a:lumMod val="85000"/>
+                  </a:schemeClr>
+                </a:solidFill>
+              </a:rPr>
+              <a:t>llm.swift</a:t>
+            </a:r>
+            <a:r>
+              <a:rPr lang="de-DE" sz="1200" dirty="0">
+                <a:solidFill>
+                  <a:schemeClr val="bg1">
+                    <a:lumMod val="85000"/>
+                  </a:schemeClr>
+                </a:solidFill>
+              </a:rPr>
+              <a:t> Swift </a:t>
+            </a:r>
+            <a:r>
+              <a:rPr lang="de-DE" sz="1200" dirty="0" err="1">
+                <a:solidFill>
+                  <a:schemeClr val="bg1">
+                    <a:lumMod val="85000"/>
+                  </a:schemeClr>
+                </a:solidFill>
+              </a:rPr>
+              <a:t>llm.c</a:t>
+            </a:r>
+            <a:r>
+              <a:rPr lang="de-DE" sz="1200" dirty="0">
+                <a:solidFill>
+                  <a:schemeClr val="bg1">
+                    <a:lumMod val="85000"/>
+                  </a:schemeClr>
+                </a:solidFill>
+              </a:rPr>
+              <a:t> Swift </a:t>
+            </a:r>
+            <a:r>
+              <a:rPr lang="de-DE" sz="1200" dirty="0" err="1">
+                <a:solidFill>
+                  <a:schemeClr val="bg1">
+                    <a:lumMod val="85000"/>
+                  </a:schemeClr>
+                </a:solidFill>
+              </a:rPr>
+              <a:t>llm.c</a:t>
+            </a:r>
+            <a:r>
+              <a:rPr lang="de-DE" sz="1200" dirty="0">
+                <a:solidFill>
+                  <a:schemeClr val="bg1">
+                    <a:lumMod val="85000"/>
+                  </a:schemeClr>
+                </a:solidFill>
+              </a:rPr>
+              <a:t> </a:t>
+            </a:r>
+            <a:r>
+              <a:rPr lang="de-DE" sz="1200" dirty="0" err="1">
+                <a:solidFill>
+                  <a:schemeClr val="bg1">
+                    <a:lumMod val="85000"/>
+                  </a:schemeClr>
+                </a:solidFill>
+              </a:rPr>
+              <a:t>llm.c</a:t>
+            </a:r>
+            <a:r>
+              <a:rPr lang="de-DE" sz="1200" dirty="0">
+                <a:solidFill>
+                  <a:schemeClr val="bg1">
+                    <a:lumMod val="85000"/>
+                  </a:schemeClr>
+                </a:solidFill>
+              </a:rPr>
+              <a:t> LLM </a:t>
+            </a:r>
+            <a:r>
+              <a:rPr lang="de-DE" sz="1200" dirty="0" err="1">
+                <a:solidFill>
+                  <a:schemeClr val="bg1">
+                    <a:lumMod val="85000"/>
+                  </a:schemeClr>
+                </a:solidFill>
+              </a:rPr>
+              <a:t>Metal</a:t>
+            </a:r>
+            <a:r>
+              <a:rPr lang="de-DE" sz="1200" dirty="0">
+                <a:solidFill>
+                  <a:schemeClr val="bg1">
+                    <a:lumMod val="85000"/>
+                  </a:schemeClr>
+                </a:solidFill>
+              </a:rPr>
+              <a:t> </a:t>
+            </a:r>
+            <a:r>
+              <a:rPr lang="de-DE" sz="1200" dirty="0" err="1">
+                <a:solidFill>
+                  <a:schemeClr val="bg1">
+                    <a:lumMod val="85000"/>
+                  </a:schemeClr>
+                </a:solidFill>
+              </a:rPr>
+              <a:t>llm.c</a:t>
+            </a:r>
+            <a:r>
+              <a:rPr lang="de-DE" sz="1200" dirty="0">
+                <a:solidFill>
+                  <a:schemeClr val="bg1">
+                    <a:lumMod val="85000"/>
+                  </a:schemeClr>
+                </a:solidFill>
+              </a:rPr>
+              <a:t> GPT2 LLM GPT2 </a:t>
+            </a:r>
+            <a:r>
+              <a:rPr lang="de-DE" sz="1200" dirty="0" err="1">
+                <a:solidFill>
+                  <a:schemeClr val="bg1">
+                    <a:lumMod val="85000"/>
+                  </a:schemeClr>
+                </a:solidFill>
+              </a:rPr>
+              <a:t>llm.swift</a:t>
+            </a:r>
+            <a:r>
+              <a:rPr lang="de-DE" sz="1200" dirty="0">
+                <a:solidFill>
+                  <a:schemeClr val="bg1">
+                    <a:lumMod val="85000"/>
+                  </a:schemeClr>
+                </a:solidFill>
+              </a:rPr>
+              <a:t> Swift </a:t>
+            </a:r>
+            <a:r>
+              <a:rPr lang="de-DE" sz="1200" dirty="0" err="1">
+                <a:solidFill>
+                  <a:schemeClr val="bg1">
+                    <a:lumMod val="85000"/>
+                  </a:schemeClr>
+                </a:solidFill>
+              </a:rPr>
+              <a:t>Metal</a:t>
+            </a:r>
+            <a:r>
+              <a:rPr lang="de-DE" sz="1200" dirty="0">
+                <a:solidFill>
+                  <a:schemeClr val="bg1">
+                    <a:lumMod val="85000"/>
+                  </a:schemeClr>
+                </a:solidFill>
+              </a:rPr>
+              <a:t> </a:t>
+            </a:r>
+            <a:r>
+              <a:rPr lang="de-DE" sz="1200" dirty="0" err="1">
+                <a:solidFill>
+                  <a:schemeClr val="bg1">
+                    <a:lumMod val="85000"/>
+                  </a:schemeClr>
+                </a:solidFill>
+              </a:rPr>
+              <a:t>llm.swift</a:t>
+            </a:r>
+            <a:r>
+              <a:rPr lang="de-DE" sz="1200" dirty="0">
+                <a:solidFill>
+                  <a:schemeClr val="bg1">
+                    <a:lumMod val="85000"/>
+                  </a:schemeClr>
+                </a:solidFill>
+              </a:rPr>
+              <a:t> </a:t>
+            </a:r>
+            <a:r>
+              <a:rPr lang="de-DE" sz="1200" dirty="0" err="1">
+                <a:solidFill>
+                  <a:schemeClr val="bg1">
+                    <a:lumMod val="85000"/>
+                  </a:schemeClr>
+                </a:solidFill>
+              </a:rPr>
+              <a:t>llm.swift</a:t>
+            </a:r>
+            <a:r>
+              <a:rPr lang="de-DE" sz="1200" dirty="0">
+                <a:solidFill>
+                  <a:schemeClr val="bg1">
+                    <a:lumMod val="85000"/>
+                  </a:schemeClr>
+                </a:solidFill>
+              </a:rPr>
+              <a:t> </a:t>
+            </a:r>
+            <a:r>
+              <a:rPr lang="de-DE" sz="1200" dirty="0" err="1">
+                <a:solidFill>
+                  <a:schemeClr val="bg1">
+                    <a:lumMod val="85000"/>
+                  </a:schemeClr>
+                </a:solidFill>
+              </a:rPr>
+              <a:t>llm.swift</a:t>
+            </a:r>
+            <a:r>
+              <a:rPr lang="de-DE" sz="1200" dirty="0">
+                <a:solidFill>
+                  <a:schemeClr val="bg1">
+                    <a:lumMod val="85000"/>
+                  </a:schemeClr>
+                </a:solidFill>
+              </a:rPr>
+              <a:t> </a:t>
+            </a:r>
+            <a:r>
+              <a:rPr lang="de-DE" sz="1200" dirty="0" err="1">
+                <a:solidFill>
+                  <a:schemeClr val="bg1">
+                    <a:lumMod val="85000"/>
+                  </a:schemeClr>
+                </a:solidFill>
+              </a:rPr>
+              <a:t>Metal</a:t>
+            </a:r>
+            <a:r>
+              <a:rPr lang="de-DE" sz="1200" dirty="0">
+                <a:solidFill>
+                  <a:schemeClr val="bg1">
+                    <a:lumMod val="85000"/>
+                  </a:schemeClr>
+                </a:solidFill>
+              </a:rPr>
+              <a:t> Swift LLM </a:t>
+            </a:r>
+            <a:r>
+              <a:rPr lang="de-DE" sz="1200" dirty="0" err="1">
+                <a:solidFill>
+                  <a:schemeClr val="bg1">
+                    <a:lumMod val="85000"/>
+                  </a:schemeClr>
+                </a:solidFill>
+              </a:rPr>
+              <a:t>llm.swift</a:t>
+            </a:r>
+            <a:r>
+              <a:rPr lang="de-DE" sz="1200" dirty="0">
+                <a:solidFill>
+                  <a:schemeClr val="bg1">
+                    <a:lumMod val="85000"/>
+                  </a:schemeClr>
+                </a:solidFill>
+              </a:rPr>
+              <a:t> GPT2 </a:t>
+            </a:r>
+            <a:r>
+              <a:rPr lang="de-DE" sz="1200" dirty="0" err="1">
+                <a:solidFill>
+                  <a:schemeClr val="bg1">
+                    <a:lumMod val="85000"/>
+                  </a:schemeClr>
+                </a:solidFill>
+              </a:rPr>
+              <a:t>llm.c</a:t>
+            </a:r>
+            <a:r>
+              <a:rPr lang="de-DE" sz="1200" dirty="0">
+                <a:solidFill>
+                  <a:schemeClr val="bg1">
+                    <a:lumMod val="85000"/>
+                  </a:schemeClr>
+                </a:solidFill>
+              </a:rPr>
+              <a:t> LLM </a:t>
+            </a:r>
+            <a:r>
+              <a:rPr lang="de-DE" sz="1200" dirty="0" err="1">
+                <a:solidFill>
+                  <a:schemeClr val="bg1">
+                    <a:lumMod val="85000"/>
+                  </a:schemeClr>
+                </a:solidFill>
+              </a:rPr>
+              <a:t>Metal</a:t>
+            </a:r>
+            <a:r>
+              <a:rPr lang="de-DE" sz="1200" dirty="0">
+                <a:solidFill>
+                  <a:schemeClr val="bg1">
+                    <a:lumMod val="85000"/>
+                  </a:schemeClr>
+                </a:solidFill>
+              </a:rPr>
+              <a:t> </a:t>
+            </a:r>
+            <a:r>
+              <a:rPr lang="de-DE" sz="1200" dirty="0" err="1">
+                <a:solidFill>
+                  <a:schemeClr val="bg1">
+                    <a:lumMod val="85000"/>
+                  </a:schemeClr>
+                </a:solidFill>
+              </a:rPr>
+              <a:t>llm.swift</a:t>
+            </a:r>
+            <a:r>
+              <a:rPr lang="de-DE" sz="1200" dirty="0">
+                <a:solidFill>
+                  <a:schemeClr val="bg1">
+                    <a:lumMod val="85000"/>
+                  </a:schemeClr>
+                </a:solidFill>
+              </a:rPr>
+              <a:t> LLM </a:t>
+            </a:r>
+            <a:r>
+              <a:rPr lang="de-DE" sz="1200" dirty="0" err="1">
+                <a:solidFill>
+                  <a:schemeClr val="bg1">
+                    <a:lumMod val="85000"/>
+                  </a:schemeClr>
+                </a:solidFill>
+              </a:rPr>
+              <a:t>llm.c</a:t>
+            </a:r>
+            <a:r>
+              <a:rPr lang="de-DE" sz="1200" dirty="0">
+                <a:solidFill>
+                  <a:schemeClr val="bg1">
+                    <a:lumMod val="85000"/>
+                  </a:schemeClr>
+                </a:solidFill>
+              </a:rPr>
+              <a:t> Swift LLM </a:t>
+            </a:r>
+            <a:r>
+              <a:rPr lang="de-DE" sz="1200" dirty="0" err="1">
+                <a:solidFill>
+                  <a:schemeClr val="bg1">
+                    <a:lumMod val="85000"/>
+                  </a:schemeClr>
+                </a:solidFill>
+              </a:rPr>
+              <a:t>Metal</a:t>
+            </a:r>
+            <a:r>
+              <a:rPr lang="de-DE" sz="1200" dirty="0">
+                <a:solidFill>
+                  <a:schemeClr val="bg1">
+                    <a:lumMod val="85000"/>
+                  </a:schemeClr>
+                </a:solidFill>
+              </a:rPr>
+              <a:t> Swift </a:t>
+            </a:r>
+            <a:r>
+              <a:rPr lang="de-DE" sz="1200" dirty="0" err="1">
+                <a:solidFill>
+                  <a:schemeClr val="bg1">
+                    <a:lumMod val="85000"/>
+                  </a:schemeClr>
+                </a:solidFill>
+              </a:rPr>
+              <a:t>Metal</a:t>
+            </a:r>
+            <a:r>
+              <a:rPr lang="de-DE" sz="1200" dirty="0">
+                <a:solidFill>
+                  <a:schemeClr val="bg1">
+                    <a:lumMod val="85000"/>
+                  </a:schemeClr>
+                </a:solidFill>
+              </a:rPr>
+              <a:t> GPT2 Swift </a:t>
+            </a:r>
+            <a:r>
+              <a:rPr lang="de-DE" sz="1200" dirty="0" err="1">
+                <a:solidFill>
+                  <a:schemeClr val="bg1">
+                    <a:lumMod val="85000"/>
+                  </a:schemeClr>
+                </a:solidFill>
+              </a:rPr>
+              <a:t>Metal</a:t>
+            </a:r>
+            <a:r>
+              <a:rPr lang="de-DE" sz="1200" dirty="0">
+                <a:solidFill>
+                  <a:schemeClr val="bg1">
+                    <a:lumMod val="85000"/>
+                  </a:schemeClr>
+                </a:solidFill>
+              </a:rPr>
+              <a:t> Swift </a:t>
+            </a:r>
+            <a:r>
+              <a:rPr lang="de-DE" sz="1200" dirty="0" err="1">
+                <a:solidFill>
+                  <a:schemeClr val="bg1">
+                    <a:lumMod val="85000"/>
+                  </a:schemeClr>
+                </a:solidFill>
+              </a:rPr>
+              <a:t>Metal</a:t>
+            </a:r>
+            <a:r>
+              <a:rPr lang="de-DE" sz="1200" dirty="0">
+                <a:solidFill>
+                  <a:schemeClr val="bg1">
+                    <a:lumMod val="85000"/>
+                  </a:schemeClr>
+                </a:solidFill>
+              </a:rPr>
+              <a:t> Swift </a:t>
+            </a:r>
+            <a:r>
+              <a:rPr lang="de-DE" sz="1200" dirty="0" err="1">
+                <a:solidFill>
+                  <a:schemeClr val="bg1">
+                    <a:lumMod val="85000"/>
+                  </a:schemeClr>
+                </a:solidFill>
+              </a:rPr>
+              <a:t>Swift</a:t>
+            </a:r>
+            <a:r>
+              <a:rPr lang="de-DE" sz="1200" dirty="0">
+                <a:solidFill>
+                  <a:schemeClr val="bg1">
+                    <a:lumMod val="85000"/>
+                  </a:schemeClr>
+                </a:solidFill>
+              </a:rPr>
+              <a:t> </a:t>
+            </a:r>
+            <a:r>
+              <a:rPr lang="de-DE" sz="1200" dirty="0" err="1">
+                <a:solidFill>
+                  <a:schemeClr val="bg1">
+                    <a:lumMod val="85000"/>
+                  </a:schemeClr>
+                </a:solidFill>
+              </a:rPr>
+              <a:t>llm.c</a:t>
+            </a:r>
+            <a:r>
+              <a:rPr lang="de-DE" sz="1200" dirty="0">
+                <a:solidFill>
+                  <a:schemeClr val="bg1">
+                    <a:lumMod val="85000"/>
+                  </a:schemeClr>
+                </a:solidFill>
+              </a:rPr>
+              <a:t> </a:t>
+            </a:r>
+            <a:r>
+              <a:rPr lang="de-DE" sz="1200" dirty="0" err="1">
+                <a:solidFill>
+                  <a:schemeClr val="bg1">
+                    <a:lumMod val="85000"/>
+                  </a:schemeClr>
+                </a:solidFill>
+              </a:rPr>
+              <a:t>Metal</a:t>
+            </a:r>
+            <a:r>
+              <a:rPr lang="de-DE" sz="1200" dirty="0">
+                <a:solidFill>
+                  <a:schemeClr val="bg1">
+                    <a:lumMod val="85000"/>
+                  </a:schemeClr>
+                </a:solidFill>
+              </a:rPr>
+              <a:t> Swift </a:t>
+            </a:r>
+            <a:r>
+              <a:rPr lang="de-DE" sz="1200" dirty="0" err="1">
+                <a:solidFill>
+                  <a:schemeClr val="bg1">
+                    <a:lumMod val="85000"/>
+                  </a:schemeClr>
+                </a:solidFill>
+              </a:rPr>
+              <a:t>llm.c</a:t>
+            </a:r>
+            <a:r>
+              <a:rPr lang="de-DE" sz="1200" dirty="0">
+                <a:solidFill>
+                  <a:schemeClr val="bg1">
+                    <a:lumMod val="85000"/>
+                  </a:schemeClr>
+                </a:solidFill>
+              </a:rPr>
+              <a:t> GPT2 </a:t>
+            </a:r>
+            <a:r>
+              <a:rPr lang="de-DE" sz="1200" dirty="0" err="1">
+                <a:solidFill>
+                  <a:schemeClr val="bg1">
+                    <a:lumMod val="85000"/>
+                  </a:schemeClr>
+                </a:solidFill>
+              </a:rPr>
+              <a:t>Metal</a:t>
+            </a:r>
+            <a:r>
+              <a:rPr lang="de-DE" sz="1200" dirty="0">
+                <a:solidFill>
+                  <a:schemeClr val="bg1">
+                    <a:lumMod val="85000"/>
+                  </a:schemeClr>
+                </a:solidFill>
+              </a:rPr>
+              <a:t> Swift LLM GPT2 Swift GPT2 LLM </a:t>
+            </a:r>
+            <a:r>
+              <a:rPr lang="de-DE" sz="1200" dirty="0" err="1">
+                <a:solidFill>
+                  <a:schemeClr val="bg1">
+                    <a:lumMod val="85000"/>
+                  </a:schemeClr>
+                </a:solidFill>
+              </a:rPr>
+              <a:t>llm.c</a:t>
+            </a:r>
+            <a:r>
+              <a:rPr lang="de-DE" sz="1200" dirty="0">
+                <a:solidFill>
+                  <a:schemeClr val="bg1">
+                    <a:lumMod val="85000"/>
+                  </a:schemeClr>
+                </a:solidFill>
+              </a:rPr>
+              <a:t> </a:t>
+            </a:r>
+            <a:r>
+              <a:rPr lang="de-DE" sz="1200" dirty="0" err="1">
+                <a:solidFill>
+                  <a:schemeClr val="bg1">
+                    <a:lumMod val="85000"/>
+                  </a:schemeClr>
+                </a:solidFill>
+              </a:rPr>
+              <a:t>Metal</a:t>
+            </a:r>
+            <a:r>
+              <a:rPr lang="de-DE" sz="1200" dirty="0">
+                <a:solidFill>
+                  <a:schemeClr val="bg1">
+                    <a:lumMod val="85000"/>
+                  </a:schemeClr>
+                </a:solidFill>
+              </a:rPr>
+              <a:t> Swift </a:t>
+            </a:r>
+            <a:r>
+              <a:rPr lang="de-DE" sz="1200" dirty="0" err="1">
+                <a:solidFill>
+                  <a:schemeClr val="bg1">
+                    <a:lumMod val="85000"/>
+                  </a:schemeClr>
+                </a:solidFill>
+              </a:rPr>
+              <a:t>llm.c</a:t>
+            </a:r>
+            <a:r>
+              <a:rPr lang="de-DE" sz="1200" dirty="0">
+                <a:solidFill>
+                  <a:schemeClr val="bg1">
+                    <a:lumMod val="85000"/>
+                  </a:schemeClr>
+                </a:solidFill>
+              </a:rPr>
+              <a:t> GPT2 Swift </a:t>
+            </a:r>
+            <a:r>
+              <a:rPr lang="de-DE" sz="1200" dirty="0" err="1">
+                <a:solidFill>
+                  <a:schemeClr val="bg1">
+                    <a:lumMod val="85000"/>
+                  </a:schemeClr>
+                </a:solidFill>
+              </a:rPr>
+              <a:t>Metal</a:t>
+            </a:r>
+            <a:r>
+              <a:rPr lang="de-DE" sz="1200" dirty="0">
+                <a:solidFill>
+                  <a:schemeClr val="bg1">
+                    <a:lumMod val="85000"/>
+                  </a:schemeClr>
+                </a:solidFill>
+              </a:rPr>
+              <a:t> GPT2 </a:t>
+            </a:r>
+            <a:r>
+              <a:rPr lang="de-DE" sz="1200" dirty="0" err="1">
+                <a:solidFill>
+                  <a:schemeClr val="bg1">
+                    <a:lumMod val="85000"/>
+                  </a:schemeClr>
+                </a:solidFill>
+              </a:rPr>
+              <a:t>llm.swift</a:t>
+            </a:r>
+            <a:r>
+              <a:rPr lang="de-DE" sz="1200" dirty="0">
+                <a:solidFill>
+                  <a:schemeClr val="bg1">
+                    <a:lumMod val="85000"/>
+                  </a:schemeClr>
+                </a:solidFill>
+              </a:rPr>
+              <a:t> </a:t>
+            </a:r>
+            <a:r>
+              <a:rPr lang="de-DE" sz="1200" dirty="0" err="1">
+                <a:solidFill>
+                  <a:schemeClr val="bg1">
+                    <a:lumMod val="85000"/>
+                  </a:schemeClr>
+                </a:solidFill>
+              </a:rPr>
+              <a:t>Metal</a:t>
+            </a:r>
+            <a:r>
+              <a:rPr lang="de-DE" sz="1200" dirty="0">
+                <a:solidFill>
+                  <a:schemeClr val="bg1">
+                    <a:lumMod val="85000"/>
+                  </a:schemeClr>
+                </a:solidFill>
+              </a:rPr>
+              <a:t> Swift GPT2 </a:t>
+            </a:r>
+            <a:r>
+              <a:rPr lang="de-DE" sz="1200" dirty="0" err="1">
+                <a:solidFill>
+                  <a:schemeClr val="bg1">
+                    <a:lumMod val="85000"/>
+                  </a:schemeClr>
+                </a:solidFill>
+              </a:rPr>
+              <a:t>GPT2</a:t>
+            </a:r>
+            <a:r>
+              <a:rPr lang="de-DE" sz="1200" dirty="0">
+                <a:solidFill>
+                  <a:schemeClr val="bg1">
+                    <a:lumMod val="85000"/>
+                  </a:schemeClr>
+                </a:solidFill>
+              </a:rPr>
+              <a:t> </a:t>
+            </a:r>
+            <a:r>
+              <a:rPr lang="de-DE" sz="1200" dirty="0" err="1">
+                <a:solidFill>
+                  <a:schemeClr val="bg1">
+                    <a:lumMod val="85000"/>
+                  </a:schemeClr>
+                </a:solidFill>
+              </a:rPr>
+              <a:t>GPT2</a:t>
+            </a:r>
+            <a:r>
+              <a:rPr lang="de-DE" sz="1200" dirty="0">
+                <a:solidFill>
+                  <a:schemeClr val="bg1">
+                    <a:lumMod val="85000"/>
+                  </a:schemeClr>
+                </a:solidFill>
+              </a:rPr>
+              <a:t> </a:t>
+            </a:r>
+            <a:r>
+              <a:rPr lang="de-DE" sz="1200" dirty="0" err="1">
+                <a:solidFill>
+                  <a:schemeClr val="bg1">
+                    <a:lumMod val="85000"/>
+                  </a:schemeClr>
+                </a:solidFill>
+              </a:rPr>
+              <a:t>GPT2</a:t>
+            </a:r>
+            <a:r>
+              <a:rPr lang="de-DE" sz="1200" dirty="0">
+                <a:solidFill>
+                  <a:schemeClr val="bg1">
+                    <a:lumMod val="85000"/>
+                  </a:schemeClr>
+                </a:solidFill>
+              </a:rPr>
+              <a:t> Swift </a:t>
+            </a:r>
+            <a:r>
+              <a:rPr lang="de-DE" sz="1200" dirty="0" err="1">
+                <a:solidFill>
+                  <a:schemeClr val="bg1">
+                    <a:lumMod val="85000"/>
+                  </a:schemeClr>
+                </a:solidFill>
+              </a:rPr>
+              <a:t>Metal</a:t>
+            </a:r>
+            <a:r>
+              <a:rPr lang="de-DE" sz="1200" dirty="0">
+                <a:solidFill>
+                  <a:schemeClr val="bg1">
+                    <a:lumMod val="85000"/>
+                  </a:schemeClr>
+                </a:solidFill>
+              </a:rPr>
+              <a:t> GPT2 LLM </a:t>
+            </a:r>
+            <a:r>
+              <a:rPr lang="de-DE" sz="1200" dirty="0" err="1">
+                <a:solidFill>
+                  <a:schemeClr val="bg1">
+                    <a:lumMod val="85000"/>
+                  </a:schemeClr>
+                </a:solidFill>
+              </a:rPr>
+              <a:t>llm.c</a:t>
+            </a:r>
+            <a:r>
+              <a:rPr lang="de-DE" sz="1200" dirty="0">
+                <a:solidFill>
+                  <a:schemeClr val="bg1">
+                    <a:lumMod val="85000"/>
+                  </a:schemeClr>
+                </a:solidFill>
+              </a:rPr>
+              <a:t> Swift GPT2 Swift LLM </a:t>
+            </a:r>
+            <a:r>
+              <a:rPr lang="de-DE" sz="1200" dirty="0" err="1">
+                <a:solidFill>
+                  <a:schemeClr val="bg1">
+                    <a:lumMod val="85000"/>
+                  </a:schemeClr>
+                </a:solidFill>
+              </a:rPr>
+              <a:t>llm.swift</a:t>
+            </a:r>
+            <a:r>
+              <a:rPr lang="de-DE" sz="1200" dirty="0">
+                <a:solidFill>
+                  <a:schemeClr val="bg1">
+                    <a:lumMod val="85000"/>
+                  </a:schemeClr>
+                </a:solidFill>
+              </a:rPr>
+              <a:t> LLM </a:t>
+            </a:r>
+            <a:r>
+              <a:rPr lang="de-DE" sz="1200" dirty="0" err="1">
+                <a:solidFill>
+                  <a:schemeClr val="bg1">
+                    <a:lumMod val="85000"/>
+                  </a:schemeClr>
+                </a:solidFill>
+              </a:rPr>
+              <a:t>llm.c</a:t>
+            </a:r>
+            <a:r>
+              <a:rPr lang="de-DE" sz="1200" dirty="0">
+                <a:solidFill>
+                  <a:schemeClr val="bg1">
+                    <a:lumMod val="85000"/>
+                  </a:schemeClr>
+                </a:solidFill>
+              </a:rPr>
+              <a:t> </a:t>
+            </a:r>
+            <a:r>
+              <a:rPr lang="de-DE" sz="1200" dirty="0" err="1">
+                <a:solidFill>
+                  <a:schemeClr val="bg1">
+                    <a:lumMod val="85000"/>
+                  </a:schemeClr>
+                </a:solidFill>
+              </a:rPr>
+              <a:t>Metal</a:t>
+            </a:r>
+            <a:r>
+              <a:rPr lang="de-DE" sz="1200" dirty="0">
+                <a:solidFill>
+                  <a:schemeClr val="bg1">
+                    <a:lumMod val="85000"/>
+                  </a:schemeClr>
+                </a:solidFill>
+              </a:rPr>
+              <a:t> </a:t>
+            </a:r>
+            <a:r>
+              <a:rPr lang="de-DE" sz="1200" dirty="0" err="1">
+                <a:solidFill>
+                  <a:schemeClr val="bg1">
+                    <a:lumMod val="85000"/>
+                  </a:schemeClr>
+                </a:solidFill>
+              </a:rPr>
+              <a:t>Metal</a:t>
+            </a:r>
+            <a:r>
+              <a:rPr lang="de-DE" sz="1200" dirty="0">
+                <a:solidFill>
+                  <a:schemeClr val="bg1">
+                    <a:lumMod val="85000"/>
+                  </a:schemeClr>
+                </a:solidFill>
+              </a:rPr>
+              <a:t> GPT2 LLM Swift </a:t>
+            </a:r>
+            <a:r>
+              <a:rPr lang="de-DE" sz="1200" dirty="0" err="1">
+                <a:solidFill>
+                  <a:schemeClr val="bg1">
+                    <a:lumMod val="85000"/>
+                  </a:schemeClr>
+                </a:solidFill>
+              </a:rPr>
+              <a:t>Metal</a:t>
+            </a:r>
+            <a:r>
+              <a:rPr lang="de-DE" sz="1200" dirty="0">
+                <a:solidFill>
+                  <a:schemeClr val="bg1">
+                    <a:lumMod val="85000"/>
+                  </a:schemeClr>
+                </a:solidFill>
+              </a:rPr>
+              <a:t> Swift </a:t>
+            </a:r>
+            <a:r>
+              <a:rPr lang="de-DE" sz="1200" dirty="0" err="1">
+                <a:solidFill>
+                  <a:schemeClr val="bg1">
+                    <a:lumMod val="85000"/>
+                  </a:schemeClr>
+                </a:solidFill>
+              </a:rPr>
+              <a:t>Swift</a:t>
+            </a:r>
+            <a:r>
+              <a:rPr lang="de-DE" sz="1200" dirty="0">
+                <a:solidFill>
+                  <a:schemeClr val="bg1">
+                    <a:lumMod val="85000"/>
+                  </a:schemeClr>
+                </a:solidFill>
+              </a:rPr>
+              <a:t> </a:t>
+            </a:r>
+            <a:r>
+              <a:rPr lang="de-DE" sz="1200" dirty="0" err="1">
+                <a:solidFill>
+                  <a:schemeClr val="bg1">
+                    <a:lumMod val="85000"/>
+                  </a:schemeClr>
+                </a:solidFill>
+              </a:rPr>
+              <a:t>Swift</a:t>
+            </a:r>
+            <a:r>
+              <a:rPr lang="de-DE" sz="1200" dirty="0">
+                <a:solidFill>
+                  <a:schemeClr val="bg1">
+                    <a:lumMod val="85000"/>
+                  </a:schemeClr>
+                </a:solidFill>
+              </a:rPr>
+              <a:t> GPT2 </a:t>
+            </a:r>
+            <a:r>
+              <a:rPr lang="de-DE" sz="1200" dirty="0" err="1">
+                <a:solidFill>
+                  <a:schemeClr val="bg1">
+                    <a:lumMod val="85000"/>
+                  </a:schemeClr>
+                </a:solidFill>
+              </a:rPr>
+              <a:t>Metal</a:t>
+            </a:r>
+            <a:r>
+              <a:rPr lang="de-DE" sz="1200" dirty="0">
+                <a:solidFill>
+                  <a:schemeClr val="bg1">
+                    <a:lumMod val="85000"/>
+                  </a:schemeClr>
+                </a:solidFill>
+              </a:rPr>
+              <a:t> </a:t>
+            </a:r>
+            <a:r>
+              <a:rPr lang="de-DE" sz="1200" dirty="0" err="1">
+                <a:solidFill>
+                  <a:schemeClr val="bg1">
+                    <a:lumMod val="85000"/>
+                  </a:schemeClr>
+                </a:solidFill>
+              </a:rPr>
+              <a:t>llm.c</a:t>
+            </a:r>
+            <a:r>
+              <a:rPr lang="de-DE" sz="1200" dirty="0">
+                <a:solidFill>
+                  <a:schemeClr val="bg1">
+                    <a:lumMod val="85000"/>
+                  </a:schemeClr>
+                </a:solidFill>
+              </a:rPr>
+              <a:t> </a:t>
+            </a:r>
+            <a:r>
+              <a:rPr lang="de-DE" sz="1200" dirty="0" err="1">
+                <a:solidFill>
+                  <a:schemeClr val="bg1">
+                    <a:lumMod val="85000"/>
+                  </a:schemeClr>
+                </a:solidFill>
+              </a:rPr>
+              <a:t>llm.swift</a:t>
+            </a:r>
+            <a:r>
+              <a:rPr lang="de-DE" sz="1200" dirty="0">
+                <a:solidFill>
+                  <a:schemeClr val="bg1">
+                    <a:lumMod val="85000"/>
+                  </a:schemeClr>
+                </a:solidFill>
+              </a:rPr>
+              <a:t> GPT2 </a:t>
+            </a:r>
+            <a:r>
+              <a:rPr lang="de-DE" sz="1200" dirty="0" err="1">
+                <a:solidFill>
+                  <a:schemeClr val="bg1">
+                    <a:lumMod val="85000"/>
+                  </a:schemeClr>
+                </a:solidFill>
+              </a:rPr>
+              <a:t>llm.swift</a:t>
+            </a:r>
+            <a:r>
+              <a:rPr lang="de-DE" sz="1200" dirty="0">
+                <a:solidFill>
+                  <a:schemeClr val="bg1">
+                    <a:lumMod val="85000"/>
+                  </a:schemeClr>
+                </a:solidFill>
+              </a:rPr>
+              <a:t> </a:t>
+            </a:r>
+            <a:r>
+              <a:rPr lang="de-DE" sz="1200" dirty="0" err="1">
+                <a:solidFill>
+                  <a:schemeClr val="bg1">
+                    <a:lumMod val="85000"/>
+                  </a:schemeClr>
+                </a:solidFill>
+              </a:rPr>
+              <a:t>llm.c</a:t>
+            </a:r>
+            <a:r>
+              <a:rPr lang="de-DE" sz="1200" dirty="0">
+                <a:solidFill>
+                  <a:schemeClr val="bg1">
+                    <a:lumMod val="85000"/>
+                  </a:schemeClr>
+                </a:solidFill>
+              </a:rPr>
+              <a:t> GPT2 LLM </a:t>
+            </a:r>
+            <a:r>
+              <a:rPr lang="de-DE" sz="1200" dirty="0" err="1">
+                <a:solidFill>
+                  <a:schemeClr val="bg1">
+                    <a:lumMod val="85000"/>
+                  </a:schemeClr>
+                </a:solidFill>
+              </a:rPr>
+              <a:t>llm.swift</a:t>
+            </a:r>
+            <a:r>
+              <a:rPr lang="de-DE" sz="1200" dirty="0">
+                <a:solidFill>
+                  <a:schemeClr val="bg1">
+                    <a:lumMod val="85000"/>
+                  </a:schemeClr>
+                </a:solidFill>
+              </a:rPr>
+              <a:t> LLM GPT2 </a:t>
+            </a:r>
+            <a:r>
+              <a:rPr lang="de-DE" sz="1200" dirty="0" err="1">
+                <a:solidFill>
+                  <a:schemeClr val="bg1">
+                    <a:lumMod val="85000"/>
+                  </a:schemeClr>
+                </a:solidFill>
+              </a:rPr>
+              <a:t>GPT2</a:t>
+            </a:r>
+            <a:r>
+              <a:rPr lang="de-DE" sz="1200" dirty="0">
+                <a:solidFill>
+                  <a:schemeClr val="bg1">
+                    <a:lumMod val="85000"/>
+                  </a:schemeClr>
+                </a:solidFill>
+              </a:rPr>
+              <a:t> </a:t>
+            </a:r>
+            <a:r>
+              <a:rPr lang="de-DE" sz="1200" dirty="0" err="1">
+                <a:solidFill>
+                  <a:schemeClr val="bg1">
+                    <a:lumMod val="85000"/>
+                  </a:schemeClr>
+                </a:solidFill>
+              </a:rPr>
+              <a:t>Metal</a:t>
+            </a:r>
+            <a:r>
+              <a:rPr lang="de-DE" sz="1200" dirty="0">
+                <a:solidFill>
+                  <a:schemeClr val="bg1">
+                    <a:lumMod val="85000"/>
+                  </a:schemeClr>
+                </a:solidFill>
+              </a:rPr>
+              <a:t> </a:t>
+            </a:r>
+            <a:r>
+              <a:rPr lang="de-DE" sz="1200" dirty="0" err="1">
+                <a:solidFill>
+                  <a:schemeClr val="bg1">
+                    <a:lumMod val="85000"/>
+                  </a:schemeClr>
+                </a:solidFill>
+              </a:rPr>
+              <a:t>llm.swift</a:t>
+            </a:r>
+            <a:r>
+              <a:rPr lang="de-DE" sz="1200" dirty="0">
+                <a:solidFill>
+                  <a:schemeClr val="bg1">
+                    <a:lumMod val="85000"/>
+                  </a:schemeClr>
+                </a:solidFill>
+              </a:rPr>
+              <a:t> </a:t>
+            </a:r>
+            <a:r>
+              <a:rPr lang="de-DE" sz="1200" dirty="0" err="1">
+                <a:solidFill>
+                  <a:schemeClr val="bg1">
+                    <a:lumMod val="85000"/>
+                  </a:schemeClr>
+                </a:solidFill>
+              </a:rPr>
+              <a:t>Metal</a:t>
+            </a:r>
+            <a:r>
+              <a:rPr lang="de-DE" sz="1200" dirty="0">
+                <a:solidFill>
+                  <a:schemeClr val="bg1">
+                    <a:lumMod val="85000"/>
+                  </a:schemeClr>
+                </a:solidFill>
+              </a:rPr>
+              <a:t> </a:t>
+            </a:r>
+            <a:r>
+              <a:rPr lang="de-DE" sz="1200" dirty="0" err="1">
+                <a:solidFill>
+                  <a:schemeClr val="bg1">
+                    <a:lumMod val="85000"/>
+                  </a:schemeClr>
+                </a:solidFill>
+              </a:rPr>
+              <a:t>llm.swift</a:t>
+            </a:r>
+            <a:r>
+              <a:rPr lang="de-DE" sz="1200" dirty="0">
+                <a:solidFill>
+                  <a:schemeClr val="bg1">
+                    <a:lumMod val="85000"/>
+                  </a:schemeClr>
+                </a:solidFill>
+              </a:rPr>
+              <a:t> Swift </a:t>
+            </a:r>
+            <a:r>
+              <a:rPr lang="de-DE" sz="1200" dirty="0" err="1">
+                <a:solidFill>
+                  <a:schemeClr val="bg1">
+                    <a:lumMod val="85000"/>
+                  </a:schemeClr>
+                </a:solidFill>
+              </a:rPr>
+              <a:t>llm.swift</a:t>
+            </a:r>
+            <a:r>
+              <a:rPr lang="de-DE" sz="1200" dirty="0">
+                <a:solidFill>
+                  <a:schemeClr val="bg1">
+                    <a:lumMod val="85000"/>
+                  </a:schemeClr>
+                </a:solidFill>
+              </a:rPr>
+              <a:t> GPT2 </a:t>
+            </a:r>
+            <a:r>
+              <a:rPr lang="de-DE" sz="1200" dirty="0" err="1">
+                <a:solidFill>
+                  <a:schemeClr val="bg1">
+                    <a:lumMod val="85000"/>
+                  </a:schemeClr>
+                </a:solidFill>
+              </a:rPr>
+              <a:t>llm.swift</a:t>
+            </a:r>
+            <a:r>
+              <a:rPr lang="de-DE" sz="1200" dirty="0">
+                <a:solidFill>
+                  <a:schemeClr val="bg1">
+                    <a:lumMod val="85000"/>
+                  </a:schemeClr>
+                </a:solidFill>
+              </a:rPr>
+              <a:t> Swift </a:t>
+            </a:r>
+            <a:r>
+              <a:rPr lang="de-DE" sz="1200" dirty="0" err="1">
+                <a:solidFill>
+                  <a:schemeClr val="bg1">
+                    <a:lumMod val="85000"/>
+                  </a:schemeClr>
+                </a:solidFill>
+              </a:rPr>
+              <a:t>llm.c</a:t>
+            </a:r>
+            <a:r>
+              <a:rPr lang="de-DE" sz="1200" dirty="0">
+                <a:solidFill>
+                  <a:schemeClr val="bg1">
+                    <a:lumMod val="85000"/>
+                  </a:schemeClr>
+                </a:solidFill>
+              </a:rPr>
+              <a:t> LLM GPT2 </a:t>
+            </a:r>
+            <a:r>
+              <a:rPr lang="de-DE" sz="1200" dirty="0" err="1">
+                <a:solidFill>
+                  <a:schemeClr val="bg1">
+                    <a:lumMod val="85000"/>
+                  </a:schemeClr>
+                </a:solidFill>
+              </a:rPr>
+              <a:t>Metal</a:t>
+            </a:r>
+            <a:r>
+              <a:rPr lang="de-DE" sz="1200" dirty="0">
+                <a:solidFill>
+                  <a:schemeClr val="bg1">
+                    <a:lumMod val="85000"/>
+                  </a:schemeClr>
+                </a:solidFill>
+              </a:rPr>
+              <a:t> GPT2 </a:t>
+            </a:r>
+            <a:r>
+              <a:rPr lang="de-DE" sz="1200" dirty="0" err="1">
+                <a:solidFill>
+                  <a:schemeClr val="bg1">
+                    <a:lumMod val="85000"/>
+                  </a:schemeClr>
+                </a:solidFill>
+              </a:rPr>
+              <a:t>GPT2</a:t>
+            </a:r>
+            <a:r>
+              <a:rPr lang="de-DE" sz="1200" dirty="0">
+                <a:solidFill>
+                  <a:schemeClr val="bg1">
+                    <a:lumMod val="85000"/>
+                  </a:schemeClr>
+                </a:solidFill>
+              </a:rPr>
+              <a:t> LLM </a:t>
+            </a:r>
+            <a:r>
+              <a:rPr lang="de-DE" sz="1200" dirty="0" err="1">
+                <a:solidFill>
+                  <a:schemeClr val="bg1">
+                    <a:lumMod val="85000"/>
+                  </a:schemeClr>
+                </a:solidFill>
+              </a:rPr>
+              <a:t>llm.c</a:t>
+            </a:r>
+            <a:r>
+              <a:rPr lang="de-DE" sz="1200" dirty="0">
+                <a:solidFill>
+                  <a:schemeClr val="bg1">
+                    <a:lumMod val="85000"/>
+                  </a:schemeClr>
+                </a:solidFill>
+              </a:rPr>
+              <a:t> </a:t>
+            </a:r>
+            <a:r>
+              <a:rPr lang="de-DE" sz="1200" dirty="0" err="1">
+                <a:solidFill>
+                  <a:schemeClr val="bg1">
+                    <a:lumMod val="85000"/>
+                  </a:schemeClr>
+                </a:solidFill>
+              </a:rPr>
+              <a:t>llm.swift</a:t>
+            </a:r>
+            <a:r>
+              <a:rPr lang="de-DE" sz="1200" dirty="0">
+                <a:solidFill>
+                  <a:schemeClr val="bg1">
+                    <a:lumMod val="85000"/>
+                  </a:schemeClr>
+                </a:solidFill>
+              </a:rPr>
+              <a:t> </a:t>
+            </a:r>
+            <a:r>
+              <a:rPr lang="de-DE" sz="1200" dirty="0" err="1">
+                <a:solidFill>
+                  <a:schemeClr val="bg1">
+                    <a:lumMod val="85000"/>
+                  </a:schemeClr>
+                </a:solidFill>
+              </a:rPr>
+              <a:t>Metal</a:t>
+            </a:r>
+            <a:r>
+              <a:rPr lang="de-DE" sz="1200" dirty="0">
+                <a:solidFill>
+                  <a:schemeClr val="bg1">
+                    <a:lumMod val="85000"/>
+                  </a:schemeClr>
+                </a:solidFill>
+              </a:rPr>
+              <a:t> </a:t>
+            </a:r>
+            <a:r>
+              <a:rPr lang="de-DE" sz="1200" dirty="0" err="1">
+                <a:solidFill>
+                  <a:schemeClr val="bg1">
+                    <a:lumMod val="85000"/>
+                  </a:schemeClr>
+                </a:solidFill>
+              </a:rPr>
+              <a:t>llm.c</a:t>
+            </a:r>
+            <a:r>
+              <a:rPr lang="de-DE" sz="1200" dirty="0">
+                <a:solidFill>
+                  <a:schemeClr val="bg1">
+                    <a:lumMod val="85000"/>
+                  </a:schemeClr>
+                </a:solidFill>
+              </a:rPr>
+              <a:t> Swift </a:t>
+            </a:r>
+            <a:r>
+              <a:rPr lang="de-DE" sz="1200" dirty="0" err="1">
+                <a:solidFill>
+                  <a:schemeClr val="bg1">
+                    <a:lumMod val="85000"/>
+                  </a:schemeClr>
+                </a:solidFill>
+              </a:rPr>
+              <a:t>llm.swift</a:t>
+            </a:r>
+            <a:r>
+              <a:rPr lang="de-DE" sz="1200" dirty="0">
+                <a:solidFill>
+                  <a:schemeClr val="bg1">
+                    <a:lumMod val="85000"/>
+                  </a:schemeClr>
+                </a:solidFill>
+              </a:rPr>
+              <a:t> Swift GPT2 </a:t>
+            </a:r>
+            <a:r>
+              <a:rPr lang="de-DE" sz="1200" dirty="0" err="1">
+                <a:solidFill>
+                  <a:schemeClr val="bg1">
+                    <a:lumMod val="85000"/>
+                  </a:schemeClr>
+                </a:solidFill>
+              </a:rPr>
+              <a:t>llm.c</a:t>
+            </a:r>
+            <a:r>
+              <a:rPr lang="de-DE" sz="1200" dirty="0">
+                <a:solidFill>
+                  <a:schemeClr val="bg1">
+                    <a:lumMod val="85000"/>
+                  </a:schemeClr>
+                </a:solidFill>
+              </a:rPr>
+              <a:t> LLM </a:t>
+            </a:r>
+            <a:r>
+              <a:rPr lang="de-DE" sz="1200" dirty="0" err="1">
+                <a:solidFill>
+                  <a:schemeClr val="bg1">
+                    <a:lumMod val="85000"/>
+                  </a:schemeClr>
+                </a:solidFill>
+              </a:rPr>
+              <a:t>llm.swift</a:t>
+            </a:r>
+            <a:r>
+              <a:rPr lang="de-DE" sz="1200" dirty="0">
+                <a:solidFill>
+                  <a:schemeClr val="bg1">
+                    <a:lumMod val="85000"/>
+                  </a:schemeClr>
+                </a:solidFill>
+              </a:rPr>
+              <a:t> </a:t>
+            </a:r>
+            <a:r>
+              <a:rPr lang="de-DE" sz="1200" dirty="0" err="1">
+                <a:solidFill>
+                  <a:schemeClr val="bg1">
+                    <a:lumMod val="85000"/>
+                  </a:schemeClr>
+                </a:solidFill>
+              </a:rPr>
+              <a:t>llm.c</a:t>
+            </a:r>
+            <a:r>
+              <a:rPr lang="de-DE" sz="1200" dirty="0">
+                <a:solidFill>
+                  <a:schemeClr val="bg1">
+                    <a:lumMod val="85000"/>
+                  </a:schemeClr>
+                </a:solidFill>
+              </a:rPr>
+              <a:t> </a:t>
+            </a:r>
+            <a:r>
+              <a:rPr lang="de-DE" sz="1200" dirty="0" err="1">
+                <a:solidFill>
+                  <a:schemeClr val="bg1">
+                    <a:lumMod val="85000"/>
+                  </a:schemeClr>
+                </a:solidFill>
+              </a:rPr>
+              <a:t>llm.swift</a:t>
+            </a:r>
+            <a:r>
+              <a:rPr lang="de-DE" sz="1200" dirty="0">
+                <a:solidFill>
+                  <a:schemeClr val="bg1">
+                    <a:lumMod val="85000"/>
+                  </a:schemeClr>
+                </a:solidFill>
+              </a:rPr>
+              <a:t> </a:t>
+            </a:r>
+            <a:r>
+              <a:rPr lang="de-DE" sz="1200" dirty="0" err="1">
+                <a:solidFill>
+                  <a:schemeClr val="bg1">
+                    <a:lumMod val="85000"/>
+                  </a:schemeClr>
+                </a:solidFill>
+              </a:rPr>
+              <a:t>Metal</a:t>
+            </a:r>
+            <a:r>
+              <a:rPr lang="de-DE" sz="1200" dirty="0">
+                <a:solidFill>
+                  <a:schemeClr val="bg1">
+                    <a:lumMod val="85000"/>
+                  </a:schemeClr>
+                </a:solidFill>
+              </a:rPr>
+              <a:t> LLM </a:t>
+            </a:r>
+            <a:r>
+              <a:rPr lang="de-DE" sz="1200" dirty="0" err="1">
+                <a:solidFill>
+                  <a:schemeClr val="bg1">
+                    <a:lumMod val="85000"/>
+                  </a:schemeClr>
+                </a:solidFill>
+              </a:rPr>
+              <a:t>Metal</a:t>
+            </a:r>
+            <a:r>
+              <a:rPr lang="de-DE" sz="1200" dirty="0">
+                <a:solidFill>
+                  <a:schemeClr val="bg1">
+                    <a:lumMod val="85000"/>
+                  </a:schemeClr>
+                </a:solidFill>
+              </a:rPr>
+              <a:t> Swift </a:t>
+            </a:r>
+            <a:r>
+              <a:rPr lang="de-DE" sz="1200" dirty="0" err="1">
+                <a:solidFill>
+                  <a:schemeClr val="bg1">
+                    <a:lumMod val="85000"/>
+                  </a:schemeClr>
+                </a:solidFill>
+              </a:rPr>
+              <a:t>llm.c</a:t>
+            </a:r>
+            <a:r>
+              <a:rPr lang="de-DE" sz="1200" dirty="0">
+                <a:solidFill>
+                  <a:schemeClr val="bg1">
+                    <a:lumMod val="85000"/>
+                  </a:schemeClr>
+                </a:solidFill>
+              </a:rPr>
+              <a:t> </a:t>
+            </a:r>
+            <a:r>
+              <a:rPr lang="de-DE" sz="1200" dirty="0" err="1">
+                <a:solidFill>
+                  <a:schemeClr val="bg1">
+                    <a:lumMod val="85000"/>
+                  </a:schemeClr>
+                </a:solidFill>
+              </a:rPr>
+              <a:t>Metal</a:t>
+            </a:r>
+            <a:r>
+              <a:rPr lang="de-DE" sz="1200" dirty="0">
+                <a:solidFill>
+                  <a:schemeClr val="bg1">
+                    <a:lumMod val="85000"/>
+                  </a:schemeClr>
+                </a:solidFill>
+              </a:rPr>
+              <a:t> LLM Swift </a:t>
+            </a:r>
+            <a:r>
+              <a:rPr lang="de-DE" sz="1200" dirty="0" err="1">
+                <a:solidFill>
+                  <a:schemeClr val="bg1">
+                    <a:lumMod val="85000"/>
+                  </a:schemeClr>
+                </a:solidFill>
+              </a:rPr>
+              <a:t>llm.swift</a:t>
+            </a:r>
+            <a:r>
+              <a:rPr lang="de-DE" sz="1200" dirty="0">
+                <a:solidFill>
+                  <a:schemeClr val="bg1">
+                    <a:lumMod val="85000"/>
+                  </a:schemeClr>
+                </a:solidFill>
+              </a:rPr>
+              <a:t> </a:t>
+            </a:r>
+            <a:r>
+              <a:rPr lang="de-DE" sz="1200" dirty="0" err="1">
+                <a:solidFill>
+                  <a:schemeClr val="bg1">
+                    <a:lumMod val="85000"/>
+                  </a:schemeClr>
+                </a:solidFill>
+              </a:rPr>
+              <a:t>llm.c</a:t>
+            </a:r>
+            <a:r>
+              <a:rPr lang="de-DE" sz="1200" dirty="0">
+                <a:solidFill>
+                  <a:schemeClr val="bg1">
+                    <a:lumMod val="85000"/>
+                  </a:schemeClr>
+                </a:solidFill>
+              </a:rPr>
+              <a:t> </a:t>
+            </a:r>
+            <a:r>
+              <a:rPr lang="de-DE" sz="1200" dirty="0" err="1">
+                <a:solidFill>
+                  <a:schemeClr val="bg1">
+                    <a:lumMod val="85000"/>
+                  </a:schemeClr>
+                </a:solidFill>
+              </a:rPr>
+              <a:t>Metal</a:t>
+            </a:r>
+            <a:r>
+              <a:rPr lang="de-DE" sz="1200" dirty="0">
+                <a:solidFill>
+                  <a:schemeClr val="bg1">
+                    <a:lumMod val="85000"/>
+                  </a:schemeClr>
+                </a:solidFill>
+              </a:rPr>
+              <a:t> GPT2 </a:t>
+            </a:r>
+            <a:r>
+              <a:rPr lang="de-DE" sz="1200" dirty="0" err="1">
+                <a:solidFill>
+                  <a:schemeClr val="bg1">
+                    <a:lumMod val="85000"/>
+                  </a:schemeClr>
+                </a:solidFill>
+              </a:rPr>
+              <a:t>GPT2</a:t>
+            </a:r>
+            <a:r>
+              <a:rPr lang="de-DE" sz="1200" dirty="0">
+                <a:solidFill>
+                  <a:schemeClr val="bg1">
+                    <a:lumMod val="85000"/>
+                  </a:schemeClr>
+                </a:solidFill>
+              </a:rPr>
+              <a:t> </a:t>
+            </a:r>
+            <a:r>
+              <a:rPr lang="de-DE" sz="1200" dirty="0" err="1">
+                <a:solidFill>
+                  <a:schemeClr val="bg1">
+                    <a:lumMod val="85000"/>
+                  </a:schemeClr>
+                </a:solidFill>
+              </a:rPr>
+              <a:t>llm.swift</a:t>
+            </a:r>
+            <a:r>
+              <a:rPr lang="de-DE" sz="1200" dirty="0">
+                <a:solidFill>
+                  <a:schemeClr val="bg1">
+                    <a:lumMod val="85000"/>
+                  </a:schemeClr>
+                </a:solidFill>
+              </a:rPr>
+              <a:t> </a:t>
+            </a:r>
+            <a:r>
+              <a:rPr lang="de-DE" sz="1200" dirty="0" err="1">
+                <a:solidFill>
+                  <a:schemeClr val="bg1">
+                    <a:lumMod val="85000"/>
+                  </a:schemeClr>
+                </a:solidFill>
+              </a:rPr>
+              <a:t>Metal</a:t>
+            </a:r>
+            <a:r>
+              <a:rPr lang="de-DE" sz="1200" dirty="0">
+                <a:solidFill>
+                  <a:schemeClr val="bg1">
+                    <a:lumMod val="85000"/>
+                  </a:schemeClr>
+                </a:solidFill>
+              </a:rPr>
+              <a:t> GPT2 Swift </a:t>
+            </a:r>
+            <a:r>
+              <a:rPr lang="de-DE" sz="1200" dirty="0" err="1">
+                <a:solidFill>
+                  <a:schemeClr val="bg1">
+                    <a:lumMod val="85000"/>
+                  </a:schemeClr>
+                </a:solidFill>
+              </a:rPr>
+              <a:t>llm.c</a:t>
+            </a:r>
+            <a:r>
+              <a:rPr lang="de-DE" sz="1200" dirty="0">
+                <a:solidFill>
+                  <a:schemeClr val="bg1">
+                    <a:lumMod val="85000"/>
+                  </a:schemeClr>
+                </a:solidFill>
+              </a:rPr>
+              <a:t> Swift </a:t>
+            </a:r>
+            <a:r>
+              <a:rPr lang="de-DE" sz="1200" dirty="0" err="1">
+                <a:solidFill>
+                  <a:schemeClr val="bg1">
+                    <a:lumMod val="85000"/>
+                  </a:schemeClr>
+                </a:solidFill>
+              </a:rPr>
+              <a:t>llm.swift</a:t>
+            </a:r>
+            <a:r>
+              <a:rPr lang="de-DE" sz="1200" dirty="0">
+                <a:solidFill>
+                  <a:schemeClr val="bg1">
+                    <a:lumMod val="85000"/>
+                  </a:schemeClr>
+                </a:solidFill>
+              </a:rPr>
+              <a:t> </a:t>
+            </a:r>
+            <a:r>
+              <a:rPr lang="de-DE" sz="1200" dirty="0" err="1">
+                <a:solidFill>
+                  <a:schemeClr val="bg1">
+                    <a:lumMod val="85000"/>
+                  </a:schemeClr>
+                </a:solidFill>
+              </a:rPr>
+              <a:t>Metal</a:t>
+            </a:r>
+            <a:r>
+              <a:rPr lang="de-DE" sz="1200" dirty="0">
+                <a:solidFill>
+                  <a:schemeClr val="bg1">
+                    <a:lumMod val="85000"/>
+                  </a:schemeClr>
+                </a:solidFill>
+              </a:rPr>
+              <a:t> </a:t>
+            </a:r>
+            <a:r>
+              <a:rPr lang="de-DE" sz="1200" dirty="0" err="1">
+                <a:solidFill>
+                  <a:schemeClr val="bg1">
+                    <a:lumMod val="85000"/>
+                  </a:schemeClr>
+                </a:solidFill>
+              </a:rPr>
+              <a:t>Metal</a:t>
+            </a:r>
+            <a:r>
+              <a:rPr lang="de-DE" sz="1200" dirty="0">
+                <a:solidFill>
+                  <a:schemeClr val="bg1">
+                    <a:lumMod val="85000"/>
+                  </a:schemeClr>
+                </a:solidFill>
+              </a:rPr>
+              <a:t> </a:t>
+            </a:r>
+            <a:r>
+              <a:rPr lang="de-DE" sz="1200" dirty="0" err="1">
+                <a:solidFill>
+                  <a:schemeClr val="bg1">
+                    <a:lumMod val="85000"/>
+                  </a:schemeClr>
+                </a:solidFill>
+              </a:rPr>
+              <a:t>llm.swift</a:t>
+            </a:r>
+            <a:r>
+              <a:rPr lang="de-DE" sz="1200" dirty="0">
+                <a:solidFill>
+                  <a:schemeClr val="bg1">
+                    <a:lumMod val="85000"/>
+                  </a:schemeClr>
+                </a:solidFill>
+              </a:rPr>
+              <a:t> LLM </a:t>
+            </a:r>
+            <a:r>
+              <a:rPr lang="de-DE" sz="1200" dirty="0" err="1">
+                <a:solidFill>
+                  <a:schemeClr val="bg1">
+                    <a:lumMod val="85000"/>
+                  </a:schemeClr>
+                </a:solidFill>
+              </a:rPr>
+              <a:t>llm.swift</a:t>
+            </a:r>
+            <a:r>
+              <a:rPr lang="de-DE" sz="1200" dirty="0">
+                <a:solidFill>
+                  <a:schemeClr val="bg1">
+                    <a:lumMod val="85000"/>
+                  </a:schemeClr>
+                </a:solidFill>
+              </a:rPr>
+              <a:t> </a:t>
+            </a:r>
+            <a:r>
+              <a:rPr lang="de-DE" sz="1200" dirty="0" err="1">
+                <a:solidFill>
+                  <a:schemeClr val="bg1">
+                    <a:lumMod val="85000"/>
+                  </a:schemeClr>
+                </a:solidFill>
+              </a:rPr>
+              <a:t>Metal</a:t>
+            </a:r>
+            <a:r>
+              <a:rPr lang="de-DE" sz="1200" dirty="0">
+                <a:solidFill>
+                  <a:schemeClr val="bg1">
+                    <a:lumMod val="85000"/>
+                  </a:schemeClr>
+                </a:solidFill>
+              </a:rPr>
+              <a:t> </a:t>
+            </a:r>
+            <a:r>
+              <a:rPr lang="de-DE" sz="1200" dirty="0" err="1">
+                <a:solidFill>
+                  <a:schemeClr val="bg1">
+                    <a:lumMod val="85000"/>
+                  </a:schemeClr>
+                </a:solidFill>
+              </a:rPr>
+              <a:t>Metal</a:t>
+            </a:r>
+            <a:r>
+              <a:rPr lang="de-DE" sz="1200" dirty="0">
+                <a:solidFill>
+                  <a:schemeClr val="bg1">
+                    <a:lumMod val="85000"/>
+                  </a:schemeClr>
+                </a:solidFill>
+              </a:rPr>
+              <a:t> Swift GPT2 </a:t>
+            </a:r>
+            <a:r>
+              <a:rPr lang="de-DE" sz="1200" dirty="0" err="1">
+                <a:solidFill>
+                  <a:schemeClr val="bg1">
+                    <a:lumMod val="85000"/>
+                  </a:schemeClr>
+                </a:solidFill>
+              </a:rPr>
+              <a:t>GPT2</a:t>
+            </a:r>
+            <a:r>
+              <a:rPr lang="de-DE" sz="1200" dirty="0">
+                <a:solidFill>
+                  <a:schemeClr val="bg1">
+                    <a:lumMod val="85000"/>
+                  </a:schemeClr>
+                </a:solidFill>
+              </a:rPr>
+              <a:t> </a:t>
+            </a:r>
+            <a:r>
+              <a:rPr lang="de-DE" sz="1200" dirty="0" err="1">
+                <a:solidFill>
+                  <a:schemeClr val="bg1">
+                    <a:lumMod val="85000"/>
+                  </a:schemeClr>
+                </a:solidFill>
+              </a:rPr>
+              <a:t>llm.c</a:t>
+            </a:r>
+            <a:r>
+              <a:rPr lang="de-DE" sz="1200" dirty="0">
+                <a:solidFill>
+                  <a:schemeClr val="bg1">
+                    <a:lumMod val="85000"/>
+                  </a:schemeClr>
+                </a:solidFill>
+              </a:rPr>
+              <a:t> </a:t>
+            </a:r>
+            <a:r>
+              <a:rPr lang="de-DE" sz="1200" dirty="0" err="1">
+                <a:solidFill>
+                  <a:schemeClr val="bg1">
+                    <a:lumMod val="85000"/>
+                  </a:schemeClr>
+                </a:solidFill>
+              </a:rPr>
+              <a:t>llm.c</a:t>
+            </a:r>
+            <a:r>
+              <a:rPr lang="de-DE" sz="1200" dirty="0">
+                <a:solidFill>
+                  <a:schemeClr val="bg1">
+                    <a:lumMod val="85000"/>
+                  </a:schemeClr>
+                </a:solidFill>
+              </a:rPr>
+              <a:t> GPT2 </a:t>
+            </a:r>
+            <a:r>
+              <a:rPr lang="de-DE" sz="1200" dirty="0" err="1">
+                <a:solidFill>
+                  <a:schemeClr val="bg1">
+                    <a:lumMod val="85000"/>
+                  </a:schemeClr>
+                </a:solidFill>
+              </a:rPr>
+              <a:t>llm.swift</a:t>
+            </a:r>
+            <a:r>
+              <a:rPr lang="de-DE" sz="1200" dirty="0">
+                <a:solidFill>
+                  <a:schemeClr val="bg1">
+                    <a:lumMod val="85000"/>
+                  </a:schemeClr>
+                </a:solidFill>
+              </a:rPr>
+              <a:t> </a:t>
+            </a:r>
+            <a:r>
+              <a:rPr lang="de-DE" sz="1200" dirty="0" err="1">
+                <a:solidFill>
+                  <a:schemeClr val="bg1">
+                    <a:lumMod val="85000"/>
+                  </a:schemeClr>
+                </a:solidFill>
+              </a:rPr>
+              <a:t>llm.c</a:t>
+            </a:r>
+            <a:r>
+              <a:rPr lang="de-DE" sz="1200" dirty="0">
+                <a:solidFill>
+                  <a:schemeClr val="bg1">
+                    <a:lumMod val="85000"/>
+                  </a:schemeClr>
+                </a:solidFill>
+              </a:rPr>
+              <a:t> Swift LLM </a:t>
+            </a:r>
+            <a:r>
+              <a:rPr lang="de-DE" sz="1200" dirty="0" err="1">
+                <a:solidFill>
+                  <a:schemeClr val="bg1">
+                    <a:lumMod val="85000"/>
+                  </a:schemeClr>
+                </a:solidFill>
+              </a:rPr>
+              <a:t>llm.swift</a:t>
+            </a:r>
+            <a:r>
+              <a:rPr lang="de-DE" sz="1200" dirty="0">
+                <a:solidFill>
+                  <a:schemeClr val="bg1">
+                    <a:lumMod val="85000"/>
+                  </a:schemeClr>
+                </a:solidFill>
+              </a:rPr>
+              <a:t> </a:t>
+            </a:r>
+            <a:r>
+              <a:rPr lang="de-DE" sz="1200" dirty="0" err="1">
+                <a:solidFill>
+                  <a:schemeClr val="bg1">
+                    <a:lumMod val="85000"/>
+                  </a:schemeClr>
+                </a:solidFill>
+              </a:rPr>
+              <a:t>Metal</a:t>
+            </a:r>
+            <a:r>
+              <a:rPr lang="de-DE" sz="1200" dirty="0">
+                <a:solidFill>
+                  <a:schemeClr val="bg1">
+                    <a:lumMod val="85000"/>
+                  </a:schemeClr>
+                </a:solidFill>
+              </a:rPr>
+              <a:t> Swift </a:t>
+            </a:r>
+            <a:r>
+              <a:rPr lang="de-DE" sz="1200" dirty="0" err="1">
+                <a:solidFill>
+                  <a:schemeClr val="bg1">
+                    <a:lumMod val="85000"/>
+                  </a:schemeClr>
+                </a:solidFill>
+              </a:rPr>
+              <a:t>llm.c</a:t>
+            </a:r>
+            <a:r>
+              <a:rPr lang="de-DE" sz="1200" dirty="0">
+                <a:solidFill>
+                  <a:schemeClr val="bg1">
+                    <a:lumMod val="85000"/>
+                  </a:schemeClr>
+                </a:solidFill>
+              </a:rPr>
+              <a:t> </a:t>
+            </a:r>
+            <a:r>
+              <a:rPr lang="de-DE" sz="1200" dirty="0" err="1">
+                <a:solidFill>
+                  <a:schemeClr val="bg1">
+                    <a:lumMod val="85000"/>
+                  </a:schemeClr>
+                </a:solidFill>
+              </a:rPr>
+              <a:t>llm.swift</a:t>
+            </a:r>
+            <a:r>
+              <a:rPr lang="de-DE" sz="1200" dirty="0">
+                <a:solidFill>
+                  <a:schemeClr val="bg1">
+                    <a:lumMod val="85000"/>
+                  </a:schemeClr>
+                </a:solidFill>
+              </a:rPr>
+              <a:t> Swift GPT2 </a:t>
+            </a:r>
+            <a:r>
+              <a:rPr lang="de-DE" sz="1200" dirty="0" err="1">
+                <a:solidFill>
+                  <a:schemeClr val="bg1">
+                    <a:lumMod val="85000"/>
+                  </a:schemeClr>
+                </a:solidFill>
+              </a:rPr>
+              <a:t>llm.c</a:t>
+            </a:r>
+            <a:r>
+              <a:rPr lang="de-DE" sz="1200" dirty="0">
+                <a:solidFill>
+                  <a:schemeClr val="bg1">
+                    <a:lumMod val="85000"/>
+                  </a:schemeClr>
+                </a:solidFill>
+              </a:rPr>
+              <a:t> Swift </a:t>
+            </a:r>
+            <a:r>
+              <a:rPr lang="de-DE" sz="1200" dirty="0" err="1">
+                <a:solidFill>
+                  <a:schemeClr val="bg1">
+                    <a:lumMod val="85000"/>
+                  </a:schemeClr>
+                </a:solidFill>
+              </a:rPr>
+              <a:t>llm.swift</a:t>
+            </a:r>
+            <a:r>
+              <a:rPr lang="de-DE" sz="1200" dirty="0">
+                <a:solidFill>
+                  <a:schemeClr val="bg1">
+                    <a:lumMod val="85000"/>
+                  </a:schemeClr>
+                </a:solidFill>
+              </a:rPr>
+              <a:t> </a:t>
+            </a:r>
+            <a:r>
+              <a:rPr lang="de-DE" sz="1200" dirty="0" err="1">
+                <a:solidFill>
+                  <a:schemeClr val="bg1">
+                    <a:lumMod val="85000"/>
+                  </a:schemeClr>
+                </a:solidFill>
+              </a:rPr>
+              <a:t>Metal</a:t>
+            </a:r>
+            <a:r>
+              <a:rPr lang="de-DE" sz="1200" dirty="0">
+                <a:solidFill>
+                  <a:schemeClr val="bg1">
+                    <a:lumMod val="85000"/>
+                  </a:schemeClr>
+                </a:solidFill>
+              </a:rPr>
+              <a:t> Swift GPT2 </a:t>
+            </a:r>
+            <a:r>
+              <a:rPr lang="de-DE" sz="1200" dirty="0" err="1">
+                <a:solidFill>
+                  <a:schemeClr val="bg1">
+                    <a:lumMod val="85000"/>
+                  </a:schemeClr>
+                </a:solidFill>
+              </a:rPr>
+              <a:t>llm.swift</a:t>
+            </a:r>
+            <a:r>
+              <a:rPr lang="de-DE" sz="1200" dirty="0">
+                <a:solidFill>
+                  <a:schemeClr val="bg1">
+                    <a:lumMod val="85000"/>
+                  </a:schemeClr>
+                </a:solidFill>
+              </a:rPr>
+              <a:t> </a:t>
+            </a:r>
+            <a:r>
+              <a:rPr lang="de-DE" sz="1200" dirty="0" err="1">
+                <a:solidFill>
+                  <a:schemeClr val="bg1">
+                    <a:lumMod val="85000"/>
+                  </a:schemeClr>
+                </a:solidFill>
+              </a:rPr>
+              <a:t>llm.c</a:t>
+            </a:r>
+            <a:r>
+              <a:rPr lang="de-DE" sz="1200" dirty="0">
+                <a:solidFill>
+                  <a:schemeClr val="bg1">
+                    <a:lumMod val="85000"/>
+                  </a:schemeClr>
+                </a:solidFill>
+              </a:rPr>
+              <a:t> </a:t>
+            </a:r>
+            <a:r>
+              <a:rPr lang="de-DE" sz="1200" dirty="0" err="1">
+                <a:solidFill>
+                  <a:schemeClr val="bg1">
+                    <a:lumMod val="85000"/>
+                  </a:schemeClr>
+                </a:solidFill>
+              </a:rPr>
+              <a:t>llm.swift</a:t>
+            </a:r>
+            <a:r>
+              <a:rPr lang="de-DE" sz="1200" dirty="0">
+                <a:solidFill>
+                  <a:schemeClr val="bg1">
+                    <a:lumMod val="85000"/>
+                  </a:schemeClr>
+                </a:solidFill>
+              </a:rPr>
+              <a:t> </a:t>
+            </a:r>
+            <a:r>
+              <a:rPr lang="de-DE" sz="1200" dirty="0" err="1">
+                <a:solidFill>
+                  <a:schemeClr val="bg1">
+                    <a:lumMod val="85000"/>
+                  </a:schemeClr>
+                </a:solidFill>
+              </a:rPr>
+              <a:t>llm.c</a:t>
+            </a:r>
+            <a:r>
+              <a:rPr lang="de-DE" sz="1200" dirty="0">
+                <a:solidFill>
+                  <a:schemeClr val="bg1">
+                    <a:lumMod val="85000"/>
+                  </a:schemeClr>
+                </a:solidFill>
+              </a:rPr>
+              <a:t> </a:t>
+            </a:r>
+            <a:r>
+              <a:rPr lang="de-DE" sz="1200" dirty="0" err="1">
+                <a:solidFill>
+                  <a:schemeClr val="bg1">
+                    <a:lumMod val="85000"/>
+                  </a:schemeClr>
+                </a:solidFill>
+              </a:rPr>
+              <a:t>llm.swift</a:t>
+            </a:r>
+            <a:r>
+              <a:rPr lang="de-DE" sz="1200" dirty="0">
+                <a:solidFill>
+                  <a:schemeClr val="bg1">
+                    <a:lumMod val="85000"/>
+                  </a:schemeClr>
+                </a:solidFill>
+              </a:rPr>
+              <a:t> Swift </a:t>
+            </a:r>
+            <a:r>
+              <a:rPr lang="de-DE" sz="1200" dirty="0" err="1">
+                <a:solidFill>
+                  <a:schemeClr val="bg1">
+                    <a:lumMod val="85000"/>
+                  </a:schemeClr>
+                </a:solidFill>
+              </a:rPr>
+              <a:t>Metal</a:t>
+            </a:r>
+            <a:r>
+              <a:rPr lang="de-DE" sz="1200" dirty="0">
+                <a:solidFill>
+                  <a:schemeClr val="bg1">
+                    <a:lumMod val="85000"/>
+                  </a:schemeClr>
+                </a:solidFill>
+              </a:rPr>
+              <a:t> Swift GPT2 </a:t>
+            </a:r>
+            <a:r>
+              <a:rPr lang="de-DE" sz="1200" dirty="0" err="1">
+                <a:solidFill>
+                  <a:schemeClr val="bg1">
+                    <a:lumMod val="85000"/>
+                  </a:schemeClr>
+                </a:solidFill>
+              </a:rPr>
+              <a:t>llm.c</a:t>
+            </a:r>
+            <a:r>
+              <a:rPr lang="de-DE" sz="1200" dirty="0">
+                <a:solidFill>
+                  <a:schemeClr val="bg1">
+                    <a:lumMod val="85000"/>
+                  </a:schemeClr>
+                </a:solidFill>
+              </a:rPr>
+              <a:t> </a:t>
+            </a:r>
+            <a:r>
+              <a:rPr lang="de-DE" sz="1200" dirty="0" err="1">
+                <a:solidFill>
+                  <a:schemeClr val="bg1">
+                    <a:lumMod val="85000"/>
+                  </a:schemeClr>
+                </a:solidFill>
+              </a:rPr>
+              <a:t>llm.swift</a:t>
+            </a:r>
+            <a:r>
+              <a:rPr lang="de-DE" sz="1200" dirty="0">
+                <a:solidFill>
+                  <a:schemeClr val="bg1">
+                    <a:lumMod val="85000"/>
+                  </a:schemeClr>
+                </a:solidFill>
+              </a:rPr>
+              <a:t> </a:t>
+            </a:r>
+            <a:r>
+              <a:rPr lang="de-DE" sz="1200" dirty="0" err="1">
+                <a:solidFill>
+                  <a:schemeClr val="bg1">
+                    <a:lumMod val="85000"/>
+                  </a:schemeClr>
+                </a:solidFill>
+              </a:rPr>
+              <a:t>llm.c</a:t>
+            </a:r>
+            <a:r>
+              <a:rPr lang="de-DE" sz="1200" dirty="0">
+                <a:solidFill>
+                  <a:schemeClr val="bg1">
+                    <a:lumMod val="85000"/>
+                  </a:schemeClr>
+                </a:solidFill>
+              </a:rPr>
+              <a:t> LLM </a:t>
+            </a:r>
+            <a:r>
+              <a:rPr lang="de-DE" sz="1200" dirty="0" err="1">
+                <a:solidFill>
+                  <a:schemeClr val="bg1">
+                    <a:lumMod val="85000"/>
+                  </a:schemeClr>
+                </a:solidFill>
+              </a:rPr>
+              <a:t>llm.swift</a:t>
+            </a:r>
+            <a:r>
+              <a:rPr lang="de-DE" sz="1200" dirty="0">
+                <a:solidFill>
+                  <a:schemeClr val="bg1">
+                    <a:lumMod val="85000"/>
+                  </a:schemeClr>
+                </a:solidFill>
+              </a:rPr>
+              <a:t> </a:t>
+            </a:r>
+            <a:r>
+              <a:rPr lang="de-DE" sz="1200" dirty="0" err="1">
+                <a:solidFill>
+                  <a:schemeClr val="bg1">
+                    <a:lumMod val="85000"/>
+                  </a:schemeClr>
+                </a:solidFill>
+              </a:rPr>
+              <a:t>llm.c</a:t>
+            </a:r>
+            <a:r>
+              <a:rPr lang="de-DE" sz="1200" dirty="0">
+                <a:solidFill>
+                  <a:schemeClr val="bg1">
+                    <a:lumMod val="85000"/>
+                  </a:schemeClr>
+                </a:solidFill>
+              </a:rPr>
+              <a:t> </a:t>
+            </a:r>
+            <a:r>
+              <a:rPr lang="de-DE" sz="1200" dirty="0" err="1">
+                <a:solidFill>
+                  <a:schemeClr val="bg1">
+                    <a:lumMod val="85000"/>
+                  </a:schemeClr>
+                </a:solidFill>
+              </a:rPr>
+              <a:t>llm.c</a:t>
+            </a:r>
+            <a:r>
+              <a:rPr lang="de-DE" sz="1200" dirty="0">
+                <a:solidFill>
+                  <a:schemeClr val="bg1">
+                    <a:lumMod val="85000"/>
+                  </a:schemeClr>
+                </a:solidFill>
+              </a:rPr>
+              <a:t> </a:t>
+            </a:r>
+            <a:r>
+              <a:rPr lang="de-DE" sz="1200" dirty="0" err="1">
+                <a:solidFill>
+                  <a:schemeClr val="bg1">
+                    <a:lumMod val="85000"/>
+                  </a:schemeClr>
+                </a:solidFill>
+              </a:rPr>
+              <a:t>llm.c</a:t>
+            </a:r>
+            <a:r>
+              <a:rPr lang="de-DE" sz="1200" dirty="0">
+                <a:solidFill>
+                  <a:schemeClr val="bg1">
+                    <a:lumMod val="85000"/>
+                  </a:schemeClr>
+                </a:solidFill>
+              </a:rPr>
+              <a:t> </a:t>
+            </a:r>
+            <a:r>
+              <a:rPr lang="de-DE" sz="1200" dirty="0" err="1">
+                <a:solidFill>
+                  <a:schemeClr val="bg1">
+                    <a:lumMod val="85000"/>
+                  </a:schemeClr>
+                </a:solidFill>
+              </a:rPr>
+              <a:t>Metal</a:t>
+            </a:r>
+            <a:r>
+              <a:rPr lang="de-DE" sz="1200" dirty="0">
+                <a:solidFill>
+                  <a:schemeClr val="bg1">
+                    <a:lumMod val="85000"/>
+                  </a:schemeClr>
+                </a:solidFill>
+              </a:rPr>
+              <a:t> GPT2 </a:t>
+            </a:r>
+            <a:r>
+              <a:rPr lang="de-DE" sz="1200" dirty="0" err="1">
+                <a:solidFill>
+                  <a:schemeClr val="bg1">
+                    <a:lumMod val="85000"/>
+                  </a:schemeClr>
+                </a:solidFill>
+              </a:rPr>
+              <a:t>GPT2</a:t>
+            </a:r>
+            <a:r>
+              <a:rPr lang="de-DE" sz="1200" dirty="0">
+                <a:solidFill>
+                  <a:schemeClr val="bg1">
+                    <a:lumMod val="85000"/>
+                  </a:schemeClr>
+                </a:solidFill>
+              </a:rPr>
+              <a:t> </a:t>
+            </a:r>
+            <a:r>
+              <a:rPr lang="de-DE" sz="1200" dirty="0" err="1">
+                <a:solidFill>
+                  <a:schemeClr val="bg1">
+                    <a:lumMod val="85000"/>
+                  </a:schemeClr>
+                </a:solidFill>
+              </a:rPr>
+              <a:t>llm.c</a:t>
+            </a:r>
+            <a:r>
+              <a:rPr lang="de-DE" sz="1200" dirty="0">
+                <a:solidFill>
+                  <a:schemeClr val="bg1">
+                    <a:lumMod val="85000"/>
+                  </a:schemeClr>
+                </a:solidFill>
+              </a:rPr>
+              <a:t> </a:t>
+            </a:r>
+            <a:r>
+              <a:rPr lang="de-DE" sz="1200" dirty="0" err="1">
+                <a:solidFill>
+                  <a:schemeClr val="bg1">
+                    <a:lumMod val="85000"/>
+                  </a:schemeClr>
+                </a:solidFill>
+              </a:rPr>
+              <a:t>llm.c</a:t>
+            </a:r>
+            <a:r>
+              <a:rPr lang="de-DE" sz="1200" dirty="0">
+                <a:solidFill>
+                  <a:schemeClr val="bg1">
+                    <a:lumMod val="85000"/>
+                  </a:schemeClr>
+                </a:solidFill>
+              </a:rPr>
+              <a:t> </a:t>
+            </a:r>
+            <a:r>
+              <a:rPr lang="de-DE" sz="1200" dirty="0" err="1">
+                <a:solidFill>
+                  <a:schemeClr val="bg1">
+                    <a:lumMod val="85000"/>
+                  </a:schemeClr>
+                </a:solidFill>
+              </a:rPr>
+              <a:t>llm.swift</a:t>
+            </a:r>
+            <a:r>
+              <a:rPr lang="de-DE" sz="1200" dirty="0">
+                <a:solidFill>
+                  <a:schemeClr val="bg1">
+                    <a:lumMod val="85000"/>
+                  </a:schemeClr>
+                </a:solidFill>
+              </a:rPr>
+              <a:t> LLM </a:t>
+            </a:r>
+            <a:r>
+              <a:rPr lang="de-DE" sz="1200" dirty="0" err="1">
+                <a:solidFill>
+                  <a:schemeClr val="bg1">
+                    <a:lumMod val="85000"/>
+                  </a:schemeClr>
+                </a:solidFill>
+              </a:rPr>
+              <a:t>Metal</a:t>
+            </a:r>
+            <a:r>
+              <a:rPr lang="de-DE" sz="1200" dirty="0">
+                <a:solidFill>
+                  <a:schemeClr val="bg1">
+                    <a:lumMod val="85000"/>
+                  </a:schemeClr>
+                </a:solidFill>
+              </a:rPr>
+              <a:t> GPT2 </a:t>
+            </a:r>
+            <a:r>
+              <a:rPr lang="de-DE" sz="1200" dirty="0" err="1">
+                <a:solidFill>
+                  <a:schemeClr val="bg1">
+                    <a:lumMod val="85000"/>
+                  </a:schemeClr>
+                </a:solidFill>
+              </a:rPr>
+              <a:t>llm.swift</a:t>
+            </a:r>
+            <a:endParaRPr lang="de-DE" sz="1200" dirty="0">
+              <a:solidFill>
+                <a:schemeClr val="bg1">
+                  <a:lumMod val="85000"/>
+                </a:schemeClr>
+              </a:solidFill>
+            </a:endParaRPr>
+          </a:p>
+        </p:txBody>
+      </p:sp>
     </p:spTree>
     <p:extLst>
       <p:ext uri="{BB962C8B-B14F-4D97-AF65-F5344CB8AC3E}">
@@ -4004,6 +9963,181 @@
 </file>
 
 <file path=ppt/slides/slide3.xml><?xml version="1.0" encoding="utf-8"?>
+<p:sld xmlns:a="http://schemas.openxmlformats.org/drawingml/2006/main" xmlns:r="http://schemas.openxmlformats.org/officeDocument/2006/relationships" xmlns:p="http://schemas.openxmlformats.org/presentationml/2006/main">
+  <p:cSld>
+    <p:bg>
+      <p:bgPr>
+        <a:solidFill>
+          <a:schemeClr val="bg1">
+            <a:alpha val="0"/>
+          </a:schemeClr>
+        </a:solidFill>
+        <a:effectLst/>
+      </p:bgPr>
+    </p:bg>
+    <p:spTree>
+      <p:nvGrpSpPr>
+        <p:cNvPr id="1" name=""/>
+        <p:cNvGrpSpPr/>
+        <p:nvPr/>
+      </p:nvGrpSpPr>
+      <p:grpSpPr>
+        <a:xfrm>
+          <a:off x="0" y="0"/>
+          <a:ext cx="0" cy="0"/>
+          <a:chOff x="0" y="0"/>
+          <a:chExt cx="0" cy="0"/>
+        </a:xfrm>
+      </p:grpSpPr>
+      <p:pic>
+        <p:nvPicPr>
+          <p:cNvPr id="27" name="Grafik 26" descr="Ein Bild, das Text, Symbol, Schrift, Zahl enthält.&#10;&#10;Automatisch generierte Beschreibung">
+            <a:extLst>
+              <a:ext uri="{FF2B5EF4-FFF2-40B4-BE49-F238E27FC236}">
+                <a16:creationId xmlns:a16="http://schemas.microsoft.com/office/drawing/2014/main" id="{979C582A-CD5A-70C5-512E-BE78C31657A0}"/>
+              </a:ext>
+            </a:extLst>
+          </p:cNvPr>
+          <p:cNvPicPr>
+            <a:picLocks noChangeAspect="1"/>
+          </p:cNvPicPr>
+          <p:nvPr/>
+        </p:nvPicPr>
+        <p:blipFill>
+          <a:blip r:embed="rId2">
+            <a:extLst>
+              <a:ext uri="{28A0092B-C50C-407E-A947-70E740481C1C}">
+                <a14:useLocalDpi xmlns:a14="http://schemas.microsoft.com/office/drawing/2010/main" val="0"/>
+              </a:ext>
+            </a:extLst>
+          </a:blip>
+          <a:srcRect/>
+          <a:stretch>
+            <a:fillRect/>
+          </a:stretch>
+        </p:blipFill>
+        <p:spPr>
+          <a:xfrm>
+            <a:off x="4890031" y="2223031"/>
+            <a:ext cx="2411938" cy="2411938"/>
+          </a:xfrm>
+          <a:custGeom>
+            <a:avLst/>
+            <a:gdLst>
+              <a:gd name="connsiteX0" fmla="*/ 58441 w 2411938"/>
+              <a:gd name="connsiteY0" fmla="*/ 0 h 2411938"/>
+              <a:gd name="connsiteX1" fmla="*/ 2353497 w 2411938"/>
+              <a:gd name="connsiteY1" fmla="*/ 0 h 2411938"/>
+              <a:gd name="connsiteX2" fmla="*/ 2411938 w 2411938"/>
+              <a:gd name="connsiteY2" fmla="*/ 58441 h 2411938"/>
+              <a:gd name="connsiteX3" fmla="*/ 2411938 w 2411938"/>
+              <a:gd name="connsiteY3" fmla="*/ 2353497 h 2411938"/>
+              <a:gd name="connsiteX4" fmla="*/ 2353497 w 2411938"/>
+              <a:gd name="connsiteY4" fmla="*/ 2411938 h 2411938"/>
+              <a:gd name="connsiteX5" fmla="*/ 58441 w 2411938"/>
+              <a:gd name="connsiteY5" fmla="*/ 2411938 h 2411938"/>
+              <a:gd name="connsiteX6" fmla="*/ 0 w 2411938"/>
+              <a:gd name="connsiteY6" fmla="*/ 2353497 h 2411938"/>
+              <a:gd name="connsiteX7" fmla="*/ 0 w 2411938"/>
+              <a:gd name="connsiteY7" fmla="*/ 58441 h 2411938"/>
+              <a:gd name="connsiteX8" fmla="*/ 58441 w 2411938"/>
+              <a:gd name="connsiteY8" fmla="*/ 0 h 2411938"/>
+            </a:gdLst>
+            <a:ahLst/>
+            <a:cxnLst>
+              <a:cxn ang="0">
+                <a:pos x="connsiteX0" y="connsiteY0"/>
+              </a:cxn>
+              <a:cxn ang="0">
+                <a:pos x="connsiteX1" y="connsiteY1"/>
+              </a:cxn>
+              <a:cxn ang="0">
+                <a:pos x="connsiteX2" y="connsiteY2"/>
+              </a:cxn>
+              <a:cxn ang="0">
+                <a:pos x="connsiteX3" y="connsiteY3"/>
+              </a:cxn>
+              <a:cxn ang="0">
+                <a:pos x="connsiteX4" y="connsiteY4"/>
+              </a:cxn>
+              <a:cxn ang="0">
+                <a:pos x="connsiteX5" y="connsiteY5"/>
+              </a:cxn>
+              <a:cxn ang="0">
+                <a:pos x="connsiteX6" y="connsiteY6"/>
+              </a:cxn>
+              <a:cxn ang="0">
+                <a:pos x="connsiteX7" y="connsiteY7"/>
+              </a:cxn>
+              <a:cxn ang="0">
+                <a:pos x="connsiteX8" y="connsiteY8"/>
+              </a:cxn>
+            </a:cxnLst>
+            <a:rect l="l" t="t" r="r" b="b"/>
+            <a:pathLst>
+              <a:path w="2411938" h="2411938">
+                <a:moveTo>
+                  <a:pt x="58441" y="0"/>
+                </a:moveTo>
+                <a:lnTo>
+                  <a:pt x="2353497" y="0"/>
+                </a:lnTo>
+                <a:cubicBezTo>
+                  <a:pt x="2385773" y="0"/>
+                  <a:pt x="2411938" y="26165"/>
+                  <a:pt x="2411938" y="58441"/>
+                </a:cubicBezTo>
+                <a:lnTo>
+                  <a:pt x="2411938" y="2353497"/>
+                </a:lnTo>
+                <a:cubicBezTo>
+                  <a:pt x="2411938" y="2385773"/>
+                  <a:pt x="2385773" y="2411938"/>
+                  <a:pt x="2353497" y="2411938"/>
+                </a:cubicBezTo>
+                <a:lnTo>
+                  <a:pt x="58441" y="2411938"/>
+                </a:lnTo>
+                <a:cubicBezTo>
+                  <a:pt x="26165" y="2411938"/>
+                  <a:pt x="0" y="2385773"/>
+                  <a:pt x="0" y="2353497"/>
+                </a:cubicBezTo>
+                <a:lnTo>
+                  <a:pt x="0" y="58441"/>
+                </a:lnTo>
+                <a:cubicBezTo>
+                  <a:pt x="0" y="26165"/>
+                  <a:pt x="26165" y="0"/>
+                  <a:pt x="58441" y="0"/>
+                </a:cubicBezTo>
+                <a:close/>
+              </a:path>
+            </a:pathLst>
+          </a:custGeom>
+          <a:ln w="3175">
+            <a:solidFill>
+              <a:schemeClr val="bg1">
+                <a:lumMod val="85000"/>
+              </a:schemeClr>
+            </a:solidFill>
+          </a:ln>
+        </p:spPr>
+      </p:pic>
+    </p:spTree>
+    <p:extLst>
+      <p:ext uri="{BB962C8B-B14F-4D97-AF65-F5344CB8AC3E}">
+        <p14:creationId xmlns:p14="http://schemas.microsoft.com/office/powerpoint/2010/main" val="3159394891"/>
+      </p:ext>
+    </p:extLst>
+  </p:cSld>
+  <p:clrMapOvr>
+    <a:masterClrMapping/>
+  </p:clrMapOvr>
+</p:sld>
+</file>
+
+<file path=ppt/slides/slide4.xml><?xml version="1.0" encoding="utf-8"?>
 <p:sld xmlns:a="http://schemas.openxmlformats.org/drawingml/2006/main" xmlns:r="http://schemas.openxmlformats.org/officeDocument/2006/relationships" xmlns:p="http://schemas.openxmlformats.org/presentationml/2006/main">
   <p:cSld>
     <p:spTree>
@@ -4063,7 +10197,7 @@
 </p:sld>
 </file>
 
-<file path=ppt/slides/slide4.xml><?xml version="1.0" encoding="utf-8"?>
+<file path=ppt/slides/slide5.xml><?xml version="1.0" encoding="utf-8"?>
 <p:sld xmlns:a="http://schemas.openxmlformats.org/drawingml/2006/main" xmlns:r="http://schemas.openxmlformats.org/officeDocument/2006/relationships" xmlns:p="http://schemas.openxmlformats.org/presentationml/2006/main">
   <p:cSld>
     <p:spTree>
@@ -4123,7 +10257,7 @@
 </p:sld>
 </file>
 
-<file path=ppt/slides/slide5.xml><?xml version="1.0" encoding="utf-8"?>
+<file path=ppt/slides/slide6.xml><?xml version="1.0" encoding="utf-8"?>
 <p:sld xmlns:a="http://schemas.openxmlformats.org/drawingml/2006/main" xmlns:r="http://schemas.openxmlformats.org/officeDocument/2006/relationships" xmlns:p="http://schemas.openxmlformats.org/presentationml/2006/main">
   <p:cSld>
     <p:spTree>
